--- a/Project_Presentation.pptx
+++ b/Project_Presentation.pptx
@@ -5,22 +5,25 @@
     <p:sldMasterId id="2147483687" r:id="rId1"/>
   </p:sldMasterIdLst>
   <p:notesMasterIdLst>
-    <p:notesMasterId r:id="rId15"/>
+    <p:notesMasterId r:id="rId18"/>
   </p:notesMasterIdLst>
   <p:sldIdLst>
     <p:sldId id="256" r:id="rId2"/>
     <p:sldId id="257" r:id="rId3"/>
-    <p:sldId id="267" r:id="rId4"/>
-    <p:sldId id="258" r:id="rId5"/>
-    <p:sldId id="259" r:id="rId6"/>
-    <p:sldId id="266" r:id="rId7"/>
-    <p:sldId id="268" r:id="rId8"/>
-    <p:sldId id="263" r:id="rId9"/>
-    <p:sldId id="262" r:id="rId10"/>
-    <p:sldId id="264" r:id="rId11"/>
-    <p:sldId id="265" r:id="rId12"/>
-    <p:sldId id="269" r:id="rId13"/>
-    <p:sldId id="270" r:id="rId14"/>
+    <p:sldId id="258" r:id="rId4"/>
+    <p:sldId id="259" r:id="rId5"/>
+    <p:sldId id="268" r:id="rId6"/>
+    <p:sldId id="271" r:id="rId7"/>
+    <p:sldId id="272" r:id="rId8"/>
+    <p:sldId id="273" r:id="rId9"/>
+    <p:sldId id="274" r:id="rId10"/>
+    <p:sldId id="263" r:id="rId11"/>
+    <p:sldId id="275" r:id="rId12"/>
+    <p:sldId id="262" r:id="rId13"/>
+    <p:sldId id="264" r:id="rId14"/>
+    <p:sldId id="265" r:id="rId15"/>
+    <p:sldId id="269" r:id="rId16"/>
+    <p:sldId id="270" r:id="rId17"/>
   </p:sldIdLst>
   <p:sldSz cx="12192000" cy="6858000"/>
   <p:notesSz cx="6858000" cy="9144000"/>
@@ -209,7 +212,7 @@
           <a:p>
             <a:fld id="{364BA545-4274-4580-A00D-7F22990E525F}" type="datetimeFigureOut">
               <a:rPr lang="en-US" smtClean="0"/>
-              <a:t>10/13/2018</a:t>
+              <a:t>10/16/2018</a:t>
             </a:fld>
             <a:endParaRPr lang="en-US"/>
           </a:p>
@@ -663,7 +666,7 @@
           <a:p>
             <a:fld id="{18240E93-516D-40B8-B139-20F636283E8B}" type="datetime1">
               <a:rPr lang="en-US" smtClean="0"/>
-              <a:t>10/13/2018</a:t>
+              <a:t>10/16/2018</a:t>
             </a:fld>
             <a:endParaRPr lang="en-US" dirty="0"/>
           </a:p>
@@ -938,7 +941,7 @@
           <a:p>
             <a:fld id="{C8556125-56ED-41FE-BA0A-EB5E20EBA4FD}" type="datetime1">
               <a:rPr lang="en-US" smtClean="0"/>
-              <a:t>10/13/2018</a:t>
+              <a:t>10/16/2018</a:t>
             </a:fld>
             <a:endParaRPr lang="en-US" dirty="0"/>
           </a:p>
@@ -1132,7 +1135,7 @@
           <a:p>
             <a:fld id="{F8615742-BF0D-4B00-81C8-1B769A8D80C0}" type="datetime1">
               <a:rPr lang="en-US" smtClean="0"/>
-              <a:t>10/13/2018</a:t>
+              <a:t>10/16/2018</a:t>
             </a:fld>
             <a:endParaRPr lang="en-US" dirty="0"/>
           </a:p>
@@ -1403,7 +1406,7 @@
           <a:p>
             <a:fld id="{C25C919B-6A7C-42AB-BB75-1A29578BAA9F}" type="datetime1">
               <a:rPr lang="en-US" smtClean="0"/>
-              <a:t>10/13/2018</a:t>
+              <a:t>10/16/2018</a:t>
             </a:fld>
             <a:endParaRPr lang="en-US" dirty="0"/>
           </a:p>
@@ -1730,7 +1733,7 @@
           <a:p>
             <a:fld id="{8434AC9C-CC5C-4ED1-B4B5-33129B08BBBA}" type="datetime1">
               <a:rPr lang="en-US" smtClean="0"/>
-              <a:t>10/13/2018</a:t>
+              <a:t>10/16/2018</a:t>
             </a:fld>
             <a:endParaRPr lang="en-US" dirty="0"/>
           </a:p>
@@ -2349,7 +2352,7 @@
           <a:p>
             <a:fld id="{38FE29AB-C000-4944-963F-E7DD7A654521}" type="datetime1">
               <a:rPr lang="en-US" smtClean="0"/>
-              <a:t>10/13/2018</a:t>
+              <a:t>10/16/2018</a:t>
             </a:fld>
             <a:endParaRPr lang="en-US" dirty="0"/>
           </a:p>
@@ -3196,7 +3199,7 @@
           <a:p>
             <a:fld id="{CB231152-C398-4931-841D-7D39DC38F364}" type="datetime1">
               <a:rPr lang="en-US" smtClean="0"/>
-              <a:t>10/13/2018</a:t>
+              <a:t>10/16/2018</a:t>
             </a:fld>
             <a:endParaRPr lang="en-US" dirty="0"/>
           </a:p>
@@ -3366,7 +3369,7 @@
           <a:p>
             <a:fld id="{10F3B4FB-2BE9-4614-9B72-91ADABA8A638}" type="datetime1">
               <a:rPr lang="en-US" smtClean="0"/>
-              <a:t>10/13/2018</a:t>
+              <a:t>10/16/2018</a:t>
             </a:fld>
             <a:endParaRPr lang="en-US" dirty="0"/>
           </a:p>
@@ -3546,7 +3549,7 @@
           <a:p>
             <a:fld id="{53653793-09CA-4CE8-B4C8-E10AE1E56952}" type="datetime1">
               <a:rPr lang="en-US" smtClean="0"/>
-              <a:t>10/13/2018</a:t>
+              <a:t>10/16/2018</a:t>
             </a:fld>
             <a:endParaRPr lang="en-US" dirty="0"/>
           </a:p>
@@ -3716,7 +3719,7 @@
           <a:p>
             <a:fld id="{ED268B33-8C23-4F5B-80BE-4108A7E7657E}" type="datetime1">
               <a:rPr lang="en-US" smtClean="0"/>
-              <a:t>10/13/2018</a:t>
+              <a:t>10/16/2018</a:t>
             </a:fld>
             <a:endParaRPr lang="en-US" dirty="0"/>
           </a:p>
@@ -3963,7 +3966,7 @@
           <a:p>
             <a:fld id="{DE586C82-492C-434B-B4D7-B1050DA55AA4}" type="datetime1">
               <a:rPr lang="en-US" smtClean="0"/>
-              <a:t>10/13/2018</a:t>
+              <a:t>10/16/2018</a:t>
             </a:fld>
             <a:endParaRPr lang="en-US" dirty="0"/>
           </a:p>
@@ -4255,7 +4258,7 @@
           <a:p>
             <a:fld id="{3AB3996E-FE57-49A2-80AA-C383DFF3E585}" type="datetime1">
               <a:rPr lang="en-US" smtClean="0"/>
-              <a:t>10/13/2018</a:t>
+              <a:t>10/16/2018</a:t>
             </a:fld>
             <a:endParaRPr lang="en-US" dirty="0"/>
           </a:p>
@@ -4699,7 +4702,7 @@
           <a:p>
             <a:fld id="{F92270C7-0C51-4E76-B7E6-509136AB5CEE}" type="datetime1">
               <a:rPr lang="en-US" smtClean="0"/>
-              <a:t>10/13/2018</a:t>
+              <a:t>10/16/2018</a:t>
             </a:fld>
             <a:endParaRPr lang="en-US" dirty="0"/>
           </a:p>
@@ -4817,7 +4820,7 @@
           <a:p>
             <a:fld id="{62B315EF-EBCC-497D-A507-F995E8087569}" type="datetime1">
               <a:rPr lang="en-US" smtClean="0"/>
-              <a:t>10/13/2018</a:t>
+              <a:t>10/16/2018</a:t>
             </a:fld>
             <a:endParaRPr lang="en-US" dirty="0"/>
           </a:p>
@@ -4912,7 +4915,7 @@
           <a:p>
             <a:fld id="{924BB917-3353-4C0E-AA1E-F84C4EEAF305}" type="datetime1">
               <a:rPr lang="en-US" smtClean="0"/>
-              <a:t>10/13/2018</a:t>
+              <a:t>10/16/2018</a:t>
             </a:fld>
             <a:endParaRPr lang="en-US" dirty="0"/>
           </a:p>
@@ -5191,7 +5194,7 @@
           <a:p>
             <a:fld id="{C40DFD47-544D-438F-A7C5-49AE9DB07ED3}" type="datetime1">
               <a:rPr lang="en-US" smtClean="0"/>
-              <a:t>10/13/2018</a:t>
+              <a:t>10/16/2018</a:t>
             </a:fld>
             <a:endParaRPr lang="en-US" dirty="0"/>
           </a:p>
@@ -5466,7 +5469,7 @@
           <a:p>
             <a:fld id="{59E1E701-5A8A-4183-ADAD-141EC69014C3}" type="datetime1">
               <a:rPr lang="en-US" smtClean="0"/>
-              <a:t>10/13/2018</a:t>
+              <a:t>10/16/2018</a:t>
             </a:fld>
             <a:endParaRPr lang="en-US" dirty="0"/>
           </a:p>
@@ -5889,7 +5892,7 @@
           <a:p>
             <a:fld id="{D0F7FB31-245E-4B65-AB56-E0546830EB8F}" type="datetime1">
               <a:rPr lang="en-US" smtClean="0"/>
-              <a:t>10/13/2018</a:t>
+              <a:t>10/16/2018</a:t>
             </a:fld>
             <a:endParaRPr lang="en-US" dirty="0"/>
           </a:p>
@@ -6803,12 +6806,7 @@
             <p:ph type="title"/>
           </p:nvPr>
         </p:nvSpPr>
-        <p:spPr>
-          <a:xfrm>
-            <a:off x="646111" y="282848"/>
-            <a:ext cx="9404723" cy="1400530"/>
-          </a:xfrm>
-        </p:spPr>
+        <p:spPr/>
         <p:txBody>
           <a:bodyPr/>
           <a:lstStyle/>
@@ -6818,130 +6816,50 @@
               <a:rPr lang="en-US" dirty="0" smtClean="0">
                 <a:latin typeface="Berlin Sans FB" panose="020E0602020502020306" pitchFamily="34" charset="0"/>
               </a:rPr>
-              <a:t>Step 4:Calculating </a:t>
-            </a:r>
-            <a:r>
-              <a:rPr lang="en-US" dirty="0">
-                <a:latin typeface="Berlin Sans FB" panose="020E0602020502020306" pitchFamily="34" charset="0"/>
-              </a:rPr>
-              <a:t>Percentiles</a:t>
-            </a:r>
-            <a:r>
-              <a:rPr lang="en-US" dirty="0"/>
-              <a:t> </a:t>
-            </a:r>
-          </a:p>
-        </p:txBody>
-      </p:sp>
-      <p:sp>
-        <p:nvSpPr>
-          <p:cNvPr id="3" name="Content Placeholder 2"/>
-          <p:cNvSpPr>
-            <a:spLocks noGrp="1"/>
-          </p:cNvSpPr>
-          <p:nvPr>
-            <p:ph idx="1"/>
-          </p:nvPr>
-        </p:nvSpPr>
-        <p:spPr>
-          <a:xfrm>
-            <a:off x="1104293" y="1180407"/>
-            <a:ext cx="8946541" cy="4959926"/>
-          </a:xfrm>
-        </p:spPr>
-        <p:txBody>
-          <a:bodyPr/>
-          <a:lstStyle/>
-          <a:p>
-            <a:r>
-              <a:rPr lang="en-US" dirty="0" smtClean="0">
-                <a:latin typeface="Berlin Sans FB" panose="020E0602020502020306" pitchFamily="34" charset="0"/>
-              </a:rPr>
-              <a:t>What is a Percentile?</a:t>
-            </a:r>
-          </a:p>
-          <a:p>
-            <a:pPr marL="0" indent="0">
-              <a:buNone/>
-            </a:pPr>
-            <a:r>
-              <a:rPr lang="en-US" dirty="0" smtClean="0">
-                <a:latin typeface="Berlin Sans FB" panose="020E0602020502020306" pitchFamily="34" charset="0"/>
-              </a:rPr>
-              <a:t>Percentile is a value below which a certain percentage of observations lie.</a:t>
-            </a:r>
-          </a:p>
-          <a:p>
-            <a:pPr marL="0" indent="0">
-              <a:buNone/>
-            </a:pPr>
-            <a:r>
-              <a:rPr lang="en-US" dirty="0" smtClean="0">
-                <a:latin typeface="Berlin Sans FB" panose="020E0602020502020306" pitchFamily="34" charset="0"/>
-              </a:rPr>
-              <a:t>Percentile 10 is a number that under it there are 10% of the samples in the data.</a:t>
-            </a:r>
-          </a:p>
-          <a:p>
-            <a:pPr marL="0" indent="0">
-              <a:buNone/>
-            </a:pPr>
-            <a:r>
-              <a:rPr lang="en-US" dirty="0" smtClean="0">
-                <a:latin typeface="Berlin Sans FB" panose="020E0602020502020306" pitchFamily="34" charset="0"/>
-              </a:rPr>
-              <a:t>It doesn’t have to be one of the data samples(like in this case).</a:t>
-            </a:r>
-          </a:p>
-          <a:p>
-            <a:r>
-              <a:rPr lang="en-US" dirty="0" smtClean="0">
-                <a:latin typeface="Berlin Sans FB" panose="020E0602020502020306" pitchFamily="34" charset="0"/>
-              </a:rPr>
-              <a:t>Prctile is a Matlab</a:t>
-            </a:r>
-            <a:r>
-              <a:rPr lang="en-US" dirty="0">
-                <a:latin typeface="Berlin Sans FB" panose="020E0602020502020306" pitchFamily="34" charset="0"/>
-              </a:rPr>
-              <a:t> </a:t>
-            </a:r>
-            <a:r>
-              <a:rPr lang="en-US" dirty="0" smtClean="0">
-                <a:latin typeface="Berlin Sans FB" panose="020E0602020502020306" pitchFamily="34" charset="0"/>
-              </a:rPr>
-              <a:t>Built-in Function:</a:t>
+              <a:t>Step 2:Abnormal steps</a:t>
             </a:r>
             <a:endParaRPr lang="en-US" dirty="0">
               <a:latin typeface="Berlin Sans FB" panose="020E0602020502020306" pitchFamily="34" charset="0"/>
             </a:endParaRPr>
           </a:p>
-          <a:p>
-            <a:endParaRPr lang="en-US" dirty="0" smtClean="0">
-              <a:latin typeface="Berlin Sans FB" panose="020E0602020502020306" pitchFamily="34" charset="0"/>
-            </a:endParaRPr>
-          </a:p>
-          <a:p>
-            <a:endParaRPr lang="en-US" dirty="0">
-              <a:latin typeface="Berlin Sans FB" panose="020E0602020502020306" pitchFamily="34" charset="0"/>
-            </a:endParaRPr>
-          </a:p>
-          <a:p>
-            <a:r>
-              <a:rPr lang="en-US" dirty="0" smtClean="0">
-                <a:latin typeface="Berlin Sans FB" panose="020E0602020502020306" pitchFamily="34" charset="0"/>
-              </a:rPr>
-              <a:t>I Used it with values 10 and 90:</a:t>
-            </a:r>
-            <a:endParaRPr lang="en-US" dirty="0">
-              <a:latin typeface="Berlin Sans FB" panose="020E0602020502020306" pitchFamily="34" charset="0"/>
-            </a:endParaRPr>
-          </a:p>
-        </p:txBody>
-      </p:sp>
+        </p:txBody>
+      </p:sp>
+      <p:cxnSp>
+        <p:nvCxnSpPr>
+          <p:cNvPr id="7" name="Straight Arrow Connector 6"/>
+          <p:cNvCxnSpPr/>
+          <p:nvPr/>
+        </p:nvCxnSpPr>
+        <p:spPr>
+          <a:xfrm flipH="1">
+            <a:off x="10135786" y="5180828"/>
+            <a:ext cx="8312" cy="337630"/>
+          </a:xfrm>
+          <a:prstGeom prst="straightConnector1">
+            <a:avLst/>
+          </a:prstGeom>
+          <a:ln>
+            <a:tailEnd type="triangle"/>
+          </a:ln>
+        </p:spPr>
+        <p:style>
+          <a:lnRef idx="3">
+            <a:schemeClr val="dk1"/>
+          </a:lnRef>
+          <a:fillRef idx="0">
+            <a:schemeClr val="dk1"/>
+          </a:fillRef>
+          <a:effectRef idx="2">
+            <a:schemeClr val="dk1"/>
+          </a:effectRef>
+          <a:fontRef idx="minor">
+            <a:schemeClr val="tx1"/>
+          </a:fontRef>
+        </p:style>
+      </p:cxnSp>
       <p:pic>
         <p:nvPicPr>
-          <p:cNvPr id="4" name="Picture 3" descr="Screen Clipping"/>
+          <p:cNvPr id="10" name="Picture 9"/>
           <p:cNvPicPr>
             <a:picLocks noChangeAspect="1"/>
           </p:cNvPicPr>
@@ -6961,12 +6879,102 @@
         </p:blipFill>
         <p:spPr>
           <a:xfrm>
-            <a:off x="1451776" y="3432273"/>
-            <a:ext cx="5048955" cy="752580"/>
+            <a:off x="646111" y="1152983"/>
+            <a:ext cx="10690167" cy="5624353"/>
           </a:xfrm>
           <a:prstGeom prst="rect">
             <a:avLst/>
           </a:prstGeom>
+        </p:spPr>
+      </p:pic>
+    </p:spTree>
+    <p:extLst>
+      <p:ext uri="{BB962C8B-B14F-4D97-AF65-F5344CB8AC3E}">
+        <p14:creationId xmlns:p14="http://schemas.microsoft.com/office/powerpoint/2010/main" val="1235227416"/>
+      </p:ext>
+    </p:extLst>
+  </p:cSld>
+  <p:clrMapOvr>
+    <a:masterClrMapping/>
+  </p:clrMapOvr>
+  <p:timing>
+    <p:tnLst>
+      <p:par>
+        <p:cTn id="1" dur="indefinite" restart="never" nodeType="tmRoot"/>
+      </p:par>
+    </p:tnLst>
+  </p:timing>
+</p:sld>
+</file>
+
+<file path=ppt/slides/slide11.xml><?xml version="1.0" encoding="utf-8"?>
+<p:sld xmlns:a="http://schemas.openxmlformats.org/drawingml/2006/main" xmlns:r="http://schemas.openxmlformats.org/officeDocument/2006/relationships" xmlns:p="http://schemas.openxmlformats.org/presentationml/2006/main">
+  <p:cSld>
+    <p:spTree>
+      <p:nvGrpSpPr>
+        <p:cNvPr id="1" name=""/>
+        <p:cNvGrpSpPr/>
+        <p:nvPr/>
+      </p:nvGrpSpPr>
+      <p:grpSpPr>
+        <a:xfrm>
+          <a:off x="0" y="0"/>
+          <a:ext cx="0" cy="0"/>
+          <a:chOff x="0" y="0"/>
+          <a:chExt cx="0" cy="0"/>
+        </a:xfrm>
+      </p:grpSpPr>
+      <p:sp>
+        <p:nvSpPr>
+          <p:cNvPr id="2" name="Title 1"/>
+          <p:cNvSpPr>
+            <a:spLocks noGrp="1"/>
+          </p:cNvSpPr>
+          <p:nvPr>
+            <p:ph type="title"/>
+          </p:nvPr>
+        </p:nvSpPr>
+        <p:spPr/>
+        <p:txBody>
+          <a:bodyPr/>
+          <a:lstStyle/>
+          <a:p>
+            <a:pPr algn="ctr"/>
+            <a:r>
+              <a:rPr lang="en-US" dirty="0" smtClean="0"/>
+              <a:t>Removing Abnormal algorithm</a:t>
+            </a:r>
+            <a:endParaRPr lang="en-US" dirty="0"/>
+          </a:p>
+        </p:txBody>
+      </p:sp>
+      <p:pic>
+        <p:nvPicPr>
+          <p:cNvPr id="4" name="Content Placeholder 3" descr="Screen Clipping"/>
+          <p:cNvPicPr>
+            <a:picLocks noGrp="1" noChangeAspect="1"/>
+          </p:cNvPicPr>
+          <p:nvPr>
+            <p:ph idx="1"/>
+          </p:nvPr>
+        </p:nvPicPr>
+        <p:blipFill>
+          <a:blip r:embed="rId2">
+            <a:extLst>
+              <a:ext uri="{28A0092B-C50C-407E-A947-70E740481C1C}">
+                <a14:useLocalDpi xmlns:a14="http://schemas.microsoft.com/office/drawing/2010/main" val="0"/>
+              </a:ext>
+            </a:extLst>
+          </a:blip>
+          <a:stretch>
+            <a:fillRect/>
+          </a:stretch>
+        </p:blipFill>
+        <p:spPr>
+          <a:xfrm>
+            <a:off x="1369318" y="1152983"/>
+            <a:ext cx="7471901" cy="4175912"/>
+          </a:xfrm>
         </p:spPr>
       </p:pic>
       <p:pic>
@@ -6991,549 +6999,18 @@
         </p:blipFill>
         <p:spPr>
           <a:xfrm>
-            <a:off x="1625998" y="4748792"/>
-            <a:ext cx="3219899" cy="1705213"/>
+            <a:off x="1369318" y="5620376"/>
+            <a:ext cx="4810796" cy="1066949"/>
           </a:xfrm>
           <a:prstGeom prst="rect">
             <a:avLst/>
           </a:prstGeom>
         </p:spPr>
       </p:pic>
-      <p:pic>
-        <p:nvPicPr>
-          <p:cNvPr id="6" name="Picture 5" descr="Screen Clipping"/>
-          <p:cNvPicPr>
-            <a:picLocks noChangeAspect="1"/>
-          </p:cNvPicPr>
-          <p:nvPr/>
-        </p:nvPicPr>
-        <p:blipFill>
-          <a:blip r:embed="rId4">
-            <a:extLst>
-              <a:ext uri="{28A0092B-C50C-407E-A947-70E740481C1C}">
-                <a14:useLocalDpi xmlns:a14="http://schemas.microsoft.com/office/drawing/2010/main" val="0"/>
-              </a:ext>
-            </a:extLst>
-          </a:blip>
-          <a:stretch>
-            <a:fillRect/>
-          </a:stretch>
-        </p:blipFill>
-        <p:spPr>
-          <a:xfrm>
-            <a:off x="7266346" y="3373028"/>
-            <a:ext cx="3248478" cy="3286584"/>
-          </a:xfrm>
-          <a:prstGeom prst="rect">
-            <a:avLst/>
-          </a:prstGeom>
-        </p:spPr>
-      </p:pic>
-      <p:cxnSp>
-        <p:nvCxnSpPr>
-          <p:cNvPr id="7" name="Straight Arrow Connector 6"/>
-          <p:cNvCxnSpPr/>
-          <p:nvPr/>
-        </p:nvCxnSpPr>
-        <p:spPr>
-          <a:xfrm>
-            <a:off x="5228705" y="4929278"/>
-            <a:ext cx="1453673" cy="0"/>
-          </a:xfrm>
-          <a:prstGeom prst="straightConnector1">
-            <a:avLst/>
-          </a:prstGeom>
-          <a:ln>
-            <a:tailEnd type="triangle"/>
-          </a:ln>
-        </p:spPr>
-        <p:style>
-          <a:lnRef idx="2">
-            <a:schemeClr val="dk1"/>
-          </a:lnRef>
-          <a:fillRef idx="0">
-            <a:schemeClr val="dk1"/>
-          </a:fillRef>
-          <a:effectRef idx="1">
-            <a:schemeClr val="dk1"/>
-          </a:effectRef>
-          <a:fontRef idx="minor">
-            <a:schemeClr val="tx1"/>
-          </a:fontRef>
-        </p:style>
-      </p:cxnSp>
     </p:spTree>
     <p:extLst>
       <p:ext uri="{BB962C8B-B14F-4D97-AF65-F5344CB8AC3E}">
-        <p14:creationId xmlns:p14="http://schemas.microsoft.com/office/powerpoint/2010/main" val="544535038"/>
-      </p:ext>
-    </p:extLst>
-  </p:cSld>
-  <p:clrMapOvr>
-    <a:masterClrMapping/>
-  </p:clrMapOvr>
-</p:sld>
-</file>
-
-<file path=ppt/slides/slide11.xml><?xml version="1.0" encoding="utf-8"?>
-<p:sld xmlns:a="http://schemas.openxmlformats.org/drawingml/2006/main" xmlns:r="http://schemas.openxmlformats.org/officeDocument/2006/relationships" xmlns:p="http://schemas.openxmlformats.org/presentationml/2006/main">
-  <p:cSld>
-    <p:spTree>
-      <p:nvGrpSpPr>
-        <p:cNvPr id="1" name=""/>
-        <p:cNvGrpSpPr/>
-        <p:nvPr/>
-      </p:nvGrpSpPr>
-      <p:grpSpPr>
-        <a:xfrm>
-          <a:off x="0" y="0"/>
-          <a:ext cx="0" cy="0"/>
-          <a:chOff x="0" y="0"/>
-          <a:chExt cx="0" cy="0"/>
-        </a:xfrm>
-      </p:grpSpPr>
-      <p:sp>
-        <p:nvSpPr>
-          <p:cNvPr id="2" name="Title 1"/>
-          <p:cNvSpPr>
-            <a:spLocks noGrp="1"/>
-          </p:cNvSpPr>
-          <p:nvPr>
-            <p:ph type="title"/>
-          </p:nvPr>
-        </p:nvSpPr>
-        <p:spPr/>
-        <p:txBody>
-          <a:bodyPr/>
-          <a:lstStyle/>
-          <a:p>
-            <a:pPr algn="ctr"/>
-            <a:r>
-              <a:rPr lang="en-US" dirty="0" smtClean="0">
-                <a:latin typeface="Berlin Sans FB" panose="020E0602020502020306" pitchFamily="34" charset="0"/>
-              </a:rPr>
-              <a:t>Step 5:</a:t>
-            </a:r>
-            <a:r>
-              <a:rPr lang="en-US" dirty="0">
-                <a:latin typeface="Berlin Sans FB" panose="020E0602020502020306" pitchFamily="34" charset="0"/>
-              </a:rPr>
-              <a:t>Interpolation</a:t>
-            </a:r>
-          </a:p>
-        </p:txBody>
-      </p:sp>
-      <p:sp>
-        <p:nvSpPr>
-          <p:cNvPr id="3" name="Content Placeholder 2"/>
-          <p:cNvSpPr>
-            <a:spLocks noGrp="1"/>
-          </p:cNvSpPr>
-          <p:nvPr>
-            <p:ph idx="1"/>
-          </p:nvPr>
-        </p:nvSpPr>
-        <p:spPr/>
-        <p:txBody>
-          <a:bodyPr/>
-          <a:lstStyle/>
-          <a:p>
-            <a:r>
-              <a:rPr lang="en-US" dirty="0" smtClean="0"/>
-              <a:t>Interpolation Is used for adding new data points within a range, in this case it is 3 Dimensions data points. </a:t>
-            </a:r>
-            <a:endParaRPr lang="en-US" dirty="0"/>
-          </a:p>
-        </p:txBody>
-      </p:sp>
-      <p:pic>
-        <p:nvPicPr>
-          <p:cNvPr id="4" name="Picture 3" descr="Screen Clipping"/>
-          <p:cNvPicPr>
-            <a:picLocks noChangeAspect="1"/>
-          </p:cNvPicPr>
-          <p:nvPr/>
-        </p:nvPicPr>
-        <p:blipFill>
-          <a:blip r:embed="rId2">
-            <a:extLst>
-              <a:ext uri="{28A0092B-C50C-407E-A947-70E740481C1C}">
-                <a14:useLocalDpi xmlns:a14="http://schemas.microsoft.com/office/drawing/2010/main" val="0"/>
-              </a:ext>
-            </a:extLst>
-          </a:blip>
-          <a:stretch>
-            <a:fillRect/>
-          </a:stretch>
-        </p:blipFill>
-        <p:spPr>
-          <a:xfrm>
-            <a:off x="4609127" y="3011018"/>
-            <a:ext cx="5268060" cy="2581635"/>
-          </a:xfrm>
-          <a:prstGeom prst="rect">
-            <a:avLst/>
-          </a:prstGeom>
-        </p:spPr>
-      </p:pic>
-      <p:sp>
-        <p:nvSpPr>
-          <p:cNvPr id="5" name="TextBox 4"/>
-          <p:cNvSpPr txBox="1"/>
-          <p:nvPr/>
-        </p:nvSpPr>
-        <p:spPr>
-          <a:xfrm>
-            <a:off x="7074130" y="5607657"/>
-            <a:ext cx="484428" cy="369332"/>
-          </a:xfrm>
-          <a:prstGeom prst="rect">
-            <a:avLst/>
-          </a:prstGeom>
-          <a:noFill/>
-        </p:spPr>
-        <p:txBody>
-          <a:bodyPr wrap="none" rtlCol="0">
-            <a:spAutoFit/>
-          </a:bodyPr>
-          <a:lstStyle/>
-          <a:p>
-            <a:r>
-              <a:rPr lang="en-US" dirty="0" smtClean="0"/>
-              <a:t>3D</a:t>
-            </a:r>
-            <a:endParaRPr lang="en-US" dirty="0"/>
-          </a:p>
-        </p:txBody>
-      </p:sp>
-      <p:cxnSp>
-        <p:nvCxnSpPr>
-          <p:cNvPr id="6" name="Straight Arrow Connector 5"/>
-          <p:cNvCxnSpPr/>
-          <p:nvPr/>
-        </p:nvCxnSpPr>
-        <p:spPr>
-          <a:xfrm>
-            <a:off x="9209269" y="4305824"/>
-            <a:ext cx="948884" cy="169"/>
-          </a:xfrm>
-          <a:prstGeom prst="straightConnector1">
-            <a:avLst/>
-          </a:prstGeom>
-          <a:ln>
-            <a:tailEnd type="triangle"/>
-          </a:ln>
-        </p:spPr>
-        <p:style>
-          <a:lnRef idx="2">
-            <a:schemeClr val="dk1"/>
-          </a:lnRef>
-          <a:fillRef idx="0">
-            <a:schemeClr val="dk1"/>
-          </a:fillRef>
-          <a:effectRef idx="1">
-            <a:schemeClr val="dk1"/>
-          </a:effectRef>
-          <a:fontRef idx="minor">
-            <a:schemeClr val="tx1"/>
-          </a:fontRef>
-        </p:style>
-      </p:cxnSp>
-      <p:cxnSp>
-        <p:nvCxnSpPr>
-          <p:cNvPr id="8" name="Straight Arrow Connector 7"/>
-          <p:cNvCxnSpPr/>
-          <p:nvPr/>
-        </p:nvCxnSpPr>
-        <p:spPr>
-          <a:xfrm flipV="1">
-            <a:off x="9002684" y="4106487"/>
-            <a:ext cx="1155469" cy="49877"/>
-          </a:xfrm>
-          <a:prstGeom prst="straightConnector1">
-            <a:avLst/>
-          </a:prstGeom>
-          <a:ln>
-            <a:tailEnd type="triangle"/>
-          </a:ln>
-        </p:spPr>
-        <p:style>
-          <a:lnRef idx="2">
-            <a:schemeClr val="dk1"/>
-          </a:lnRef>
-          <a:fillRef idx="0">
-            <a:schemeClr val="dk1"/>
-          </a:fillRef>
-          <a:effectRef idx="1">
-            <a:schemeClr val="dk1"/>
-          </a:effectRef>
-          <a:fontRef idx="minor">
-            <a:schemeClr val="tx1"/>
-          </a:fontRef>
-        </p:style>
-      </p:cxnSp>
-      <p:cxnSp>
-        <p:nvCxnSpPr>
-          <p:cNvPr id="10" name="Straight Arrow Connector 9"/>
-          <p:cNvCxnSpPr/>
-          <p:nvPr/>
-        </p:nvCxnSpPr>
-        <p:spPr>
-          <a:xfrm>
-            <a:off x="8994371" y="4430684"/>
-            <a:ext cx="1230284" cy="41563"/>
-          </a:xfrm>
-          <a:prstGeom prst="straightConnector1">
-            <a:avLst/>
-          </a:prstGeom>
-          <a:ln>
-            <a:tailEnd type="triangle"/>
-          </a:ln>
-        </p:spPr>
-        <p:style>
-          <a:lnRef idx="2">
-            <a:schemeClr val="dk1"/>
-          </a:lnRef>
-          <a:fillRef idx="0">
-            <a:schemeClr val="dk1"/>
-          </a:fillRef>
-          <a:effectRef idx="1">
-            <a:schemeClr val="dk1"/>
-          </a:effectRef>
-          <a:fontRef idx="minor">
-            <a:schemeClr val="tx1"/>
-          </a:fontRef>
-        </p:style>
-      </p:cxnSp>
-      <p:sp>
-        <p:nvSpPr>
-          <p:cNvPr id="14" name="TextBox 13"/>
-          <p:cNvSpPr txBox="1"/>
-          <p:nvPr/>
-        </p:nvSpPr>
-        <p:spPr>
-          <a:xfrm>
-            <a:off x="10158153" y="3978669"/>
-            <a:ext cx="2016899" cy="646331"/>
-          </a:xfrm>
-          <a:prstGeom prst="rect">
-            <a:avLst/>
-          </a:prstGeom>
-          <a:noFill/>
-        </p:spPr>
-        <p:txBody>
-          <a:bodyPr wrap="none" rtlCol="0">
-            <a:spAutoFit/>
-          </a:bodyPr>
-          <a:lstStyle/>
-          <a:p>
-            <a:r>
-              <a:rPr lang="en-US" dirty="0" smtClean="0"/>
-              <a:t>Given Points</a:t>
-            </a:r>
-          </a:p>
-          <a:p>
-            <a:r>
-              <a:rPr lang="en-US" dirty="0" smtClean="0"/>
-              <a:t>to interpolate to</a:t>
-            </a:r>
-            <a:endParaRPr lang="en-US" dirty="0"/>
-          </a:p>
-        </p:txBody>
-      </p:sp>
-      <p:pic>
-        <p:nvPicPr>
-          <p:cNvPr id="15" name="Picture 14" descr="Screen Clipping"/>
-          <p:cNvPicPr>
-            <a:picLocks noChangeAspect="1"/>
-          </p:cNvPicPr>
-          <p:nvPr/>
-        </p:nvPicPr>
-        <p:blipFill>
-          <a:blip r:embed="rId3">
-            <a:extLst>
-              <a:ext uri="{28A0092B-C50C-407E-A947-70E740481C1C}">
-                <a14:useLocalDpi xmlns:a14="http://schemas.microsoft.com/office/drawing/2010/main" val="0"/>
-              </a:ext>
-            </a:extLst>
-          </a:blip>
-          <a:stretch>
-            <a:fillRect/>
-          </a:stretch>
-        </p:blipFill>
-        <p:spPr>
-          <a:xfrm>
-            <a:off x="680345" y="3086311"/>
-            <a:ext cx="3408376" cy="2771872"/>
-          </a:xfrm>
-          <a:prstGeom prst="rect">
-            <a:avLst/>
-          </a:prstGeom>
-        </p:spPr>
-      </p:pic>
-      <p:sp>
-        <p:nvSpPr>
-          <p:cNvPr id="16" name="TextBox 15"/>
-          <p:cNvSpPr txBox="1"/>
-          <p:nvPr/>
-        </p:nvSpPr>
-        <p:spPr>
-          <a:xfrm flipH="1">
-            <a:off x="2098963" y="5868625"/>
-            <a:ext cx="719052" cy="369332"/>
-          </a:xfrm>
-          <a:prstGeom prst="rect">
-            <a:avLst/>
-          </a:prstGeom>
-          <a:noFill/>
-        </p:spPr>
-        <p:txBody>
-          <a:bodyPr wrap="square" rtlCol="0">
-            <a:spAutoFit/>
-          </a:bodyPr>
-          <a:lstStyle/>
-          <a:p>
-            <a:r>
-              <a:rPr lang="en-US" dirty="0" smtClean="0"/>
-              <a:t>2D</a:t>
-            </a:r>
-            <a:endParaRPr lang="en-US" dirty="0"/>
-          </a:p>
-        </p:txBody>
-      </p:sp>
-      <p:cxnSp>
-        <p:nvCxnSpPr>
-          <p:cNvPr id="18" name="Straight Arrow Connector 17"/>
-          <p:cNvCxnSpPr/>
-          <p:nvPr/>
-        </p:nvCxnSpPr>
-        <p:spPr>
-          <a:xfrm>
-            <a:off x="3516284" y="5345084"/>
-            <a:ext cx="789709" cy="892873"/>
-          </a:xfrm>
-          <a:prstGeom prst="straightConnector1">
-            <a:avLst/>
-          </a:prstGeom>
-          <a:ln>
-            <a:tailEnd type="triangle"/>
-          </a:ln>
-        </p:spPr>
-        <p:style>
-          <a:lnRef idx="2">
-            <a:schemeClr val="dk1"/>
-          </a:lnRef>
-          <a:fillRef idx="0">
-            <a:schemeClr val="dk1"/>
-          </a:fillRef>
-          <a:effectRef idx="1">
-            <a:schemeClr val="dk1"/>
-          </a:effectRef>
-          <a:fontRef idx="minor">
-            <a:schemeClr val="tx1"/>
-          </a:fontRef>
-        </p:style>
-      </p:cxnSp>
-      <p:cxnSp>
-        <p:nvCxnSpPr>
-          <p:cNvPr id="20" name="Straight Arrow Connector 19"/>
-          <p:cNvCxnSpPr/>
-          <p:nvPr/>
-        </p:nvCxnSpPr>
-        <p:spPr>
-          <a:xfrm>
-            <a:off x="3133898" y="5677593"/>
-            <a:ext cx="615142" cy="560364"/>
-          </a:xfrm>
-          <a:prstGeom prst="straightConnector1">
-            <a:avLst/>
-          </a:prstGeom>
-          <a:ln>
-            <a:tailEnd type="triangle"/>
-          </a:ln>
-        </p:spPr>
-        <p:style>
-          <a:lnRef idx="2">
-            <a:schemeClr val="dk1"/>
-          </a:lnRef>
-          <a:fillRef idx="0">
-            <a:schemeClr val="dk1"/>
-          </a:fillRef>
-          <a:effectRef idx="1">
-            <a:schemeClr val="dk1"/>
-          </a:effectRef>
-          <a:fontRef idx="minor">
-            <a:schemeClr val="tx1"/>
-          </a:fontRef>
-        </p:style>
-      </p:cxnSp>
-      <p:cxnSp>
-        <p:nvCxnSpPr>
-          <p:cNvPr id="22" name="Straight Arrow Connector 21"/>
-          <p:cNvCxnSpPr/>
-          <p:nvPr/>
-        </p:nvCxnSpPr>
-        <p:spPr>
-          <a:xfrm>
-            <a:off x="2770647" y="5345084"/>
-            <a:ext cx="346626" cy="903315"/>
-          </a:xfrm>
-          <a:prstGeom prst="straightConnector1">
-            <a:avLst/>
-          </a:prstGeom>
-          <a:ln>
-            <a:tailEnd type="triangle"/>
-          </a:ln>
-        </p:spPr>
-        <p:style>
-          <a:lnRef idx="2">
-            <a:schemeClr val="dk1"/>
-          </a:lnRef>
-          <a:fillRef idx="0">
-            <a:schemeClr val="dk1"/>
-          </a:fillRef>
-          <a:effectRef idx="1">
-            <a:schemeClr val="dk1"/>
-          </a:effectRef>
-          <a:fontRef idx="minor">
-            <a:schemeClr val="tx1"/>
-          </a:fontRef>
-        </p:style>
-      </p:cxnSp>
-      <p:sp>
-        <p:nvSpPr>
-          <p:cNvPr id="23" name="TextBox 22"/>
-          <p:cNvSpPr txBox="1"/>
-          <p:nvPr/>
-        </p:nvSpPr>
-        <p:spPr>
-          <a:xfrm>
-            <a:off x="2770647" y="6366087"/>
-            <a:ext cx="4226985" cy="369332"/>
-          </a:xfrm>
-          <a:prstGeom prst="rect">
-            <a:avLst/>
-          </a:prstGeom>
-          <a:noFill/>
-        </p:spPr>
-        <p:txBody>
-          <a:bodyPr wrap="square" rtlCol="0">
-            <a:spAutoFit/>
-          </a:bodyPr>
-          <a:lstStyle/>
-          <a:p>
-            <a:r>
-              <a:rPr lang="en-US" dirty="0" smtClean="0"/>
-              <a:t>Given Points to interpolate to</a:t>
-            </a:r>
-            <a:endParaRPr lang="en-US" dirty="0"/>
-          </a:p>
-        </p:txBody>
-      </p:sp>
-    </p:spTree>
-    <p:extLst>
-      <p:ext uri="{BB962C8B-B14F-4D97-AF65-F5344CB8AC3E}">
-        <p14:creationId xmlns:p14="http://schemas.microsoft.com/office/powerpoint/2010/main" val="60040032"/>
+        <p14:creationId xmlns:p14="http://schemas.microsoft.com/office/powerpoint/2010/main" val="3952028801"/>
       </p:ext>
     </p:extLst>
   </p:cSld>
@@ -7570,30 +7047,123 @@
             <p:ph type="title"/>
           </p:nvPr>
         </p:nvSpPr>
-        <p:spPr>
-          <a:xfrm>
-            <a:off x="604548" y="253213"/>
-            <a:ext cx="9404723" cy="1400530"/>
-          </a:xfrm>
-        </p:spPr>
+        <p:spPr/>
         <p:txBody>
           <a:bodyPr/>
           <a:lstStyle/>
           <a:p>
             <a:pPr algn="ctr"/>
+            <a:r>
+              <a:rPr lang="en-US" dirty="0" smtClean="0">
+                <a:latin typeface="Berlin Sans FB" panose="020E0602020502020306" pitchFamily="34" charset="0"/>
+              </a:rPr>
+              <a:t>Step 3: Median </a:t>
+            </a:r>
             <a:r>
               <a:rPr lang="en-US" dirty="0">
                 <a:latin typeface="Berlin Sans FB" panose="020E0602020502020306" pitchFamily="34" charset="0"/>
               </a:rPr>
-              <a:t>Step 5:Interpolation</a:t>
-            </a:r>
-            <a:endParaRPr lang="en-US" dirty="0"/>
+              <a:t>signal pattern </a:t>
+            </a:r>
+          </a:p>
+        </p:txBody>
+      </p:sp>
+      <p:sp>
+        <p:nvSpPr>
+          <p:cNvPr id="3" name="Content Placeholder 2"/>
+          <p:cNvSpPr>
+            <a:spLocks noGrp="1"/>
+          </p:cNvSpPr>
+          <p:nvPr>
+            <p:ph idx="1"/>
+          </p:nvPr>
+        </p:nvSpPr>
+        <p:spPr>
+          <a:xfrm>
+            <a:off x="1187420" y="1412838"/>
+            <a:ext cx="8946541" cy="4195481"/>
+          </a:xfrm>
+        </p:spPr>
+        <p:txBody>
+          <a:bodyPr/>
+          <a:lstStyle/>
+          <a:p>
+            <a:r>
+              <a:rPr lang="en-US" dirty="0">
+                <a:latin typeface="Berlin Sans FB" panose="020E0602020502020306" pitchFamily="34" charset="0"/>
+              </a:rPr>
+              <a:t>We use median function(as practiced in lectures) on each one of </a:t>
+            </a:r>
+            <a:r>
+              <a:rPr lang="en-US" dirty="0" smtClean="0">
+                <a:latin typeface="Berlin Sans FB" panose="020E0602020502020306" pitchFamily="34" charset="0"/>
+              </a:rPr>
+              <a:t>steps in the matrix we got after removing the abnormal ones:</a:t>
+            </a:r>
+            <a:endParaRPr lang="en-US" dirty="0">
+              <a:latin typeface="Berlin Sans FB" panose="020E0602020502020306" pitchFamily="34" charset="0"/>
+            </a:endParaRPr>
+          </a:p>
+          <a:p>
+            <a:pPr marL="0" indent="0">
+              <a:buNone/>
+            </a:pPr>
+            <a:endParaRPr lang="en-US" dirty="0" smtClean="0">
+              <a:latin typeface="Berlin Sans FB" panose="020E0602020502020306" pitchFamily="34" charset="0"/>
+            </a:endParaRPr>
+          </a:p>
+          <a:p>
+            <a:endParaRPr lang="en-US" dirty="0">
+              <a:latin typeface="Berlin Sans FB" panose="020E0602020502020306" pitchFamily="34" charset="0"/>
+            </a:endParaRPr>
+          </a:p>
+          <a:p>
+            <a:pPr marL="0" indent="0">
+              <a:buNone/>
+            </a:pPr>
+            <a:endParaRPr lang="en-US" dirty="0">
+              <a:latin typeface="Berlin Sans FB" panose="020E0602020502020306" pitchFamily="34" charset="0"/>
+            </a:endParaRPr>
+          </a:p>
+          <a:p>
+            <a:pPr marL="0" indent="0">
+              <a:buNone/>
+            </a:pPr>
+            <a:endParaRPr lang="en-US" dirty="0" smtClean="0">
+              <a:latin typeface="Berlin Sans FB" panose="020E0602020502020306" pitchFamily="34" charset="0"/>
+            </a:endParaRPr>
+          </a:p>
+          <a:p>
+            <a:endParaRPr lang="en-US" dirty="0" smtClean="0">
+              <a:latin typeface="Berlin Sans FB" panose="020E0602020502020306" pitchFamily="34" charset="0"/>
+            </a:endParaRPr>
+          </a:p>
+          <a:p>
+            <a:endParaRPr lang="en-US" dirty="0">
+              <a:latin typeface="Berlin Sans FB" panose="020E0602020502020306" pitchFamily="34" charset="0"/>
+            </a:endParaRPr>
+          </a:p>
+          <a:p>
+            <a:endParaRPr lang="en-US" dirty="0" smtClean="0">
+              <a:latin typeface="Berlin Sans FB" panose="020E0602020502020306" pitchFamily="34" charset="0"/>
+            </a:endParaRPr>
+          </a:p>
+          <a:p>
+            <a:r>
+              <a:rPr lang="en-US" dirty="0" smtClean="0">
+                <a:latin typeface="Berlin Sans FB" panose="020E0602020502020306" pitchFamily="34" charset="0"/>
+              </a:rPr>
+              <a:t>Median Filter function:</a:t>
+            </a:r>
+            <a:endParaRPr lang="en-US" dirty="0">
+              <a:latin typeface="Berlin Sans FB" panose="020E0602020502020306" pitchFamily="34" charset="0"/>
+            </a:endParaRPr>
           </a:p>
         </p:txBody>
       </p:sp>
       <p:pic>
         <p:nvPicPr>
-          <p:cNvPr id="3" name="Picture 2" descr="Screen Clipping"/>
+          <p:cNvPr id="8" name="Picture 7" descr="Screen Clipping"/>
           <p:cNvPicPr>
             <a:picLocks noChangeAspect="1"/>
           </p:cNvPicPr>
@@ -7613,24 +7183,474 @@
         </p:blipFill>
         <p:spPr>
           <a:xfrm>
-            <a:off x="977988" y="1449567"/>
-            <a:ext cx="4380826" cy="977749"/>
+            <a:off x="7220116" y="1937320"/>
+            <a:ext cx="4152442" cy="4814425"/>
           </a:xfrm>
           <a:prstGeom prst="rect">
             <a:avLst/>
           </a:prstGeom>
         </p:spPr>
       </p:pic>
+      <p:pic>
+        <p:nvPicPr>
+          <p:cNvPr id="4" name="Picture 3" descr="Screen Clipping"/>
+          <p:cNvPicPr>
+            <a:picLocks noChangeAspect="1"/>
+          </p:cNvPicPr>
+          <p:nvPr/>
+        </p:nvPicPr>
+        <p:blipFill>
+          <a:blip r:embed="rId3">
+            <a:extLst>
+              <a:ext uri="{28A0092B-C50C-407E-A947-70E740481C1C}">
+                <a14:useLocalDpi xmlns:a14="http://schemas.microsoft.com/office/drawing/2010/main" val="0"/>
+              </a:ext>
+            </a:extLst>
+          </a:blip>
+          <a:stretch>
+            <a:fillRect/>
+          </a:stretch>
+        </p:blipFill>
+        <p:spPr>
+          <a:xfrm>
+            <a:off x="1576285" y="2210857"/>
+            <a:ext cx="4509194" cy="2785091"/>
+          </a:xfrm>
+          <a:prstGeom prst="rect">
+            <a:avLst/>
+          </a:prstGeom>
+        </p:spPr>
+      </p:pic>
+    </p:spTree>
+    <p:extLst>
+      <p:ext uri="{BB962C8B-B14F-4D97-AF65-F5344CB8AC3E}">
+        <p14:creationId xmlns:p14="http://schemas.microsoft.com/office/powerpoint/2010/main" val="3183780647"/>
+      </p:ext>
+    </p:extLst>
+  </p:cSld>
+  <p:clrMapOvr>
+    <a:masterClrMapping/>
+  </p:clrMapOvr>
+  <p:timing>
+    <p:tnLst>
+      <p:par>
+        <p:cTn id="1" dur="indefinite" restart="never" nodeType="tmRoot"/>
+      </p:par>
+    </p:tnLst>
+  </p:timing>
+</p:sld>
+</file>
+
+<file path=ppt/slides/slide13.xml><?xml version="1.0" encoding="utf-8"?>
+<p:sld xmlns:a="http://schemas.openxmlformats.org/drawingml/2006/main" xmlns:r="http://schemas.openxmlformats.org/officeDocument/2006/relationships" xmlns:p="http://schemas.openxmlformats.org/presentationml/2006/main">
+  <p:cSld>
+    <p:spTree>
+      <p:nvGrpSpPr>
+        <p:cNvPr id="1" name=""/>
+        <p:cNvGrpSpPr/>
+        <p:nvPr/>
+      </p:nvGrpSpPr>
+      <p:grpSpPr>
+        <a:xfrm>
+          <a:off x="0" y="0"/>
+          <a:ext cx="0" cy="0"/>
+          <a:chOff x="0" y="0"/>
+          <a:chExt cx="0" cy="0"/>
+        </a:xfrm>
+      </p:grpSpPr>
+      <p:sp>
+        <p:nvSpPr>
+          <p:cNvPr id="2" name="Title 1"/>
+          <p:cNvSpPr>
+            <a:spLocks noGrp="1"/>
+          </p:cNvSpPr>
+          <p:nvPr>
+            <p:ph type="title"/>
+          </p:nvPr>
+        </p:nvSpPr>
+        <p:spPr>
+          <a:xfrm>
+            <a:off x="646111" y="282848"/>
+            <a:ext cx="9404723" cy="1400530"/>
+          </a:xfrm>
+        </p:spPr>
+        <p:txBody>
+          <a:bodyPr/>
+          <a:lstStyle/>
+          <a:p>
+            <a:pPr algn="ctr"/>
+            <a:r>
+              <a:rPr lang="en-US" dirty="0" smtClean="0">
+                <a:latin typeface="Berlin Sans FB" panose="020E0602020502020306" pitchFamily="34" charset="0"/>
+              </a:rPr>
+              <a:t>Step 4:Calculating </a:t>
+            </a:r>
+            <a:r>
+              <a:rPr lang="en-US" dirty="0">
+                <a:latin typeface="Berlin Sans FB" panose="020E0602020502020306" pitchFamily="34" charset="0"/>
+              </a:rPr>
+              <a:t>Percentiles</a:t>
+            </a:r>
+            <a:r>
+              <a:rPr lang="en-US" dirty="0"/>
+              <a:t> </a:t>
+            </a:r>
+          </a:p>
+        </p:txBody>
+      </p:sp>
+      <p:sp>
+        <p:nvSpPr>
+          <p:cNvPr id="3" name="Content Placeholder 2"/>
+          <p:cNvSpPr>
+            <a:spLocks noGrp="1"/>
+          </p:cNvSpPr>
+          <p:nvPr>
+            <p:ph idx="1"/>
+          </p:nvPr>
+        </p:nvSpPr>
+        <p:spPr>
+          <a:xfrm>
+            <a:off x="1104293" y="1180407"/>
+            <a:ext cx="8946541" cy="4959926"/>
+          </a:xfrm>
+        </p:spPr>
+        <p:txBody>
+          <a:bodyPr/>
+          <a:lstStyle/>
+          <a:p>
+            <a:r>
+              <a:rPr lang="en-US" dirty="0" smtClean="0">
+                <a:latin typeface="Berlin Sans FB" panose="020E0602020502020306" pitchFamily="34" charset="0"/>
+              </a:rPr>
+              <a:t>What is a Percentile?</a:t>
+            </a:r>
+          </a:p>
+          <a:p>
+            <a:pPr marL="0" indent="0">
+              <a:buNone/>
+            </a:pPr>
+            <a:r>
+              <a:rPr lang="en-US" dirty="0" smtClean="0">
+                <a:latin typeface="Berlin Sans FB" panose="020E0602020502020306" pitchFamily="34" charset="0"/>
+              </a:rPr>
+              <a:t>Percentile is a value below which a certain percentage of observations lie.</a:t>
+            </a:r>
+          </a:p>
+          <a:p>
+            <a:pPr marL="0" indent="0">
+              <a:buNone/>
+            </a:pPr>
+            <a:r>
+              <a:rPr lang="en-US" dirty="0" smtClean="0">
+                <a:latin typeface="Berlin Sans FB" panose="020E0602020502020306" pitchFamily="34" charset="0"/>
+              </a:rPr>
+              <a:t>Percentile 10 is a number that under it there are 10% of the samples in the data.</a:t>
+            </a:r>
+          </a:p>
+          <a:p>
+            <a:pPr marL="0" indent="0">
+              <a:buNone/>
+            </a:pPr>
+            <a:r>
+              <a:rPr lang="en-US" dirty="0" smtClean="0">
+                <a:latin typeface="Berlin Sans FB" panose="020E0602020502020306" pitchFamily="34" charset="0"/>
+              </a:rPr>
+              <a:t>It doesn’t have to be one of the data samples(like in this case).</a:t>
+            </a:r>
+          </a:p>
+          <a:p>
+            <a:r>
+              <a:rPr lang="en-US" dirty="0" smtClean="0">
+                <a:latin typeface="Berlin Sans FB" panose="020E0602020502020306" pitchFamily="34" charset="0"/>
+              </a:rPr>
+              <a:t>Prctile is a Matlab</a:t>
+            </a:r>
+            <a:r>
+              <a:rPr lang="en-US" dirty="0">
+                <a:latin typeface="Berlin Sans FB" panose="020E0602020502020306" pitchFamily="34" charset="0"/>
+              </a:rPr>
+              <a:t> </a:t>
+            </a:r>
+            <a:r>
+              <a:rPr lang="en-US" dirty="0" smtClean="0">
+                <a:latin typeface="Berlin Sans FB" panose="020E0602020502020306" pitchFamily="34" charset="0"/>
+              </a:rPr>
+              <a:t>Built-in Function:</a:t>
+            </a:r>
+            <a:endParaRPr lang="en-US" dirty="0">
+              <a:latin typeface="Berlin Sans FB" panose="020E0602020502020306" pitchFamily="34" charset="0"/>
+            </a:endParaRPr>
+          </a:p>
+          <a:p>
+            <a:endParaRPr lang="en-US" dirty="0" smtClean="0">
+              <a:latin typeface="Berlin Sans FB" panose="020E0602020502020306" pitchFamily="34" charset="0"/>
+            </a:endParaRPr>
+          </a:p>
+          <a:p>
+            <a:endParaRPr lang="en-US" dirty="0">
+              <a:latin typeface="Berlin Sans FB" panose="020E0602020502020306" pitchFamily="34" charset="0"/>
+            </a:endParaRPr>
+          </a:p>
+          <a:p>
+            <a:r>
+              <a:rPr lang="en-US" dirty="0" smtClean="0">
+                <a:latin typeface="Berlin Sans FB" panose="020E0602020502020306" pitchFamily="34" charset="0"/>
+              </a:rPr>
+              <a:t>I Used it with values 10 and 90:</a:t>
+            </a:r>
+            <a:endParaRPr lang="en-US" dirty="0">
+              <a:latin typeface="Berlin Sans FB" panose="020E0602020502020306" pitchFamily="34" charset="0"/>
+            </a:endParaRPr>
+          </a:p>
+        </p:txBody>
+      </p:sp>
+      <p:pic>
+        <p:nvPicPr>
+          <p:cNvPr id="4" name="Picture 3" descr="Screen Clipping"/>
+          <p:cNvPicPr>
+            <a:picLocks noChangeAspect="1"/>
+          </p:cNvPicPr>
+          <p:nvPr/>
+        </p:nvPicPr>
+        <p:blipFill>
+          <a:blip r:embed="rId2">
+            <a:extLst>
+              <a:ext uri="{28A0092B-C50C-407E-A947-70E740481C1C}">
+                <a14:useLocalDpi xmlns:a14="http://schemas.microsoft.com/office/drawing/2010/main" val="0"/>
+              </a:ext>
+            </a:extLst>
+          </a:blip>
+          <a:stretch>
+            <a:fillRect/>
+          </a:stretch>
+        </p:blipFill>
+        <p:spPr>
+          <a:xfrm>
+            <a:off x="1451776" y="3432273"/>
+            <a:ext cx="5048955" cy="752580"/>
+          </a:xfrm>
+          <a:prstGeom prst="rect">
+            <a:avLst/>
+          </a:prstGeom>
+        </p:spPr>
+      </p:pic>
       <p:cxnSp>
         <p:nvCxnSpPr>
-          <p:cNvPr id="5" name="Straight Arrow Connector 4"/>
+          <p:cNvPr id="7" name="Straight Arrow Connector 6"/>
           <p:cNvCxnSpPr/>
           <p:nvPr/>
         </p:nvCxnSpPr>
         <p:spPr>
-          <a:xfrm flipH="1">
-            <a:off x="1862051" y="2427316"/>
-            <a:ext cx="540328" cy="332509"/>
+          <a:xfrm>
+            <a:off x="5669279" y="4987467"/>
+            <a:ext cx="1453673" cy="0"/>
+          </a:xfrm>
+          <a:prstGeom prst="straightConnector1">
+            <a:avLst/>
+          </a:prstGeom>
+          <a:ln>
+            <a:tailEnd type="triangle"/>
+          </a:ln>
+        </p:spPr>
+        <p:style>
+          <a:lnRef idx="2">
+            <a:schemeClr val="dk1"/>
+          </a:lnRef>
+          <a:fillRef idx="0">
+            <a:schemeClr val="dk1"/>
+          </a:fillRef>
+          <a:effectRef idx="1">
+            <a:schemeClr val="dk1"/>
+          </a:effectRef>
+          <a:fontRef idx="minor">
+            <a:schemeClr val="tx1"/>
+          </a:fontRef>
+        </p:style>
+      </p:cxnSp>
+      <p:pic>
+        <p:nvPicPr>
+          <p:cNvPr id="8" name="Picture 7" descr="Screen Clipping"/>
+          <p:cNvPicPr>
+            <a:picLocks noChangeAspect="1"/>
+          </p:cNvPicPr>
+          <p:nvPr/>
+        </p:nvPicPr>
+        <p:blipFill>
+          <a:blip r:embed="rId3">
+            <a:extLst>
+              <a:ext uri="{28A0092B-C50C-407E-A947-70E740481C1C}">
+                <a14:useLocalDpi xmlns:a14="http://schemas.microsoft.com/office/drawing/2010/main" val="0"/>
+              </a:ext>
+            </a:extLst>
+          </a:blip>
+          <a:stretch>
+            <a:fillRect/>
+          </a:stretch>
+        </p:blipFill>
+        <p:spPr>
+          <a:xfrm>
+            <a:off x="1104293" y="4536448"/>
+            <a:ext cx="4376590" cy="2250156"/>
+          </a:xfrm>
+          <a:prstGeom prst="rect">
+            <a:avLst/>
+          </a:prstGeom>
+        </p:spPr>
+      </p:pic>
+    </p:spTree>
+    <p:extLst>
+      <p:ext uri="{BB962C8B-B14F-4D97-AF65-F5344CB8AC3E}">
+        <p14:creationId xmlns:p14="http://schemas.microsoft.com/office/powerpoint/2010/main" val="544535038"/>
+      </p:ext>
+    </p:extLst>
+  </p:cSld>
+  <p:clrMapOvr>
+    <a:masterClrMapping/>
+  </p:clrMapOvr>
+</p:sld>
+</file>
+
+<file path=ppt/slides/slide14.xml><?xml version="1.0" encoding="utf-8"?>
+<p:sld xmlns:a="http://schemas.openxmlformats.org/drawingml/2006/main" xmlns:r="http://schemas.openxmlformats.org/officeDocument/2006/relationships" xmlns:p="http://schemas.openxmlformats.org/presentationml/2006/main">
+  <p:cSld>
+    <p:spTree>
+      <p:nvGrpSpPr>
+        <p:cNvPr id="1" name=""/>
+        <p:cNvGrpSpPr/>
+        <p:nvPr/>
+      </p:nvGrpSpPr>
+      <p:grpSpPr>
+        <a:xfrm>
+          <a:off x="0" y="0"/>
+          <a:ext cx="0" cy="0"/>
+          <a:chOff x="0" y="0"/>
+          <a:chExt cx="0" cy="0"/>
+        </a:xfrm>
+      </p:grpSpPr>
+      <p:sp>
+        <p:nvSpPr>
+          <p:cNvPr id="2" name="Title 1"/>
+          <p:cNvSpPr>
+            <a:spLocks noGrp="1"/>
+          </p:cNvSpPr>
+          <p:nvPr>
+            <p:ph type="title"/>
+          </p:nvPr>
+        </p:nvSpPr>
+        <p:spPr/>
+        <p:txBody>
+          <a:bodyPr/>
+          <a:lstStyle/>
+          <a:p>
+            <a:pPr algn="ctr"/>
+            <a:r>
+              <a:rPr lang="en-US" dirty="0" smtClean="0">
+                <a:latin typeface="Berlin Sans FB" panose="020E0602020502020306" pitchFamily="34" charset="0"/>
+              </a:rPr>
+              <a:t>Step 5:</a:t>
+            </a:r>
+            <a:r>
+              <a:rPr lang="en-US" dirty="0">
+                <a:latin typeface="Berlin Sans FB" panose="020E0602020502020306" pitchFamily="34" charset="0"/>
+              </a:rPr>
+              <a:t>Interpolation</a:t>
+            </a:r>
+          </a:p>
+        </p:txBody>
+      </p:sp>
+      <p:sp>
+        <p:nvSpPr>
+          <p:cNvPr id="3" name="Content Placeholder 2"/>
+          <p:cNvSpPr>
+            <a:spLocks noGrp="1"/>
+          </p:cNvSpPr>
+          <p:nvPr>
+            <p:ph idx="1"/>
+          </p:nvPr>
+        </p:nvSpPr>
+        <p:spPr/>
+        <p:txBody>
+          <a:bodyPr/>
+          <a:lstStyle/>
+          <a:p>
+            <a:r>
+              <a:rPr lang="en-US" dirty="0" smtClean="0"/>
+              <a:t>Interpolation Is used for adding new data points within a range, in this case it is 3 Dimensions data points. </a:t>
+            </a:r>
+            <a:endParaRPr lang="en-US" dirty="0"/>
+          </a:p>
+        </p:txBody>
+      </p:sp>
+      <p:pic>
+        <p:nvPicPr>
+          <p:cNvPr id="4" name="Picture 3" descr="Screen Clipping"/>
+          <p:cNvPicPr>
+            <a:picLocks noChangeAspect="1"/>
+          </p:cNvPicPr>
+          <p:nvPr/>
+        </p:nvPicPr>
+        <p:blipFill>
+          <a:blip r:embed="rId2">
+            <a:extLst>
+              <a:ext uri="{28A0092B-C50C-407E-A947-70E740481C1C}">
+                <a14:useLocalDpi xmlns:a14="http://schemas.microsoft.com/office/drawing/2010/main" val="0"/>
+              </a:ext>
+            </a:extLst>
+          </a:blip>
+          <a:stretch>
+            <a:fillRect/>
+          </a:stretch>
+        </p:blipFill>
+        <p:spPr>
+          <a:xfrm>
+            <a:off x="4609127" y="3011018"/>
+            <a:ext cx="5268060" cy="2581635"/>
+          </a:xfrm>
+          <a:prstGeom prst="rect">
+            <a:avLst/>
+          </a:prstGeom>
+        </p:spPr>
+      </p:pic>
+      <p:sp>
+        <p:nvSpPr>
+          <p:cNvPr id="5" name="TextBox 4"/>
+          <p:cNvSpPr txBox="1"/>
+          <p:nvPr/>
+        </p:nvSpPr>
+        <p:spPr>
+          <a:xfrm>
+            <a:off x="7074130" y="5607657"/>
+            <a:ext cx="484428" cy="369332"/>
+          </a:xfrm>
+          <a:prstGeom prst="rect">
+            <a:avLst/>
+          </a:prstGeom>
+          <a:noFill/>
+        </p:spPr>
+        <p:txBody>
+          <a:bodyPr wrap="none" rtlCol="0">
+            <a:spAutoFit/>
+          </a:bodyPr>
+          <a:lstStyle/>
+          <a:p>
+            <a:r>
+              <a:rPr lang="en-US" dirty="0" smtClean="0"/>
+              <a:t>3D</a:t>
+            </a:r>
+            <a:endParaRPr lang="en-US" dirty="0"/>
+          </a:p>
+        </p:txBody>
+      </p:sp>
+      <p:cxnSp>
+        <p:nvCxnSpPr>
+          <p:cNvPr id="6" name="Straight Arrow Connector 5"/>
+          <p:cNvCxnSpPr/>
+          <p:nvPr/>
+        </p:nvCxnSpPr>
+        <p:spPr>
+          <a:xfrm>
+            <a:off x="9209269" y="4305824"/>
+            <a:ext cx="948884" cy="169"/>
           </a:xfrm>
           <a:prstGeom prst="straightConnector1">
             <a:avLst/>
@@ -7661,9 +7681,9 @@
           <p:nvPr/>
         </p:nvCxnSpPr>
         <p:spPr>
-          <a:xfrm flipH="1">
-            <a:off x="2304832" y="2427316"/>
-            <a:ext cx="330303" cy="1454728"/>
+          <a:xfrm flipV="1">
+            <a:off x="9002684" y="4106487"/>
+            <a:ext cx="1155469" cy="49877"/>
           </a:xfrm>
           <a:prstGeom prst="straightConnector1">
             <a:avLst/>
@@ -7695,6 +7715,421 @@
         </p:nvCxnSpPr>
         <p:spPr>
           <a:xfrm>
+            <a:off x="8994371" y="4430684"/>
+            <a:ext cx="1230284" cy="41563"/>
+          </a:xfrm>
+          <a:prstGeom prst="straightConnector1">
+            <a:avLst/>
+          </a:prstGeom>
+          <a:ln>
+            <a:tailEnd type="triangle"/>
+          </a:ln>
+        </p:spPr>
+        <p:style>
+          <a:lnRef idx="2">
+            <a:schemeClr val="dk1"/>
+          </a:lnRef>
+          <a:fillRef idx="0">
+            <a:schemeClr val="dk1"/>
+          </a:fillRef>
+          <a:effectRef idx="1">
+            <a:schemeClr val="dk1"/>
+          </a:effectRef>
+          <a:fontRef idx="minor">
+            <a:schemeClr val="tx1"/>
+          </a:fontRef>
+        </p:style>
+      </p:cxnSp>
+      <p:sp>
+        <p:nvSpPr>
+          <p:cNvPr id="14" name="TextBox 13"/>
+          <p:cNvSpPr txBox="1"/>
+          <p:nvPr/>
+        </p:nvSpPr>
+        <p:spPr>
+          <a:xfrm>
+            <a:off x="10158153" y="3978669"/>
+            <a:ext cx="2016899" cy="646331"/>
+          </a:xfrm>
+          <a:prstGeom prst="rect">
+            <a:avLst/>
+          </a:prstGeom>
+          <a:noFill/>
+        </p:spPr>
+        <p:txBody>
+          <a:bodyPr wrap="none" rtlCol="0">
+            <a:spAutoFit/>
+          </a:bodyPr>
+          <a:lstStyle/>
+          <a:p>
+            <a:r>
+              <a:rPr lang="en-US" dirty="0" smtClean="0"/>
+              <a:t>Given Points</a:t>
+            </a:r>
+          </a:p>
+          <a:p>
+            <a:r>
+              <a:rPr lang="en-US" dirty="0" smtClean="0"/>
+              <a:t>to interpolate to</a:t>
+            </a:r>
+            <a:endParaRPr lang="en-US" dirty="0"/>
+          </a:p>
+        </p:txBody>
+      </p:sp>
+      <p:pic>
+        <p:nvPicPr>
+          <p:cNvPr id="15" name="Picture 14" descr="Screen Clipping"/>
+          <p:cNvPicPr>
+            <a:picLocks noChangeAspect="1"/>
+          </p:cNvPicPr>
+          <p:nvPr/>
+        </p:nvPicPr>
+        <p:blipFill>
+          <a:blip r:embed="rId3">
+            <a:extLst>
+              <a:ext uri="{28A0092B-C50C-407E-A947-70E740481C1C}">
+                <a14:useLocalDpi xmlns:a14="http://schemas.microsoft.com/office/drawing/2010/main" val="0"/>
+              </a:ext>
+            </a:extLst>
+          </a:blip>
+          <a:stretch>
+            <a:fillRect/>
+          </a:stretch>
+        </p:blipFill>
+        <p:spPr>
+          <a:xfrm>
+            <a:off x="680345" y="3086311"/>
+            <a:ext cx="3408376" cy="2771872"/>
+          </a:xfrm>
+          <a:prstGeom prst="rect">
+            <a:avLst/>
+          </a:prstGeom>
+        </p:spPr>
+      </p:pic>
+      <p:sp>
+        <p:nvSpPr>
+          <p:cNvPr id="16" name="TextBox 15"/>
+          <p:cNvSpPr txBox="1"/>
+          <p:nvPr/>
+        </p:nvSpPr>
+        <p:spPr>
+          <a:xfrm flipH="1">
+            <a:off x="2098963" y="5868625"/>
+            <a:ext cx="719052" cy="369332"/>
+          </a:xfrm>
+          <a:prstGeom prst="rect">
+            <a:avLst/>
+          </a:prstGeom>
+          <a:noFill/>
+        </p:spPr>
+        <p:txBody>
+          <a:bodyPr wrap="square" rtlCol="0">
+            <a:spAutoFit/>
+          </a:bodyPr>
+          <a:lstStyle/>
+          <a:p>
+            <a:r>
+              <a:rPr lang="en-US" dirty="0" smtClean="0"/>
+              <a:t>2D</a:t>
+            </a:r>
+            <a:endParaRPr lang="en-US" dirty="0"/>
+          </a:p>
+        </p:txBody>
+      </p:sp>
+      <p:cxnSp>
+        <p:nvCxnSpPr>
+          <p:cNvPr id="18" name="Straight Arrow Connector 17"/>
+          <p:cNvCxnSpPr/>
+          <p:nvPr/>
+        </p:nvCxnSpPr>
+        <p:spPr>
+          <a:xfrm>
+            <a:off x="3516284" y="5345084"/>
+            <a:ext cx="789709" cy="892873"/>
+          </a:xfrm>
+          <a:prstGeom prst="straightConnector1">
+            <a:avLst/>
+          </a:prstGeom>
+          <a:ln>
+            <a:tailEnd type="triangle"/>
+          </a:ln>
+        </p:spPr>
+        <p:style>
+          <a:lnRef idx="2">
+            <a:schemeClr val="dk1"/>
+          </a:lnRef>
+          <a:fillRef idx="0">
+            <a:schemeClr val="dk1"/>
+          </a:fillRef>
+          <a:effectRef idx="1">
+            <a:schemeClr val="dk1"/>
+          </a:effectRef>
+          <a:fontRef idx="minor">
+            <a:schemeClr val="tx1"/>
+          </a:fontRef>
+        </p:style>
+      </p:cxnSp>
+      <p:cxnSp>
+        <p:nvCxnSpPr>
+          <p:cNvPr id="20" name="Straight Arrow Connector 19"/>
+          <p:cNvCxnSpPr/>
+          <p:nvPr/>
+        </p:nvCxnSpPr>
+        <p:spPr>
+          <a:xfrm>
+            <a:off x="3133898" y="5677593"/>
+            <a:ext cx="615142" cy="560364"/>
+          </a:xfrm>
+          <a:prstGeom prst="straightConnector1">
+            <a:avLst/>
+          </a:prstGeom>
+          <a:ln>
+            <a:tailEnd type="triangle"/>
+          </a:ln>
+        </p:spPr>
+        <p:style>
+          <a:lnRef idx="2">
+            <a:schemeClr val="dk1"/>
+          </a:lnRef>
+          <a:fillRef idx="0">
+            <a:schemeClr val="dk1"/>
+          </a:fillRef>
+          <a:effectRef idx="1">
+            <a:schemeClr val="dk1"/>
+          </a:effectRef>
+          <a:fontRef idx="minor">
+            <a:schemeClr val="tx1"/>
+          </a:fontRef>
+        </p:style>
+      </p:cxnSp>
+      <p:cxnSp>
+        <p:nvCxnSpPr>
+          <p:cNvPr id="22" name="Straight Arrow Connector 21"/>
+          <p:cNvCxnSpPr/>
+          <p:nvPr/>
+        </p:nvCxnSpPr>
+        <p:spPr>
+          <a:xfrm>
+            <a:off x="2770647" y="5345084"/>
+            <a:ext cx="346626" cy="903315"/>
+          </a:xfrm>
+          <a:prstGeom prst="straightConnector1">
+            <a:avLst/>
+          </a:prstGeom>
+          <a:ln>
+            <a:tailEnd type="triangle"/>
+          </a:ln>
+        </p:spPr>
+        <p:style>
+          <a:lnRef idx="2">
+            <a:schemeClr val="dk1"/>
+          </a:lnRef>
+          <a:fillRef idx="0">
+            <a:schemeClr val="dk1"/>
+          </a:fillRef>
+          <a:effectRef idx="1">
+            <a:schemeClr val="dk1"/>
+          </a:effectRef>
+          <a:fontRef idx="minor">
+            <a:schemeClr val="tx1"/>
+          </a:fontRef>
+        </p:style>
+      </p:cxnSp>
+      <p:sp>
+        <p:nvSpPr>
+          <p:cNvPr id="23" name="TextBox 22"/>
+          <p:cNvSpPr txBox="1"/>
+          <p:nvPr/>
+        </p:nvSpPr>
+        <p:spPr>
+          <a:xfrm>
+            <a:off x="2770647" y="6366087"/>
+            <a:ext cx="4226985" cy="369332"/>
+          </a:xfrm>
+          <a:prstGeom prst="rect">
+            <a:avLst/>
+          </a:prstGeom>
+          <a:noFill/>
+        </p:spPr>
+        <p:txBody>
+          <a:bodyPr wrap="square" rtlCol="0">
+            <a:spAutoFit/>
+          </a:bodyPr>
+          <a:lstStyle/>
+          <a:p>
+            <a:r>
+              <a:rPr lang="en-US" dirty="0" smtClean="0"/>
+              <a:t>Given Points to interpolate to</a:t>
+            </a:r>
+            <a:endParaRPr lang="en-US" dirty="0"/>
+          </a:p>
+        </p:txBody>
+      </p:sp>
+    </p:spTree>
+    <p:extLst>
+      <p:ext uri="{BB962C8B-B14F-4D97-AF65-F5344CB8AC3E}">
+        <p14:creationId xmlns:p14="http://schemas.microsoft.com/office/powerpoint/2010/main" val="60040032"/>
+      </p:ext>
+    </p:extLst>
+  </p:cSld>
+  <p:clrMapOvr>
+    <a:masterClrMapping/>
+  </p:clrMapOvr>
+</p:sld>
+</file>
+
+<file path=ppt/slides/slide15.xml><?xml version="1.0" encoding="utf-8"?>
+<p:sld xmlns:a="http://schemas.openxmlformats.org/drawingml/2006/main" xmlns:r="http://schemas.openxmlformats.org/officeDocument/2006/relationships" xmlns:p="http://schemas.openxmlformats.org/presentationml/2006/main">
+  <p:cSld>
+    <p:spTree>
+      <p:nvGrpSpPr>
+        <p:cNvPr id="1" name=""/>
+        <p:cNvGrpSpPr/>
+        <p:nvPr/>
+      </p:nvGrpSpPr>
+      <p:grpSpPr>
+        <a:xfrm>
+          <a:off x="0" y="0"/>
+          <a:ext cx="0" cy="0"/>
+          <a:chOff x="0" y="0"/>
+          <a:chExt cx="0" cy="0"/>
+        </a:xfrm>
+      </p:grpSpPr>
+      <p:sp>
+        <p:nvSpPr>
+          <p:cNvPr id="2" name="Title 1"/>
+          <p:cNvSpPr>
+            <a:spLocks noGrp="1"/>
+          </p:cNvSpPr>
+          <p:nvPr>
+            <p:ph type="title"/>
+          </p:nvPr>
+        </p:nvSpPr>
+        <p:spPr>
+          <a:xfrm>
+            <a:off x="604548" y="253213"/>
+            <a:ext cx="9404723" cy="1400530"/>
+          </a:xfrm>
+        </p:spPr>
+        <p:txBody>
+          <a:bodyPr/>
+          <a:lstStyle/>
+          <a:p>
+            <a:pPr algn="ctr"/>
+            <a:r>
+              <a:rPr lang="en-US" dirty="0">
+                <a:latin typeface="Berlin Sans FB" panose="020E0602020502020306" pitchFamily="34" charset="0"/>
+              </a:rPr>
+              <a:t>Step 5:Interpolation</a:t>
+            </a:r>
+            <a:endParaRPr lang="en-US" dirty="0"/>
+          </a:p>
+        </p:txBody>
+      </p:sp>
+      <p:pic>
+        <p:nvPicPr>
+          <p:cNvPr id="3" name="Picture 2" descr="Screen Clipping"/>
+          <p:cNvPicPr>
+            <a:picLocks noChangeAspect="1"/>
+          </p:cNvPicPr>
+          <p:nvPr/>
+        </p:nvPicPr>
+        <p:blipFill>
+          <a:blip r:embed="rId2">
+            <a:extLst>
+              <a:ext uri="{28A0092B-C50C-407E-A947-70E740481C1C}">
+                <a14:useLocalDpi xmlns:a14="http://schemas.microsoft.com/office/drawing/2010/main" val="0"/>
+              </a:ext>
+            </a:extLst>
+          </a:blip>
+          <a:stretch>
+            <a:fillRect/>
+          </a:stretch>
+        </p:blipFill>
+        <p:spPr>
+          <a:xfrm>
+            <a:off x="977988" y="1449567"/>
+            <a:ext cx="4380826" cy="977749"/>
+          </a:xfrm>
+          <a:prstGeom prst="rect">
+            <a:avLst/>
+          </a:prstGeom>
+        </p:spPr>
+      </p:pic>
+      <p:cxnSp>
+        <p:nvCxnSpPr>
+          <p:cNvPr id="5" name="Straight Arrow Connector 4"/>
+          <p:cNvCxnSpPr/>
+          <p:nvPr/>
+        </p:nvCxnSpPr>
+        <p:spPr>
+          <a:xfrm flipH="1">
+            <a:off x="1862051" y="2427316"/>
+            <a:ext cx="540328" cy="332509"/>
+          </a:xfrm>
+          <a:prstGeom prst="straightConnector1">
+            <a:avLst/>
+          </a:prstGeom>
+          <a:ln>
+            <a:tailEnd type="triangle"/>
+          </a:ln>
+        </p:spPr>
+        <p:style>
+          <a:lnRef idx="2">
+            <a:schemeClr val="dk1"/>
+          </a:lnRef>
+          <a:fillRef idx="0">
+            <a:schemeClr val="dk1"/>
+          </a:fillRef>
+          <a:effectRef idx="1">
+            <a:schemeClr val="dk1"/>
+          </a:effectRef>
+          <a:fontRef idx="minor">
+            <a:schemeClr val="tx1"/>
+          </a:fontRef>
+        </p:style>
+      </p:cxnSp>
+      <p:cxnSp>
+        <p:nvCxnSpPr>
+          <p:cNvPr id="8" name="Straight Arrow Connector 7"/>
+          <p:cNvCxnSpPr/>
+          <p:nvPr/>
+        </p:nvCxnSpPr>
+        <p:spPr>
+          <a:xfrm flipH="1">
+            <a:off x="2304832" y="2427316"/>
+            <a:ext cx="330303" cy="1454728"/>
+          </a:xfrm>
+          <a:prstGeom prst="straightConnector1">
+            <a:avLst/>
+          </a:prstGeom>
+          <a:ln>
+            <a:tailEnd type="triangle"/>
+          </a:ln>
+        </p:spPr>
+        <p:style>
+          <a:lnRef idx="2">
+            <a:schemeClr val="dk1"/>
+          </a:lnRef>
+          <a:fillRef idx="0">
+            <a:schemeClr val="dk1"/>
+          </a:fillRef>
+          <a:effectRef idx="1">
+            <a:schemeClr val="dk1"/>
+          </a:effectRef>
+          <a:fontRef idx="minor">
+            <a:schemeClr val="tx1"/>
+          </a:fontRef>
+        </p:style>
+      </p:cxnSp>
+      <p:cxnSp>
+        <p:nvCxnSpPr>
+          <p:cNvPr id="10" name="Straight Arrow Connector 9"/>
+          <p:cNvCxnSpPr/>
+          <p:nvPr/>
+        </p:nvCxnSpPr>
+        <p:spPr>
+          <a:xfrm>
             <a:off x="2926080" y="2427316"/>
             <a:ext cx="581891" cy="665019"/>
           </a:xfrm>
@@ -7761,8 +8196,8 @@
         </p:nvSpPr>
         <p:spPr>
           <a:xfrm>
-            <a:off x="366657" y="2665431"/>
-            <a:ext cx="1702710" cy="646331"/>
+            <a:off x="1065331" y="4072167"/>
+            <a:ext cx="1927131" cy="646331"/>
           </a:xfrm>
           <a:prstGeom prst="rect">
             <a:avLst/>
@@ -7780,7 +8215,7 @@
                 <a:latin typeface="Dana Yad AlefAlefAlef Normal" panose="00000506000000000000" pitchFamily="50" charset="-79"/>
                 <a:cs typeface="Nehama" panose="00000400000000000000" pitchFamily="2" charset="-79"/>
               </a:rPr>
-              <a:t>אוסף הדגימות הנתון</a:t>
+              <a:t>דגימה מסויימת שרוצים</a:t>
             </a:r>
           </a:p>
           <a:p>
@@ -7790,7 +8225,7 @@
                 <a:latin typeface="Dana Yad AlefAlefAlef Normal" panose="00000506000000000000" pitchFamily="50" charset="-79"/>
                 <a:cs typeface="Nehama" panose="00000400000000000000" pitchFamily="2" charset="-79"/>
               </a:rPr>
-              <a:t>למשל - </a:t>
+              <a:t>לשנות - </a:t>
             </a:r>
             <a:r>
               <a:rPr lang="en-US" dirty="0" smtClean="0">
@@ -7814,8 +8249,8 @@
         </p:nvSpPr>
         <p:spPr>
           <a:xfrm>
-            <a:off x="181510" y="3127096"/>
-            <a:ext cx="2073003" cy="369332"/>
+            <a:off x="1404510" y="4538641"/>
+            <a:ext cx="1521570" cy="369332"/>
           </a:xfrm>
           <a:prstGeom prst="rect">
             <a:avLst/>
@@ -7832,7 +8267,7 @@
               <a:rPr lang="en-US" dirty="0" smtClean="0">
                 <a:latin typeface="Berlin Sans FB" panose="020E0602020502020306" pitchFamily="34" charset="0"/>
               </a:rPr>
-              <a:t>Height Acceleration</a:t>
+              <a:t>Step 1 Filtered</a:t>
             </a:r>
             <a:endParaRPr lang="en-US" dirty="0">
               <a:latin typeface="Berlin Sans FB" panose="020E0602020502020306" pitchFamily="34" charset="0"/>
@@ -7922,7 +8357,7 @@
         <p:spPr>
           <a:xfrm>
             <a:off x="2838795" y="3034763"/>
-            <a:ext cx="1799704" cy="923330"/>
+            <a:ext cx="1952924" cy="1200329"/>
           </a:xfrm>
           <a:prstGeom prst="rect">
             <a:avLst/>
@@ -7940,7 +8375,7 @@
               <a:rPr lang="he-IL" dirty="0" smtClean="0">
                 <a:cs typeface="Nehama" panose="00000400000000000000" pitchFamily="2" charset="-79"/>
               </a:rPr>
-              <a:t>משתנה שמכיל את הדגימות שאנחנו רוצים לקרב אליהן </a:t>
+              <a:t>משתנה שמכיל את היחס בין גודל הצעד הספציפי הזה לגודל צעד מקסימאלי שנמדד</a:t>
             </a:r>
             <a:endParaRPr lang="en-US" dirty="0">
               <a:cs typeface="Nehama" panose="00000400000000000000" pitchFamily="2" charset="-79"/>
@@ -7956,8 +8391,8 @@
         </p:nvSpPr>
         <p:spPr>
           <a:xfrm>
-            <a:off x="490451" y="3915053"/>
-            <a:ext cx="2478768" cy="923330"/>
+            <a:off x="-71943" y="2787316"/>
+            <a:ext cx="2478768" cy="369332"/>
           </a:xfrm>
           <a:prstGeom prst="rect">
             <a:avLst/>
@@ -7981,18 +8416,6 @@
               <a:cs typeface="Nehama" panose="00000400000000000000" pitchFamily="2" charset="-79"/>
             </a:endParaRPr>
           </a:p>
-          <a:p>
-            <a:pPr algn="r"/>
-            <a:r>
-              <a:rPr lang="he-IL" dirty="0" smtClean="0">
-                <a:cs typeface="Nehama" panose="00000400000000000000" pitchFamily="2" charset="-79"/>
-              </a:rPr>
-              <a:t>שאליו אנחנו רוצים לקרב את הדגימות החדשות</a:t>
-            </a:r>
-            <a:endParaRPr lang="en-US" dirty="0">
-              <a:cs typeface="Nehama" panose="00000400000000000000" pitchFamily="2" charset="-79"/>
-            </a:endParaRPr>
-          </a:p>
         </p:txBody>
       </p:sp>
       <p:sp>
@@ -8003,7 +8426,7 @@
         </p:nvSpPr>
         <p:spPr>
           <a:xfrm>
-            <a:off x="569904" y="3882044"/>
+            <a:off x="-38875" y="2772540"/>
             <a:ext cx="295274" cy="369332"/>
           </a:xfrm>
           <a:prstGeom prst="rect">
@@ -8023,267 +8446,6 @@
               </a:rPr>
               <a:t>x</a:t>
             </a:r>
-          </a:p>
-        </p:txBody>
-      </p:sp>
-      <p:pic>
-        <p:nvPicPr>
-          <p:cNvPr id="23" name="Picture 22" descr="Screen Clipping"/>
-          <p:cNvPicPr>
-            <a:picLocks noChangeAspect="1"/>
-          </p:cNvPicPr>
-          <p:nvPr/>
-        </p:nvPicPr>
-        <p:blipFill>
-          <a:blip r:embed="rId3">
-            <a:extLst>
-              <a:ext uri="{28A0092B-C50C-407E-A947-70E740481C1C}">
-                <a14:useLocalDpi xmlns:a14="http://schemas.microsoft.com/office/drawing/2010/main" val="0"/>
-              </a:ext>
-            </a:extLst>
-          </a:blip>
-          <a:stretch>
-            <a:fillRect/>
-          </a:stretch>
-        </p:blipFill>
-        <p:spPr>
-          <a:xfrm>
-            <a:off x="3986217" y="5716240"/>
-            <a:ext cx="5401429" cy="828791"/>
-          </a:xfrm>
-          <a:prstGeom prst="rect">
-            <a:avLst/>
-          </a:prstGeom>
-        </p:spPr>
-      </p:pic>
-      <p:cxnSp>
-        <p:nvCxnSpPr>
-          <p:cNvPr id="24" name="Straight Arrow Connector 23"/>
-          <p:cNvCxnSpPr/>
-          <p:nvPr/>
-        </p:nvCxnSpPr>
-        <p:spPr>
-          <a:xfrm flipH="1" flipV="1">
-            <a:off x="6375862" y="5320145"/>
-            <a:ext cx="142319" cy="523676"/>
-          </a:xfrm>
-          <a:prstGeom prst="straightConnector1">
-            <a:avLst/>
-          </a:prstGeom>
-          <a:ln>
-            <a:tailEnd type="triangle"/>
-          </a:ln>
-        </p:spPr>
-        <p:style>
-          <a:lnRef idx="2">
-            <a:schemeClr val="dk1"/>
-          </a:lnRef>
-          <a:fillRef idx="0">
-            <a:schemeClr val="dk1"/>
-          </a:fillRef>
-          <a:effectRef idx="1">
-            <a:schemeClr val="dk1"/>
-          </a:effectRef>
-          <a:fontRef idx="minor">
-            <a:schemeClr val="tx1"/>
-          </a:fontRef>
-        </p:style>
-      </p:cxnSp>
-      <p:cxnSp>
-        <p:nvCxnSpPr>
-          <p:cNvPr id="27" name="Straight Arrow Connector 26"/>
-          <p:cNvCxnSpPr/>
-          <p:nvPr/>
-        </p:nvCxnSpPr>
-        <p:spPr>
-          <a:xfrm flipV="1">
-            <a:off x="8790327" y="5256355"/>
-            <a:ext cx="117499" cy="554011"/>
-          </a:xfrm>
-          <a:prstGeom prst="straightConnector1">
-            <a:avLst/>
-          </a:prstGeom>
-          <a:ln>
-            <a:tailEnd type="triangle"/>
-          </a:ln>
-        </p:spPr>
-        <p:style>
-          <a:lnRef idx="2">
-            <a:schemeClr val="dk1"/>
-          </a:lnRef>
-          <a:fillRef idx="0">
-            <a:schemeClr val="dk1"/>
-          </a:fillRef>
-          <a:effectRef idx="1">
-            <a:schemeClr val="dk1"/>
-          </a:effectRef>
-          <a:fontRef idx="minor">
-            <a:schemeClr val="tx1"/>
-          </a:fontRef>
-        </p:style>
-      </p:cxnSp>
-      <p:sp>
-        <p:nvSpPr>
-          <p:cNvPr id="29" name="TextBox 28"/>
-          <p:cNvSpPr txBox="1"/>
-          <p:nvPr/>
-        </p:nvSpPr>
-        <p:spPr>
-          <a:xfrm>
-            <a:off x="7595249" y="4132768"/>
-            <a:ext cx="2502672" cy="923330"/>
-          </a:xfrm>
-          <a:prstGeom prst="rect">
-            <a:avLst/>
-          </a:prstGeom>
-          <a:noFill/>
-        </p:spPr>
-        <p:txBody>
-          <a:bodyPr wrap="none" rtlCol="0">
-            <a:spAutoFit/>
-          </a:bodyPr>
-          <a:lstStyle/>
-          <a:p>
-            <a:pPr algn="r"/>
-            <a:r>
-              <a:rPr lang="he-IL" dirty="0" smtClean="0">
-                <a:cs typeface="Nehama" panose="00000400000000000000" pitchFamily="2" charset="-79"/>
-              </a:rPr>
-              <a:t>וקטור שמכיל את האחוזונים</a:t>
-            </a:r>
-          </a:p>
-          <a:p>
-            <a:pPr algn="r"/>
-            <a:r>
-              <a:rPr lang="he-IL" dirty="0" smtClean="0">
-                <a:cs typeface="Nehama" panose="00000400000000000000" pitchFamily="2" charset="-79"/>
-              </a:rPr>
-              <a:t>10,90 של דגימות תאוצת הגובה</a:t>
-            </a:r>
-          </a:p>
-          <a:p>
-            <a:pPr algn="r"/>
-            <a:r>
-              <a:rPr lang="he-IL" dirty="0" smtClean="0">
-                <a:cs typeface="Nehama" panose="00000400000000000000" pitchFamily="2" charset="-79"/>
-              </a:rPr>
-              <a:t>מסוננות לפי </a:t>
-            </a:r>
-            <a:endParaRPr lang="en-US" dirty="0">
-              <a:cs typeface="Nehama" panose="00000400000000000000" pitchFamily="2" charset="-79"/>
-            </a:endParaRPr>
-          </a:p>
-        </p:txBody>
-      </p:sp>
-      <p:sp>
-        <p:nvSpPr>
-          <p:cNvPr id="30" name="TextBox 29"/>
-          <p:cNvSpPr txBox="1"/>
-          <p:nvPr/>
-        </p:nvSpPr>
-        <p:spPr>
-          <a:xfrm>
-            <a:off x="7674048" y="4664037"/>
-            <a:ext cx="1455848" cy="369332"/>
-          </a:xfrm>
-          <a:prstGeom prst="rect">
-            <a:avLst/>
-          </a:prstGeom>
-          <a:noFill/>
-        </p:spPr>
-        <p:txBody>
-          <a:bodyPr wrap="none" rtlCol="0">
-            <a:spAutoFit/>
-          </a:bodyPr>
-          <a:lstStyle/>
-          <a:p>
-            <a:r>
-              <a:rPr lang="en-US" dirty="0" smtClean="0">
-                <a:latin typeface="Berlin Sans FB" panose="020E0602020502020306" pitchFamily="34" charset="0"/>
-              </a:rPr>
-              <a:t>Median Filter</a:t>
-            </a:r>
-            <a:endParaRPr lang="en-US" dirty="0">
-              <a:latin typeface="Berlin Sans FB" panose="020E0602020502020306" pitchFamily="34" charset="0"/>
-            </a:endParaRPr>
-          </a:p>
-        </p:txBody>
-      </p:sp>
-      <p:sp>
-        <p:nvSpPr>
-          <p:cNvPr id="31" name="TextBox 30"/>
-          <p:cNvSpPr txBox="1"/>
-          <p:nvPr/>
-        </p:nvSpPr>
-        <p:spPr>
-          <a:xfrm>
-            <a:off x="5358814" y="4443871"/>
-            <a:ext cx="1805302" cy="646331"/>
-          </a:xfrm>
-          <a:prstGeom prst="rect">
-            <a:avLst/>
-          </a:prstGeom>
-          <a:noFill/>
-        </p:spPr>
-        <p:txBody>
-          <a:bodyPr wrap="none" rtlCol="0">
-            <a:spAutoFit/>
-          </a:bodyPr>
-          <a:lstStyle/>
-          <a:p>
-            <a:pPr algn="r"/>
-            <a:r>
-              <a:rPr lang="he-IL" dirty="0" smtClean="0">
-                <a:cs typeface="Nehama" panose="00000400000000000000" pitchFamily="2" charset="-79"/>
-              </a:rPr>
-              <a:t>דגימות תאוצת הגובה</a:t>
-            </a:r>
-          </a:p>
-          <a:p>
-            <a:pPr algn="r"/>
-            <a:r>
-              <a:rPr lang="he-IL" dirty="0" smtClean="0">
-                <a:cs typeface="Nehama" panose="00000400000000000000" pitchFamily="2" charset="-79"/>
-              </a:rPr>
-              <a:t>מסוננות לפי </a:t>
-            </a:r>
-            <a:endParaRPr lang="en-US" dirty="0">
-              <a:cs typeface="Nehama" panose="00000400000000000000" pitchFamily="2" charset="-79"/>
-            </a:endParaRPr>
-          </a:p>
-        </p:txBody>
-      </p:sp>
-      <p:sp>
-        <p:nvSpPr>
-          <p:cNvPr id="32" name="TextBox 31"/>
-          <p:cNvSpPr txBox="1"/>
-          <p:nvPr/>
-        </p:nvSpPr>
-        <p:spPr>
-          <a:xfrm>
-            <a:off x="4750741" y="4704490"/>
-            <a:ext cx="1455848" cy="369332"/>
-          </a:xfrm>
-          <a:prstGeom prst="rect">
-            <a:avLst/>
-          </a:prstGeom>
-          <a:noFill/>
-        </p:spPr>
-        <p:txBody>
-          <a:bodyPr wrap="none" rtlCol="0">
-            <a:spAutoFit/>
-          </a:bodyPr>
-          <a:lstStyle/>
-          <a:p>
-            <a:r>
-              <a:rPr lang="en-US" dirty="0" smtClean="0">
-                <a:latin typeface="Berlin Sans FB" panose="020E0602020502020306" pitchFamily="34" charset="0"/>
-              </a:rPr>
-              <a:t>Median Filter</a:t>
-            </a:r>
-            <a:endParaRPr lang="en-US" dirty="0">
-              <a:latin typeface="Berlin Sans FB" panose="020E0602020502020306" pitchFamily="34" charset="0"/>
-            </a:endParaRPr>
           </a:p>
         </p:txBody>
       </p:sp>
@@ -8545,22 +8707,19 @@
               </a:rPr>
               <a:t>Code Implementation:</a:t>
             </a:r>
-            <a:endParaRPr lang="en-US" sz="2200" dirty="0">
-              <a:latin typeface="Berlin Sans FB" panose="020E0602020502020306" pitchFamily="34" charset="0"/>
-            </a:endParaRPr>
           </a:p>
         </p:txBody>
       </p:sp>
       <p:pic>
         <p:nvPicPr>
-          <p:cNvPr id="39" name="Picture 38" descr="Screen Clipping"/>
+          <p:cNvPr id="4" name="Picture 3" descr="Screen Clipping"/>
           <p:cNvPicPr>
             <a:picLocks noChangeAspect="1"/>
           </p:cNvPicPr>
           <p:nvPr/>
         </p:nvPicPr>
         <p:blipFill>
-          <a:blip r:embed="rId4">
+          <a:blip r:embed="rId3">
             <a:extLst>
               <a:ext uri="{28A0092B-C50C-407E-A947-70E740481C1C}">
                 <a14:useLocalDpi xmlns:a14="http://schemas.microsoft.com/office/drawing/2010/main" val="0"/>
@@ -8573,47 +8732,14 @@
         </p:blipFill>
         <p:spPr>
           <a:xfrm>
-            <a:off x="7271281" y="2988596"/>
-            <a:ext cx="4490328" cy="818878"/>
+            <a:off x="3715789" y="5891355"/>
+            <a:ext cx="5630061" cy="428685"/>
           </a:xfrm>
           <a:prstGeom prst="rect">
             <a:avLst/>
           </a:prstGeom>
         </p:spPr>
       </p:pic>
-      <p:cxnSp>
-        <p:nvCxnSpPr>
-          <p:cNvPr id="40" name="Straight Arrow Connector 39"/>
-          <p:cNvCxnSpPr/>
-          <p:nvPr/>
-        </p:nvCxnSpPr>
-        <p:spPr>
-          <a:xfrm flipV="1">
-            <a:off x="9009857" y="3882044"/>
-            <a:ext cx="66745" cy="277621"/>
-          </a:xfrm>
-          <a:prstGeom prst="straightConnector1">
-            <a:avLst/>
-          </a:prstGeom>
-          <a:ln>
-            <a:tailEnd type="triangle"/>
-          </a:ln>
-        </p:spPr>
-        <p:style>
-          <a:lnRef idx="2">
-            <a:schemeClr val="dk1"/>
-          </a:lnRef>
-          <a:fillRef idx="0">
-            <a:schemeClr val="dk1"/>
-          </a:fillRef>
-          <a:effectRef idx="1">
-            <a:schemeClr val="dk1"/>
-          </a:effectRef>
-          <a:fontRef idx="minor">
-            <a:schemeClr val="tx1"/>
-          </a:fontRef>
-        </p:style>
-      </p:cxnSp>
     </p:spTree>
     <p:extLst>
       <p:ext uri="{BB962C8B-B14F-4D97-AF65-F5344CB8AC3E}">
@@ -8627,7 +8753,7 @@
 </p:sld>
 </file>
 
-<file path=ppt/slides/slide13.xml><?xml version="1.0" encoding="utf-8"?>
+<file path=ppt/slides/slide16.xml><?xml version="1.0" encoding="utf-8"?>
 <p:sld xmlns:a="http://schemas.openxmlformats.org/drawingml/2006/main" xmlns:r="http://schemas.openxmlformats.org/officeDocument/2006/relationships" xmlns:p="http://schemas.openxmlformats.org/presentationml/2006/main">
   <p:cSld>
     <p:spTree>
@@ -9242,96 +9368,6 @@
 </file>
 
 <file path=ppt/slides/slide3.xml><?xml version="1.0" encoding="utf-8"?>
-<p:sld xmlns:a="http://schemas.openxmlformats.org/drawingml/2006/main" xmlns:r="http://schemas.openxmlformats.org/officeDocument/2006/relationships" xmlns:p="http://schemas.openxmlformats.org/presentationml/2006/main">
-  <p:cSld>
-    <p:spTree>
-      <p:nvGrpSpPr>
-        <p:cNvPr id="1" name=""/>
-        <p:cNvGrpSpPr/>
-        <p:nvPr/>
-      </p:nvGrpSpPr>
-      <p:grpSpPr>
-        <a:xfrm>
-          <a:off x="0" y="0"/>
-          <a:ext cx="0" cy="0"/>
-          <a:chOff x="0" y="0"/>
-          <a:chExt cx="0" cy="0"/>
-        </a:xfrm>
-      </p:grpSpPr>
-      <p:sp>
-        <p:nvSpPr>
-          <p:cNvPr id="2" name="Title 1"/>
-          <p:cNvSpPr>
-            <a:spLocks noGrp="1"/>
-          </p:cNvSpPr>
-          <p:nvPr>
-            <p:ph type="title"/>
-          </p:nvPr>
-        </p:nvSpPr>
-        <p:spPr/>
-        <p:txBody>
-          <a:bodyPr/>
-          <a:lstStyle/>
-          <a:p>
-            <a:pPr algn="ctr"/>
-            <a:r>
-              <a:rPr lang="en-US" dirty="0" smtClean="0"/>
-              <a:t>General Data Explain</a:t>
-            </a:r>
-            <a:endParaRPr lang="en-US" dirty="0"/>
-          </a:p>
-        </p:txBody>
-      </p:sp>
-      <p:pic>
-        <p:nvPicPr>
-          <p:cNvPr id="4" name="Content Placeholder 3"/>
-          <p:cNvPicPr>
-            <a:picLocks noGrp="1" noChangeAspect="1"/>
-          </p:cNvPicPr>
-          <p:nvPr>
-            <p:ph idx="1"/>
-          </p:nvPr>
-        </p:nvPicPr>
-        <p:blipFill>
-          <a:blip r:embed="rId2">
-            <a:extLst>
-              <a:ext uri="{28A0092B-C50C-407E-A947-70E740481C1C}">
-                <a14:useLocalDpi xmlns:a14="http://schemas.microsoft.com/office/drawing/2010/main" val="0"/>
-              </a:ext>
-            </a:extLst>
-          </a:blip>
-          <a:stretch>
-            <a:fillRect/>
-          </a:stretch>
-        </p:blipFill>
-        <p:spPr>
-          <a:xfrm>
-            <a:off x="56350" y="1928552"/>
-            <a:ext cx="12110711" cy="2613957"/>
-          </a:xfrm>
-        </p:spPr>
-      </p:pic>
-    </p:spTree>
-    <p:extLst>
-      <p:ext uri="{BB962C8B-B14F-4D97-AF65-F5344CB8AC3E}">
-        <p14:creationId xmlns:p14="http://schemas.microsoft.com/office/powerpoint/2010/main" val="1552601332"/>
-      </p:ext>
-    </p:extLst>
-  </p:cSld>
-  <p:clrMapOvr>
-    <a:masterClrMapping/>
-  </p:clrMapOvr>
-  <p:timing>
-    <p:tnLst>
-      <p:par>
-        <p:cTn id="1" dur="indefinite" restart="never" nodeType="tmRoot"/>
-      </p:par>
-    </p:tnLst>
-  </p:timing>
-</p:sld>
-</file>
-
-<file path=ppt/slides/slide4.xml><?xml version="1.0" encoding="utf-8"?>
 <p:sld xmlns:a="http://schemas.openxmlformats.org/drawingml/2006/main" xmlns:r="http://schemas.openxmlformats.org/officeDocument/2006/relationships" xmlns:p="http://schemas.openxmlformats.org/presentationml/2006/main">
   <p:cSld>
     <p:spTree>
@@ -9579,7 +9615,7 @@
         </p:nvCxnSpPr>
         <p:spPr>
           <a:xfrm flipV="1">
-            <a:off x="8669867" y="1210733"/>
+            <a:off x="8669867" y="1219046"/>
             <a:ext cx="0" cy="262467"/>
           </a:xfrm>
           <a:prstGeom prst="straightConnector1">
@@ -9885,7 +9921,7 @@
 </p:sld>
 </file>
 
-<file path=ppt/slides/slide5.xml><?xml version="1.0" encoding="utf-8"?>
+<file path=ppt/slides/slide4.xml><?xml version="1.0" encoding="utf-8"?>
 <p:sld xmlns:a="http://schemas.openxmlformats.org/drawingml/2006/main" xmlns:r="http://schemas.openxmlformats.org/officeDocument/2006/relationships" xmlns:p="http://schemas.openxmlformats.org/presentationml/2006/main">
   <p:cSld>
     <p:spTree>
@@ -10284,7 +10320,7 @@
 </p:sld>
 </file>
 
-<file path=ppt/slides/slide6.xml><?xml version="1.0" encoding="utf-8"?>
+<file path=ppt/slides/slide5.xml><?xml version="1.0" encoding="utf-8"?>
 <p:sld xmlns:a="http://schemas.openxmlformats.org/drawingml/2006/main" xmlns:r="http://schemas.openxmlformats.org/officeDocument/2006/relationships" xmlns:p="http://schemas.openxmlformats.org/presentationml/2006/main">
   <p:cSld>
     <p:spTree>
@@ -10301,69 +10337,38 @@
           <a:chExt cx="0" cy="0"/>
         </a:xfrm>
       </p:grpSpPr>
-      <p:pic>
-        <p:nvPicPr>
-          <p:cNvPr id="4" name="Picture 3"/>
-          <p:cNvPicPr>
-            <a:picLocks noChangeAspect="1"/>
-          </p:cNvPicPr>
-          <p:nvPr/>
-        </p:nvPicPr>
-        <p:blipFill>
-          <a:blip r:embed="rId2">
-            <a:extLst>
-              <a:ext uri="{28A0092B-C50C-407E-A947-70E740481C1C}">
-                <a14:useLocalDpi xmlns:a14="http://schemas.microsoft.com/office/drawing/2010/main" val="0"/>
-              </a:ext>
-            </a:extLst>
-          </a:blip>
-          <a:stretch>
-            <a:fillRect/>
-          </a:stretch>
-        </p:blipFill>
-        <p:spPr>
-          <a:xfrm>
-            <a:off x="5327944" y="218861"/>
-            <a:ext cx="4825612" cy="2587704"/>
-          </a:xfrm>
-          <a:prstGeom prst="rect">
-            <a:avLst/>
-          </a:prstGeom>
-        </p:spPr>
-      </p:pic>
-      <p:pic>
-        <p:nvPicPr>
-          <p:cNvPr id="2" name="Picture 1"/>
-          <p:cNvPicPr>
-            <a:picLocks noChangeAspect="1"/>
-          </p:cNvPicPr>
-          <p:nvPr/>
-        </p:nvPicPr>
-        <p:blipFill>
-          <a:blip r:embed="rId3">
-            <a:extLst>
-              <a:ext uri="{28A0092B-C50C-407E-A947-70E740481C1C}">
-                <a14:useLocalDpi xmlns:a14="http://schemas.microsoft.com/office/drawing/2010/main" val="0"/>
-              </a:ext>
-            </a:extLst>
-          </a:blip>
-          <a:stretch>
-            <a:fillRect/>
-          </a:stretch>
-        </p:blipFill>
-        <p:spPr>
-          <a:xfrm>
-            <a:off x="1171581" y="3479644"/>
-            <a:ext cx="8554644" cy="743054"/>
-          </a:xfrm>
-          <a:prstGeom prst="rect">
-            <a:avLst/>
-          </a:prstGeom>
-        </p:spPr>
-      </p:pic>
-      <p:sp>
-        <p:nvSpPr>
-          <p:cNvPr id="6" name="Text Placeholder 3"/>
+      <p:sp>
+        <p:nvSpPr>
+          <p:cNvPr id="2" name="Title 1"/>
+          <p:cNvSpPr>
+            <a:spLocks noGrp="1"/>
+          </p:cNvSpPr>
+          <p:nvPr>
+            <p:ph type="title"/>
+          </p:nvPr>
+        </p:nvSpPr>
+        <p:spPr>
+          <a:xfrm>
+            <a:off x="646111" y="452718"/>
+            <a:ext cx="9404723" cy="769253"/>
+          </a:xfrm>
+        </p:spPr>
+        <p:txBody>
+          <a:bodyPr/>
+          <a:lstStyle/>
+          <a:p>
+            <a:pPr algn="ctr"/>
+            <a:r>
+              <a:rPr lang="en-US" dirty="0" smtClean="0"/>
+              <a:t>Identifying steps pattern</a:t>
+            </a:r>
+            <a:endParaRPr lang="en-US" dirty="0"/>
+          </a:p>
+        </p:txBody>
+      </p:sp>
+      <p:sp>
+        <p:nvSpPr>
+          <p:cNvPr id="5" name="Text Placeholder 3"/>
           <p:cNvSpPr txBox="1">
             <a:spLocks/>
           </p:cNvSpPr>
@@ -10371,8 +10376,8 @@
         </p:nvSpPr>
         <p:spPr>
           <a:xfrm>
-            <a:off x="1081958" y="4222698"/>
-            <a:ext cx="9830469" cy="2895599"/>
+            <a:off x="1021287" y="5593080"/>
+            <a:ext cx="8776446" cy="2895599"/>
           </a:xfrm>
           <a:prstGeom prst="rect">
             <a:avLst/>
@@ -10614,79 +10619,24 @@
               <a:buNone/>
             </a:pPr>
             <a:r>
-              <a:rPr lang="en-US" sz="2800" dirty="0" smtClean="0">
+              <a:rPr lang="en-US" sz="2400" dirty="0" smtClean="0">
                 <a:latin typeface="Berlin Sans FB" panose="020E0602020502020306" pitchFamily="34" charset="0"/>
               </a:rPr>
-              <a:t>The width </a:t>
-            </a:r>
-            <a:r>
-              <a:rPr lang="en-US" sz="2800" dirty="0">
-                <a:latin typeface="Berlin Sans FB" panose="020E0602020502020306" pitchFamily="34" charset="0"/>
-              </a:rPr>
-              <a:t>samples </a:t>
-            </a:r>
-            <a:r>
-              <a:rPr lang="en-US" sz="2800" dirty="0" smtClean="0">
-                <a:latin typeface="Berlin Sans FB" panose="020E0602020502020306" pitchFamily="34" charset="0"/>
-              </a:rPr>
-              <a:t>are a ‘data value’ </a:t>
-            </a:r>
-            <a:r>
-              <a:rPr lang="en-US" sz="2800" dirty="0">
-                <a:latin typeface="Berlin Sans FB" panose="020E0602020502020306" pitchFamily="34" charset="0"/>
-              </a:rPr>
-              <a:t>in </a:t>
-            </a:r>
-            <a:r>
-              <a:rPr lang="en-US" sz="2800" dirty="0" smtClean="0">
-                <a:latin typeface="Berlin Sans FB" panose="020E0602020502020306" pitchFamily="34" charset="0"/>
-              </a:rPr>
-              <a:t>Matlab.</a:t>
-            </a:r>
-            <a:endParaRPr lang="en-US" sz="2800" dirty="0">
-              <a:latin typeface="Berlin Sans FB" panose="020E0602020502020306" pitchFamily="34" charset="0"/>
-            </a:endParaRPr>
-          </a:p>
-          <a:p>
-            <a:pPr marL="0" indent="0">
-              <a:buNone/>
-            </a:pPr>
-            <a:r>
-              <a:rPr lang="en-US" sz="2800" dirty="0" smtClean="0">
-                <a:latin typeface="Berlin Sans FB" panose="020E0602020502020306" pitchFamily="34" charset="0"/>
-              </a:rPr>
-              <a:t>And each step we need to separate is a ‘data sample</a:t>
-            </a:r>
-            <a:r>
-              <a:rPr lang="en-US" sz="2800" dirty="0">
-                <a:latin typeface="Berlin Sans FB" panose="020E0602020502020306" pitchFamily="34" charset="0"/>
-              </a:rPr>
-              <a:t>’ in Matlab :</a:t>
-            </a:r>
-            <a:endParaRPr lang="en-US" sz="2800" dirty="0" smtClean="0">
-              <a:latin typeface="Berlin Sans FB" panose="020E0602020502020306" pitchFamily="34" charset="0"/>
-            </a:endParaRPr>
-          </a:p>
-          <a:p>
-            <a:pPr marL="0" indent="0">
-              <a:buNone/>
-            </a:pPr>
-            <a:endParaRPr lang="en-US" sz="2800" dirty="0" smtClean="0">
-              <a:latin typeface="Berlin Sans FB" panose="020E0602020502020306" pitchFamily="34" charset="0"/>
-            </a:endParaRPr>
+              <a:t>I was plotting a few ranges of data for the 2 Axes on screen to see if there is a certain pattern.</a:t>
+            </a:r>
           </a:p>
         </p:txBody>
       </p:sp>
       <p:pic>
         <p:nvPicPr>
-          <p:cNvPr id="3" name="Picture 2"/>
+          <p:cNvPr id="6" name="Picture 5"/>
           <p:cNvPicPr>
             <a:picLocks noChangeAspect="1"/>
           </p:cNvPicPr>
           <p:nvPr/>
         </p:nvPicPr>
         <p:blipFill>
-          <a:blip r:embed="rId4">
+          <a:blip r:embed="rId2">
             <a:extLst>
               <a:ext uri="{28A0092B-C50C-407E-A947-70E740481C1C}">
                 <a14:useLocalDpi xmlns:a14="http://schemas.microsoft.com/office/drawing/2010/main" val="0"/>
@@ -10699,33 +10649,488 @@
         </p:blipFill>
         <p:spPr>
           <a:xfrm>
-            <a:off x="1164171" y="5306420"/>
-            <a:ext cx="9793067" cy="1352739"/>
+            <a:off x="307571" y="1526602"/>
+            <a:ext cx="6074253" cy="3773531"/>
           </a:xfrm>
           <a:prstGeom prst="rect">
             <a:avLst/>
           </a:prstGeom>
         </p:spPr>
       </p:pic>
-      <p:sp>
-        <p:nvSpPr>
-          <p:cNvPr id="7" name="Text Placeholder 3"/>
-          <p:cNvSpPr txBox="1">
-            <a:spLocks/>
-          </p:cNvSpPr>
+      <p:pic>
+        <p:nvPicPr>
+          <p:cNvPr id="7" name="Picture 6"/>
+          <p:cNvPicPr>
+            <a:picLocks noChangeAspect="1"/>
+          </p:cNvPicPr>
           <p:nvPr/>
-        </p:nvSpPr>
-        <p:spPr>
-          <a:xfrm>
-            <a:off x="1171581" y="2894414"/>
-            <a:ext cx="10815372" cy="2895599"/>
+        </p:nvPicPr>
+        <p:blipFill>
+          <a:blip r:embed="rId3">
+            <a:extLst>
+              <a:ext uri="{28A0092B-C50C-407E-A947-70E740481C1C}">
+                <a14:useLocalDpi xmlns:a14="http://schemas.microsoft.com/office/drawing/2010/main" val="0"/>
+              </a:ext>
+            </a:extLst>
+          </a:blip>
+          <a:stretch>
+            <a:fillRect/>
+          </a:stretch>
+        </p:blipFill>
+        <p:spPr>
+          <a:xfrm>
+            <a:off x="6585911" y="1514918"/>
+            <a:ext cx="5424645" cy="3785215"/>
           </a:xfrm>
           <a:prstGeom prst="rect">
             <a:avLst/>
           </a:prstGeom>
         </p:spPr>
+      </p:pic>
+    </p:spTree>
+    <p:extLst>
+      <p:ext uri="{BB962C8B-B14F-4D97-AF65-F5344CB8AC3E}">
+        <p14:creationId xmlns:p14="http://schemas.microsoft.com/office/powerpoint/2010/main" val="1477816339"/>
+      </p:ext>
+    </p:extLst>
+  </p:cSld>
+  <p:clrMapOvr>
+    <a:masterClrMapping/>
+  </p:clrMapOvr>
+  <p:timing>
+    <p:tnLst>
+      <p:par>
+        <p:cTn id="1" dur="indefinite" restart="never" nodeType="tmRoot"/>
+      </p:par>
+    </p:tnLst>
+  </p:timing>
+</p:sld>
+</file>
+
+<file path=ppt/slides/slide6.xml><?xml version="1.0" encoding="utf-8"?>
+<p:sld xmlns:a="http://schemas.openxmlformats.org/drawingml/2006/main" xmlns:r="http://schemas.openxmlformats.org/officeDocument/2006/relationships" xmlns:p="http://schemas.openxmlformats.org/presentationml/2006/main">
+  <p:cSld>
+    <p:spTree>
+      <p:nvGrpSpPr>
+        <p:cNvPr id="1" name=""/>
+        <p:cNvGrpSpPr/>
+        <p:nvPr/>
+      </p:nvGrpSpPr>
+      <p:grpSpPr>
+        <a:xfrm>
+          <a:off x="0" y="0"/>
+          <a:ext cx="0" cy="0"/>
+          <a:chOff x="0" y="0"/>
+          <a:chExt cx="0" cy="0"/>
+        </a:xfrm>
+      </p:grpSpPr>
+      <p:sp>
+        <p:nvSpPr>
+          <p:cNvPr id="3" name="Content Placeholder 2"/>
+          <p:cNvSpPr>
+            <a:spLocks noGrp="1"/>
+          </p:cNvSpPr>
+          <p:nvPr>
+            <p:ph idx="1"/>
+          </p:nvPr>
+        </p:nvSpPr>
+        <p:spPr>
+          <a:xfrm>
+            <a:off x="7491489" y="4376200"/>
+            <a:ext cx="8946541" cy="6101868"/>
+          </a:xfrm>
+        </p:spPr>
         <p:txBody>
           <a:bodyPr>
+            <a:normAutofit/>
+          </a:bodyPr>
+          <a:lstStyle/>
+          <a:p>
+            <a:pPr marL="0" indent="0">
+              <a:buNone/>
+            </a:pPr>
+            <a:r>
+              <a:rPr lang="en-US" sz="1600" dirty="0" smtClean="0"/>
+              <a:t>You can see about 2 local</a:t>
+            </a:r>
+          </a:p>
+          <a:p>
+            <a:pPr marL="0" indent="0">
+              <a:buNone/>
+            </a:pPr>
+            <a:r>
+              <a:rPr lang="en-US" sz="1600" dirty="0" smtClean="0"/>
+              <a:t> minimum points, </a:t>
+            </a:r>
+          </a:p>
+          <a:p>
+            <a:pPr marL="0" indent="0">
+              <a:buNone/>
+            </a:pPr>
+            <a:r>
+              <a:rPr lang="en-US" sz="1600" dirty="0" smtClean="0"/>
+              <a:t>1 minimum point is very radical</a:t>
+            </a:r>
+            <a:endParaRPr lang="en-US" sz="1600" dirty="0"/>
+          </a:p>
+        </p:txBody>
+      </p:sp>
+      <p:pic>
+        <p:nvPicPr>
+          <p:cNvPr id="4" name="Picture 3"/>
+          <p:cNvPicPr>
+            <a:picLocks noChangeAspect="1"/>
+          </p:cNvPicPr>
+          <p:nvPr/>
+        </p:nvPicPr>
+        <p:blipFill>
+          <a:blip r:embed="rId2">
+            <a:extLst>
+              <a:ext uri="{28A0092B-C50C-407E-A947-70E740481C1C}">
+                <a14:useLocalDpi xmlns:a14="http://schemas.microsoft.com/office/drawing/2010/main" val="0"/>
+              </a:ext>
+            </a:extLst>
+          </a:blip>
+          <a:stretch>
+            <a:fillRect/>
+          </a:stretch>
+        </p:blipFill>
+        <p:spPr>
+          <a:xfrm>
+            <a:off x="434244" y="820776"/>
+            <a:ext cx="6305917" cy="4757690"/>
+          </a:xfrm>
+          <a:prstGeom prst="rect">
+            <a:avLst/>
+          </a:prstGeom>
+        </p:spPr>
+      </p:pic>
+      <p:sp>
+        <p:nvSpPr>
+          <p:cNvPr id="7" name="Content Placeholder 2"/>
+          <p:cNvSpPr txBox="1">
+            <a:spLocks/>
+          </p:cNvSpPr>
+          <p:nvPr/>
+        </p:nvSpPr>
+        <p:spPr>
+          <a:xfrm>
+            <a:off x="157048" y="275687"/>
+            <a:ext cx="8946541" cy="6101868"/>
+          </a:xfrm>
+          <a:prstGeom prst="rect">
+            <a:avLst/>
+          </a:prstGeom>
+        </p:spPr>
+        <p:txBody>
+          <a:bodyPr vert="horz" lIns="91440" tIns="45720" rIns="91440" bIns="45720" rtlCol="0">
+            <a:normAutofit lnSpcReduction="10000"/>
+          </a:bodyPr>
+          <a:lstStyle>
+            <a:lvl1pPr marL="342900" indent="-342900" algn="l" defTabSz="457200" rtl="0" eaLnBrk="1" latinLnBrk="0" hangingPunct="1">
+              <a:spcBef>
+                <a:spcPts val="1000"/>
+              </a:spcBef>
+              <a:spcAft>
+                <a:spcPts val="0"/>
+              </a:spcAft>
+              <a:buClr>
+                <a:schemeClr val="accent1">
+                  <a:lumMod val="60000"/>
+                  <a:lumOff val="40000"/>
+                </a:schemeClr>
+              </a:buClr>
+              <a:buSzPct val="80000"/>
+              <a:buFont typeface="Wingdings 3" charset="2"/>
+              <a:buChar char=""/>
+              <a:defRPr sz="2000" b="0" i="0" kern="1200">
+                <a:solidFill>
+                  <a:schemeClr val="tx1"/>
+                </a:solidFill>
+                <a:latin typeface="+mj-lt"/>
+                <a:ea typeface="+mj-ea"/>
+                <a:cs typeface="+mj-cs"/>
+              </a:defRPr>
+            </a:lvl1pPr>
+            <a:lvl2pPr marL="742950" indent="-285750" algn="l" defTabSz="457200" rtl="0" eaLnBrk="1" latinLnBrk="0" hangingPunct="1">
+              <a:spcBef>
+                <a:spcPts val="1000"/>
+              </a:spcBef>
+              <a:spcAft>
+                <a:spcPts val="0"/>
+              </a:spcAft>
+              <a:buClr>
+                <a:schemeClr val="accent1">
+                  <a:lumMod val="60000"/>
+                  <a:lumOff val="40000"/>
+                </a:schemeClr>
+              </a:buClr>
+              <a:buSzPct val="80000"/>
+              <a:buFont typeface="Wingdings 3" charset="2"/>
+              <a:buChar char=""/>
+              <a:defRPr sz="1800" b="0" i="0" kern="1200">
+                <a:solidFill>
+                  <a:schemeClr val="tx1"/>
+                </a:solidFill>
+                <a:latin typeface="+mj-lt"/>
+                <a:ea typeface="+mj-ea"/>
+                <a:cs typeface="+mj-cs"/>
+              </a:defRPr>
+            </a:lvl2pPr>
+            <a:lvl3pPr marL="1143000" indent="-228600" algn="l" defTabSz="457200" rtl="0" eaLnBrk="1" latinLnBrk="0" hangingPunct="1">
+              <a:spcBef>
+                <a:spcPts val="1000"/>
+              </a:spcBef>
+              <a:spcAft>
+                <a:spcPts val="0"/>
+              </a:spcAft>
+              <a:buClr>
+                <a:schemeClr val="accent1">
+                  <a:lumMod val="60000"/>
+                  <a:lumOff val="40000"/>
+                </a:schemeClr>
+              </a:buClr>
+              <a:buSzPct val="80000"/>
+              <a:buFont typeface="Wingdings 3" charset="2"/>
+              <a:buChar char=""/>
+              <a:defRPr sz="1600" b="0" i="0" kern="1200">
+                <a:solidFill>
+                  <a:schemeClr val="tx1"/>
+                </a:solidFill>
+                <a:latin typeface="+mj-lt"/>
+                <a:ea typeface="+mj-ea"/>
+                <a:cs typeface="+mj-cs"/>
+              </a:defRPr>
+            </a:lvl3pPr>
+            <a:lvl4pPr marL="1600200" indent="-228600" algn="l" defTabSz="457200" rtl="0" eaLnBrk="1" latinLnBrk="0" hangingPunct="1">
+              <a:spcBef>
+                <a:spcPts val="1000"/>
+              </a:spcBef>
+              <a:spcAft>
+                <a:spcPts val="0"/>
+              </a:spcAft>
+              <a:buClr>
+                <a:schemeClr val="accent1">
+                  <a:lumMod val="60000"/>
+                  <a:lumOff val="40000"/>
+                </a:schemeClr>
+              </a:buClr>
+              <a:buSzPct val="80000"/>
+              <a:buFont typeface="Wingdings 3" charset="2"/>
+              <a:buChar char=""/>
+              <a:defRPr sz="1400" b="0" i="0" kern="1200">
+                <a:solidFill>
+                  <a:schemeClr val="tx1"/>
+                </a:solidFill>
+                <a:latin typeface="+mj-lt"/>
+                <a:ea typeface="+mj-ea"/>
+                <a:cs typeface="+mj-cs"/>
+              </a:defRPr>
+            </a:lvl4pPr>
+            <a:lvl5pPr marL="2057400" indent="-228600" algn="l" defTabSz="457200" rtl="0" eaLnBrk="1" latinLnBrk="0" hangingPunct="1">
+              <a:spcBef>
+                <a:spcPts val="1000"/>
+              </a:spcBef>
+              <a:spcAft>
+                <a:spcPts val="0"/>
+              </a:spcAft>
+              <a:buClr>
+                <a:schemeClr val="accent1">
+                  <a:lumMod val="60000"/>
+                  <a:lumOff val="40000"/>
+                </a:schemeClr>
+              </a:buClr>
+              <a:buSzPct val="80000"/>
+              <a:buFont typeface="Wingdings 3" charset="2"/>
+              <a:buChar char=""/>
+              <a:defRPr sz="1400" b="0" i="0" kern="1200">
+                <a:solidFill>
+                  <a:schemeClr val="tx1"/>
+                </a:solidFill>
+                <a:latin typeface="+mj-lt"/>
+                <a:ea typeface="+mj-ea"/>
+                <a:cs typeface="+mj-cs"/>
+              </a:defRPr>
+            </a:lvl5pPr>
+            <a:lvl6pPr marL="2514600" indent="-228600" algn="l" defTabSz="457200" rtl="0" eaLnBrk="1" latinLnBrk="0" hangingPunct="1">
+              <a:spcBef>
+                <a:spcPts val="1000"/>
+              </a:spcBef>
+              <a:spcAft>
+                <a:spcPts val="0"/>
+              </a:spcAft>
+              <a:buClr>
+                <a:schemeClr val="accent1">
+                  <a:lumMod val="60000"/>
+                  <a:lumOff val="40000"/>
+                </a:schemeClr>
+              </a:buClr>
+              <a:buSzPct val="80000"/>
+              <a:buFont typeface="Wingdings 3" charset="2"/>
+              <a:buChar char=""/>
+              <a:defRPr sz="1400" b="0" i="0" kern="1200">
+                <a:solidFill>
+                  <a:schemeClr val="tx1"/>
+                </a:solidFill>
+                <a:latin typeface="+mj-lt"/>
+                <a:ea typeface="+mj-ea"/>
+                <a:cs typeface="+mj-cs"/>
+              </a:defRPr>
+            </a:lvl6pPr>
+            <a:lvl7pPr marL="2971800" indent="-228600" algn="l" defTabSz="457200" rtl="0" eaLnBrk="1" latinLnBrk="0" hangingPunct="1">
+              <a:spcBef>
+                <a:spcPts val="1000"/>
+              </a:spcBef>
+              <a:spcAft>
+                <a:spcPts val="0"/>
+              </a:spcAft>
+              <a:buClr>
+                <a:schemeClr val="accent1">
+                  <a:lumMod val="60000"/>
+                  <a:lumOff val="40000"/>
+                </a:schemeClr>
+              </a:buClr>
+              <a:buSzPct val="80000"/>
+              <a:buFont typeface="Wingdings 3" charset="2"/>
+              <a:buChar char=""/>
+              <a:defRPr sz="1400" b="0" i="0" kern="1200">
+                <a:solidFill>
+                  <a:schemeClr val="tx1"/>
+                </a:solidFill>
+                <a:latin typeface="+mj-lt"/>
+                <a:ea typeface="+mj-ea"/>
+                <a:cs typeface="+mj-cs"/>
+              </a:defRPr>
+            </a:lvl7pPr>
+            <a:lvl8pPr marL="3429000" indent="-228600" algn="l" defTabSz="457200" rtl="0" eaLnBrk="1" latinLnBrk="0" hangingPunct="1">
+              <a:spcBef>
+                <a:spcPts val="1000"/>
+              </a:spcBef>
+              <a:spcAft>
+                <a:spcPts val="0"/>
+              </a:spcAft>
+              <a:buClr>
+                <a:schemeClr val="accent1">
+                  <a:lumMod val="60000"/>
+                  <a:lumOff val="40000"/>
+                </a:schemeClr>
+              </a:buClr>
+              <a:buSzPct val="80000"/>
+              <a:buFont typeface="Wingdings 3" charset="2"/>
+              <a:buChar char=""/>
+              <a:defRPr sz="1400" b="0" i="0" kern="1200">
+                <a:solidFill>
+                  <a:schemeClr val="tx1"/>
+                </a:solidFill>
+                <a:latin typeface="+mj-lt"/>
+                <a:ea typeface="+mj-ea"/>
+                <a:cs typeface="+mj-cs"/>
+              </a:defRPr>
+            </a:lvl8pPr>
+            <a:lvl9pPr marL="3886200" indent="-228600" algn="l" defTabSz="457200" rtl="0" eaLnBrk="1" latinLnBrk="0" hangingPunct="1">
+              <a:spcBef>
+                <a:spcPts val="1000"/>
+              </a:spcBef>
+              <a:spcAft>
+                <a:spcPts val="0"/>
+              </a:spcAft>
+              <a:buClr>
+                <a:schemeClr val="accent1">
+                  <a:lumMod val="60000"/>
+                  <a:lumOff val="40000"/>
+                </a:schemeClr>
+              </a:buClr>
+              <a:buSzPct val="80000"/>
+              <a:buFont typeface="Wingdings 3" charset="2"/>
+              <a:buChar char=""/>
+              <a:defRPr sz="1400" b="0" i="0" kern="1200">
+                <a:solidFill>
+                  <a:schemeClr val="tx1"/>
+                </a:solidFill>
+                <a:latin typeface="+mj-lt"/>
+                <a:ea typeface="+mj-ea"/>
+                <a:cs typeface="+mj-cs"/>
+              </a:defRPr>
+            </a:lvl9pPr>
+          </a:lstStyle>
+          <a:p>
+            <a:r>
+              <a:rPr lang="en-US" sz="1800" dirty="0" smtClean="0"/>
+              <a:t>How to determine if a pattern in my data is a step?</a:t>
+            </a:r>
+          </a:p>
+          <a:p>
+            <a:endParaRPr lang="en-US" sz="1800" dirty="0" smtClean="0"/>
+          </a:p>
+          <a:p>
+            <a:endParaRPr lang="en-US" sz="1800" dirty="0" smtClean="0"/>
+          </a:p>
+          <a:p>
+            <a:endParaRPr lang="en-US" sz="1800" dirty="0" smtClean="0"/>
+          </a:p>
+          <a:p>
+            <a:endParaRPr lang="en-US" sz="1800" dirty="0" smtClean="0"/>
+          </a:p>
+          <a:p>
+            <a:pPr marL="0" indent="0">
+              <a:buNone/>
+            </a:pPr>
+            <a:endParaRPr lang="en-US" sz="1800" dirty="0" smtClean="0"/>
+          </a:p>
+          <a:p>
+            <a:endParaRPr lang="en-US" sz="1800" dirty="0" smtClean="0"/>
+          </a:p>
+          <a:p>
+            <a:endParaRPr lang="en-US" sz="1800" dirty="0" smtClean="0"/>
+          </a:p>
+          <a:p>
+            <a:endParaRPr lang="en-US" sz="1800" dirty="0" smtClean="0"/>
+          </a:p>
+          <a:p>
+            <a:endParaRPr lang="en-US" sz="1800" dirty="0" smtClean="0"/>
+          </a:p>
+          <a:p>
+            <a:endParaRPr lang="en-US" sz="1800" dirty="0" smtClean="0"/>
+          </a:p>
+          <a:p>
+            <a:endParaRPr lang="en-US" sz="1800" dirty="0" smtClean="0"/>
+          </a:p>
+          <a:p>
+            <a:endParaRPr lang="en-US" sz="1800" dirty="0" smtClean="0"/>
+          </a:p>
+          <a:p>
+            <a:endParaRPr lang="en-US" sz="1800" dirty="0" smtClean="0"/>
+          </a:p>
+          <a:p>
+            <a:endParaRPr lang="en-US" sz="1800" dirty="0"/>
+          </a:p>
+          <a:p>
+            <a:r>
+              <a:rPr lang="en-US" sz="1800" dirty="0" smtClean="0"/>
+              <a:t>This is the most common pattern I found.</a:t>
+            </a:r>
+          </a:p>
+        </p:txBody>
+      </p:sp>
+      <p:sp>
+        <p:nvSpPr>
+          <p:cNvPr id="8" name="Content Placeholder 2"/>
+          <p:cNvSpPr txBox="1">
+            <a:spLocks/>
+          </p:cNvSpPr>
+          <p:nvPr/>
+        </p:nvSpPr>
+        <p:spPr>
+          <a:xfrm>
+            <a:off x="7261641" y="1512591"/>
+            <a:ext cx="5267777" cy="3101742"/>
+          </a:xfrm>
+          <a:prstGeom prst="rect">
+            <a:avLst/>
+          </a:prstGeom>
+        </p:spPr>
+        <p:txBody>
+          <a:bodyPr vert="horz" lIns="91440" tIns="45720" rIns="91440" bIns="45720" rtlCol="0">
             <a:normAutofit/>
           </a:bodyPr>
           <a:lstStyle>
@@ -10957,133 +11362,58 @@
           </a:lstStyle>
           <a:p>
             <a:pPr marL="0" indent="0">
+              <a:buFont typeface="Wingdings 3" charset="2"/>
               <a:buNone/>
             </a:pPr>
             <a:r>
-              <a:rPr lang="en-US" sz="2800" dirty="0" smtClean="0">
-                <a:latin typeface="Berlin Sans FB" panose="020E0602020502020306" pitchFamily="34" charset="0"/>
-              </a:rPr>
-              <a:t>The whole IMU </a:t>
-            </a:r>
-            <a:r>
-              <a:rPr lang="en-US" sz="2800" dirty="0">
-                <a:latin typeface="Berlin Sans FB" panose="020E0602020502020306" pitchFamily="34" charset="0"/>
-              </a:rPr>
-              <a:t>Accelerometer </a:t>
-            </a:r>
-            <a:r>
-              <a:rPr lang="en-US" sz="2800" dirty="0" smtClean="0">
-                <a:latin typeface="Berlin Sans FB" panose="020E0602020502020306" pitchFamily="34" charset="0"/>
-              </a:rPr>
-              <a:t>data in .h5 </a:t>
-            </a:r>
-            <a:r>
-              <a:rPr lang="en-US" sz="2800" dirty="0">
-                <a:latin typeface="Berlin Sans FB" panose="020E0602020502020306" pitchFamily="34" charset="0"/>
-              </a:rPr>
-              <a:t>is called </a:t>
-            </a:r>
-            <a:r>
-              <a:rPr lang="en-US" sz="2800" dirty="0" smtClean="0">
-                <a:latin typeface="Berlin Sans FB" panose="020E0602020502020306" pitchFamily="34" charset="0"/>
-              </a:rPr>
-              <a:t>‘timeseries Object’ </a:t>
-            </a:r>
-            <a:r>
-              <a:rPr lang="en-US" sz="2800" dirty="0">
-                <a:latin typeface="Berlin Sans FB" panose="020E0602020502020306" pitchFamily="34" charset="0"/>
-              </a:rPr>
-              <a:t>:</a:t>
-            </a:r>
-            <a:endParaRPr lang="en-US" sz="2800" dirty="0" smtClean="0">
-              <a:latin typeface="Berlin Sans FB" panose="020E0602020502020306" pitchFamily="34" charset="0"/>
-            </a:endParaRPr>
+              <a:rPr lang="en-US" sz="1600" dirty="0" smtClean="0"/>
+              <a:t>You can see about 4-5 local </a:t>
+            </a:r>
           </a:p>
           <a:p>
             <a:pPr marL="0" indent="0">
+              <a:buFont typeface="Wingdings 3" charset="2"/>
               <a:buNone/>
             </a:pPr>
-            <a:endParaRPr lang="en-US" sz="2800" dirty="0" smtClean="0">
-              <a:latin typeface="Berlin Sans FB" panose="020E0602020502020306" pitchFamily="34" charset="0"/>
-            </a:endParaRPr>
-          </a:p>
-        </p:txBody>
-      </p:sp>
-      <p:sp>
-        <p:nvSpPr>
-          <p:cNvPr id="5" name="TextBox 4"/>
-          <p:cNvSpPr txBox="1"/>
-          <p:nvPr/>
-        </p:nvSpPr>
-        <p:spPr>
-          <a:xfrm>
-            <a:off x="2186247" y="739832"/>
-            <a:ext cx="1519968" cy="523220"/>
-          </a:xfrm>
-          <a:prstGeom prst="rect">
-            <a:avLst/>
-          </a:prstGeom>
-          <a:noFill/>
-        </p:spPr>
-        <p:txBody>
-          <a:bodyPr wrap="none" rtlCol="0">
-            <a:spAutoFit/>
-          </a:bodyPr>
-          <a:lstStyle/>
-          <a:p>
-            <a:r>
-              <a:rPr lang="en-US" sz="2800" u="sng" dirty="0" smtClean="0">
-                <a:latin typeface="Berlin Sans FB" panose="020E0602020502020306" pitchFamily="34" charset="0"/>
-              </a:rPr>
-              <a:t>Concepts</a:t>
-            </a:r>
-            <a:endParaRPr lang="en-US" sz="2800" u="sng" dirty="0">
-              <a:latin typeface="Berlin Sans FB" panose="020E0602020502020306" pitchFamily="34" charset="0"/>
-            </a:endParaRPr>
-          </a:p>
-        </p:txBody>
-      </p:sp>
-      <p:sp>
-        <p:nvSpPr>
-          <p:cNvPr id="8" name="TextBox 7"/>
-          <p:cNvSpPr txBox="1"/>
-          <p:nvPr/>
-        </p:nvSpPr>
-        <p:spPr>
-          <a:xfrm>
-            <a:off x="5300794" y="5464603"/>
-            <a:ext cx="3760966" cy="461665"/>
-          </a:xfrm>
-          <a:prstGeom prst="rect">
-            <a:avLst/>
-          </a:prstGeom>
-          <a:noFill/>
-        </p:spPr>
-        <p:txBody>
-          <a:bodyPr wrap="none" rtlCol="0">
-            <a:spAutoFit/>
-          </a:bodyPr>
-          <a:lstStyle/>
-          <a:p>
-            <a:r>
-              <a:rPr lang="en-US" sz="2400" dirty="0" smtClean="0">
-                <a:solidFill>
-                  <a:schemeClr val="accent5">
-                    <a:lumMod val="75000"/>
-                  </a:schemeClr>
-                </a:solidFill>
-                <a:latin typeface="Berlin Sans FB" panose="020E0602020502020306" pitchFamily="34" charset="0"/>
-              </a:rPr>
-              <a:t>The specific time here: 37,713</a:t>
-            </a:r>
-            <a:endParaRPr lang="en-US" sz="2400" dirty="0">
-              <a:solidFill>
-                <a:schemeClr val="accent5">
-                  <a:lumMod val="75000"/>
-                </a:schemeClr>
-              </a:solidFill>
-              <a:latin typeface="Berlin Sans FB" panose="020E0602020502020306" pitchFamily="34" charset="0"/>
-            </a:endParaRPr>
+            <a:r>
+              <a:rPr lang="en-US" sz="1600" dirty="0"/>
+              <a:t>m</a:t>
+            </a:r>
+            <a:r>
+              <a:rPr lang="en-US" sz="1600" dirty="0" smtClean="0"/>
+              <a:t>aximum points</a:t>
+            </a:r>
+          </a:p>
+          <a:p>
+            <a:pPr marL="0" indent="0">
+              <a:buNone/>
+            </a:pPr>
+            <a:r>
+              <a:rPr lang="en-US" sz="1600" dirty="0"/>
+              <a:t>1 </a:t>
+            </a:r>
+            <a:r>
+              <a:rPr lang="en-US" sz="1600" dirty="0" smtClean="0"/>
+              <a:t>maximum </a:t>
+            </a:r>
+            <a:r>
+              <a:rPr lang="en-US" sz="1600" dirty="0"/>
+              <a:t>point is very </a:t>
+            </a:r>
+            <a:r>
+              <a:rPr lang="en-US" sz="1600" dirty="0" smtClean="0"/>
+              <a:t>radical</a:t>
+            </a:r>
+          </a:p>
+          <a:p>
+            <a:pPr marL="0" indent="0">
+              <a:buNone/>
+            </a:pPr>
+            <a:r>
+              <a:rPr lang="en-US" sz="1600" dirty="0" smtClean="0"/>
+              <a:t>(18-25 range amplitude usually)</a:t>
+            </a:r>
+            <a:endParaRPr lang="en-US" sz="1600" dirty="0"/>
           </a:p>
         </p:txBody>
       </p:sp>
@@ -11095,85 +11425,8 @@
         </p:nvCxnSpPr>
         <p:spPr>
           <a:xfrm>
-            <a:off x="4910999" y="5731822"/>
-            <a:ext cx="382385" cy="0"/>
-          </a:xfrm>
-          <a:prstGeom prst="straightConnector1">
-            <a:avLst/>
-          </a:prstGeom>
-          <a:ln>
-            <a:tailEnd type="triangle"/>
-          </a:ln>
-        </p:spPr>
-        <p:style>
-          <a:lnRef idx="2">
-            <a:schemeClr val="dk1"/>
-          </a:lnRef>
-          <a:fillRef idx="0">
-            <a:schemeClr val="dk1"/>
-          </a:fillRef>
-          <a:effectRef idx="1">
-            <a:schemeClr val="dk1"/>
-          </a:effectRef>
-          <a:fontRef idx="minor">
-            <a:schemeClr val="tx1"/>
-          </a:fontRef>
-        </p:style>
-      </p:cxnSp>
-      <p:sp>
-        <p:nvSpPr>
-          <p:cNvPr id="10" name="TextBox 9"/>
-          <p:cNvSpPr txBox="1"/>
-          <p:nvPr/>
-        </p:nvSpPr>
-        <p:spPr>
-          <a:xfrm>
-            <a:off x="7365105" y="5782734"/>
-            <a:ext cx="3360215" cy="400110"/>
-          </a:xfrm>
-          <a:prstGeom prst="rect">
-            <a:avLst/>
-          </a:prstGeom>
-          <a:noFill/>
-        </p:spPr>
-        <p:txBody>
-          <a:bodyPr wrap="none" rtlCol="0">
-            <a:spAutoFit/>
-          </a:bodyPr>
-          <a:lstStyle/>
-          <a:p>
-            <a:r>
-              <a:rPr lang="en-US" sz="2000" dirty="0" smtClean="0">
-                <a:solidFill>
-                  <a:schemeClr val="accent5">
-                    <a:lumMod val="75000"/>
-                  </a:schemeClr>
-                </a:solidFill>
-                <a:latin typeface="Berlin Sans FB" panose="020E0602020502020306" pitchFamily="34" charset="0"/>
-              </a:rPr>
-              <a:t>Data Sample time here: 7,680</a:t>
-            </a:r>
-            <a:endParaRPr lang="en-US" sz="2000" dirty="0">
-              <a:solidFill>
-                <a:schemeClr val="accent5">
-                  <a:lumMod val="75000"/>
-                </a:schemeClr>
-              </a:solidFill>
-              <a:latin typeface="Berlin Sans FB" panose="020E0602020502020306" pitchFamily="34" charset="0"/>
-            </a:endParaRPr>
-          </a:p>
-        </p:txBody>
-      </p:sp>
-      <p:cxnSp>
-        <p:nvCxnSpPr>
-          <p:cNvPr id="11" name="Straight Arrow Connector 10"/>
-          <p:cNvCxnSpPr/>
-          <p:nvPr/>
-        </p:nvCxnSpPr>
-        <p:spPr>
-          <a:xfrm>
-            <a:off x="6982720" y="6000600"/>
-            <a:ext cx="382385" cy="0"/>
+            <a:off x="4157134" y="4876647"/>
+            <a:ext cx="3165022" cy="17707"/>
           </a:xfrm>
           <a:prstGeom prst="straightConnector1">
             <a:avLst/>
@@ -11199,14 +11452,14 @@
       </p:cxnSp>
       <p:cxnSp>
         <p:nvCxnSpPr>
-          <p:cNvPr id="12" name="Straight Arrow Connector 11"/>
+          <p:cNvPr id="15" name="Straight Arrow Connector 14"/>
           <p:cNvCxnSpPr/>
           <p:nvPr/>
         </p:nvCxnSpPr>
         <p:spPr>
           <a:xfrm>
-            <a:off x="6196882" y="6269377"/>
-            <a:ext cx="382385" cy="0"/>
+            <a:off x="3979334" y="2074883"/>
+            <a:ext cx="3282307" cy="41784"/>
           </a:xfrm>
           <a:prstGeom prst="straightConnector1">
             <a:avLst/>
@@ -11230,67 +11483,82 @@
           </a:fontRef>
         </p:style>
       </p:cxnSp>
-      <p:sp>
-        <p:nvSpPr>
-          <p:cNvPr id="13" name="TextBox 12"/>
-          <p:cNvSpPr txBox="1"/>
+      <p:cxnSp>
+        <p:nvCxnSpPr>
+          <p:cNvPr id="20" name="Straight Arrow Connector 19"/>
+          <p:cNvCxnSpPr/>
           <p:nvPr/>
-        </p:nvSpPr>
-        <p:spPr>
-          <a:xfrm>
-            <a:off x="6613503" y="6048763"/>
-            <a:ext cx="3139001" cy="400110"/>
-          </a:xfrm>
-          <a:prstGeom prst="rect">
+        </p:nvCxnSpPr>
+        <p:spPr>
+          <a:xfrm flipV="1">
+            <a:off x="4250760" y="2437831"/>
+            <a:ext cx="3010881" cy="57488"/>
+          </a:xfrm>
+          <a:prstGeom prst="straightConnector1">
             <a:avLst/>
           </a:prstGeom>
-          <a:noFill/>
-        </p:spPr>
-        <p:txBody>
-          <a:bodyPr wrap="none" rtlCol="0">
-            <a:spAutoFit/>
-          </a:bodyPr>
-          <a:lstStyle/>
-          <a:p>
-            <a:r>
-              <a:rPr lang="en-US" sz="2000" dirty="0" smtClean="0">
-                <a:solidFill>
-                  <a:schemeClr val="accent5">
-                    <a:lumMod val="75000"/>
-                  </a:schemeClr>
-                </a:solidFill>
-                <a:latin typeface="Berlin Sans FB" panose="020E0602020502020306" pitchFamily="34" charset="0"/>
-              </a:rPr>
-              <a:t>Number of Data Samples: 5</a:t>
-            </a:r>
-            <a:endParaRPr lang="en-US" sz="2000" dirty="0">
-              <a:solidFill>
-                <a:schemeClr val="accent5">
-                  <a:lumMod val="75000"/>
-                </a:schemeClr>
-              </a:solidFill>
-              <a:latin typeface="Berlin Sans FB" panose="020E0602020502020306" pitchFamily="34" charset="0"/>
-            </a:endParaRPr>
-          </a:p>
-        </p:txBody>
-      </p:sp>
+          <a:ln>
+            <a:tailEnd type="triangle"/>
+          </a:ln>
+        </p:spPr>
+        <p:style>
+          <a:lnRef idx="2">
+            <a:schemeClr val="dk1"/>
+          </a:lnRef>
+          <a:fillRef idx="0">
+            <a:schemeClr val="dk1"/>
+          </a:fillRef>
+          <a:effectRef idx="1">
+            <a:schemeClr val="dk1"/>
+          </a:effectRef>
+          <a:fontRef idx="minor">
+            <a:schemeClr val="tx1"/>
+          </a:fontRef>
+        </p:style>
+      </p:cxnSp>
+      <p:cxnSp>
+        <p:nvCxnSpPr>
+          <p:cNvPr id="22" name="Straight Arrow Connector 21"/>
+          <p:cNvCxnSpPr/>
+          <p:nvPr/>
+        </p:nvCxnSpPr>
+        <p:spPr>
+          <a:xfrm>
+            <a:off x="2717800" y="3581400"/>
+            <a:ext cx="4604356" cy="943283"/>
+          </a:xfrm>
+          <a:prstGeom prst="straightConnector1">
+            <a:avLst/>
+          </a:prstGeom>
+          <a:ln>
+            <a:tailEnd type="triangle"/>
+          </a:ln>
+        </p:spPr>
+        <p:style>
+          <a:lnRef idx="2">
+            <a:schemeClr val="dk1"/>
+          </a:lnRef>
+          <a:fillRef idx="0">
+            <a:schemeClr val="dk1"/>
+          </a:fillRef>
+          <a:effectRef idx="1">
+            <a:schemeClr val="dk1"/>
+          </a:effectRef>
+          <a:fontRef idx="minor">
+            <a:schemeClr val="tx1"/>
+          </a:fontRef>
+        </p:style>
+      </p:cxnSp>
     </p:spTree>
     <p:extLst>
       <p:ext uri="{BB962C8B-B14F-4D97-AF65-F5344CB8AC3E}">
-        <p14:creationId xmlns:p14="http://schemas.microsoft.com/office/powerpoint/2010/main" val="3902474326"/>
+        <p14:creationId xmlns:p14="http://schemas.microsoft.com/office/powerpoint/2010/main" val="4015304689"/>
       </p:ext>
     </p:extLst>
   </p:cSld>
   <p:clrMapOvr>
     <a:masterClrMapping/>
   </p:clrMapOvr>
-  <p:timing>
-    <p:tnLst>
-      <p:par>
-        <p:cTn id="1" dur="indefinite" restart="never" nodeType="tmRoot"/>
-      </p:par>
-    </p:tnLst>
-  </p:timing>
 </p:sld>
 </file>
 
@@ -11311,35 +11579,6 @@
           <a:chExt cx="0" cy="0"/>
         </a:xfrm>
       </p:grpSpPr>
-      <p:sp>
-        <p:nvSpPr>
-          <p:cNvPr id="2" name="Title 1"/>
-          <p:cNvSpPr>
-            <a:spLocks noGrp="1"/>
-          </p:cNvSpPr>
-          <p:nvPr>
-            <p:ph type="title"/>
-          </p:nvPr>
-        </p:nvSpPr>
-        <p:spPr>
-          <a:xfrm>
-            <a:off x="646111" y="452718"/>
-            <a:ext cx="9404723" cy="769253"/>
-          </a:xfrm>
-        </p:spPr>
-        <p:txBody>
-          <a:bodyPr/>
-          <a:lstStyle/>
-          <a:p>
-            <a:pPr algn="ctr"/>
-            <a:r>
-              <a:rPr lang="en-US" dirty="0" smtClean="0"/>
-              <a:t>Dividing steps visually</a:t>
-            </a:r>
-            <a:endParaRPr lang="en-US" dirty="0"/>
-          </a:p>
-        </p:txBody>
-      </p:sp>
       <p:pic>
         <p:nvPicPr>
           <p:cNvPr id="4" name="Content Placeholder 3"/>
@@ -11364,30 +11603,129 @@
         </p:blipFill>
         <p:spPr>
           <a:xfrm>
-            <a:off x="258239" y="1221971"/>
-            <a:ext cx="7877473" cy="4195762"/>
-          </a:xfrm>
-        </p:spPr>
-      </p:pic>
-      <p:sp>
-        <p:nvSpPr>
-          <p:cNvPr id="5" name="Text Placeholder 3"/>
-          <p:cNvSpPr txBox="1">
-            <a:spLocks/>
-          </p:cNvSpPr>
-          <p:nvPr/>
-        </p:nvSpPr>
-        <p:spPr>
-          <a:xfrm>
-            <a:off x="888284" y="5410200"/>
-            <a:ext cx="8776446" cy="2895599"/>
+            <a:off x="5797202" y="124894"/>
+            <a:ext cx="6015183" cy="4538337"/>
           </a:xfrm>
           <a:prstGeom prst="rect">
             <a:avLst/>
           </a:prstGeom>
         </p:spPr>
-        <p:txBody>
-          <a:bodyPr>
+      </p:pic>
+      <p:sp>
+        <p:nvSpPr>
+          <p:cNvPr id="7" name="Rectangle 6"/>
+          <p:cNvSpPr/>
+          <p:nvPr/>
+        </p:nvSpPr>
+        <p:spPr>
+          <a:xfrm>
+            <a:off x="6586218" y="2111429"/>
+            <a:ext cx="629229" cy="532015"/>
+          </a:xfrm>
+          <a:prstGeom prst="rect">
+            <a:avLst/>
+          </a:prstGeom>
+          <a:noFill/>
+          <a:ln w="9525" cap="flat" cmpd="sng" algn="ctr">
+            <a:solidFill>
+              <a:schemeClr val="accent5"/>
+            </a:solidFill>
+            <a:prstDash val="solid"/>
+            <a:round/>
+            <a:headEnd type="none" w="med" len="med"/>
+            <a:tailEnd type="none" w="med" len="med"/>
+          </a:ln>
+        </p:spPr>
+        <p:style>
+          <a:lnRef idx="0">
+            <a:scrgbClr r="0" g="0" b="0"/>
+          </a:lnRef>
+          <a:fillRef idx="0">
+            <a:scrgbClr r="0" g="0" b="0"/>
+          </a:fillRef>
+          <a:effectRef idx="0">
+            <a:scrgbClr r="0" g="0" b="0"/>
+          </a:effectRef>
+          <a:fontRef idx="minor">
+            <a:schemeClr val="accent5"/>
+          </a:fontRef>
+        </p:style>
+        <p:txBody>
+          <a:bodyPr rtlCol="0" anchor="ctr"/>
+          <a:lstStyle/>
+          <a:p>
+            <a:pPr algn="ctr"/>
+            <a:endParaRPr lang="en-US"/>
+          </a:p>
+        </p:txBody>
+      </p:sp>
+      <p:sp>
+        <p:nvSpPr>
+          <p:cNvPr id="8" name="Rectangle 7"/>
+          <p:cNvSpPr/>
+          <p:nvPr/>
+        </p:nvSpPr>
+        <p:spPr>
+          <a:xfrm>
+            <a:off x="10393681" y="2111430"/>
+            <a:ext cx="689956" cy="532015"/>
+          </a:xfrm>
+          <a:prstGeom prst="rect">
+            <a:avLst/>
+          </a:prstGeom>
+          <a:noFill/>
+          <a:ln w="9525" cap="flat" cmpd="sng" algn="ctr">
+            <a:solidFill>
+              <a:schemeClr val="accent5"/>
+            </a:solidFill>
+            <a:prstDash val="solid"/>
+            <a:round/>
+            <a:headEnd type="none" w="med" len="med"/>
+            <a:tailEnd type="none" w="med" len="med"/>
+          </a:ln>
+        </p:spPr>
+        <p:style>
+          <a:lnRef idx="0">
+            <a:scrgbClr r="0" g="0" b="0"/>
+          </a:lnRef>
+          <a:fillRef idx="0">
+            <a:scrgbClr r="0" g="0" b="0"/>
+          </a:fillRef>
+          <a:effectRef idx="0">
+            <a:scrgbClr r="0" g="0" b="0"/>
+          </a:effectRef>
+          <a:fontRef idx="minor">
+            <a:schemeClr val="accent5"/>
+          </a:fontRef>
+        </p:style>
+        <p:txBody>
+          <a:bodyPr rtlCol="0" anchor="ctr"/>
+          <a:lstStyle/>
+          <a:p>
+            <a:pPr algn="ctr"/>
+            <a:endParaRPr lang="en-US"/>
+          </a:p>
+        </p:txBody>
+      </p:sp>
+      <p:sp>
+        <p:nvSpPr>
+          <p:cNvPr id="9" name="Content Placeholder 2"/>
+          <p:cNvSpPr txBox="1">
+            <a:spLocks/>
+          </p:cNvSpPr>
+          <p:nvPr/>
+        </p:nvSpPr>
+        <p:spPr>
+          <a:xfrm>
+            <a:off x="4608481" y="4797198"/>
+            <a:ext cx="7405253" cy="2858826"/>
+          </a:xfrm>
+          <a:prstGeom prst="rect">
+            <a:avLst/>
+          </a:prstGeom>
+        </p:spPr>
+        <p:txBody>
+          <a:bodyPr vert="horz" lIns="91440" tIns="45720" rIns="91440" bIns="45720" rtlCol="0">
             <a:normAutofit/>
           </a:bodyPr>
           <a:lstStyle>
@@ -11619,30 +11957,89 @@
           </a:lstStyle>
           <a:p>
             <a:pPr marL="0" indent="0">
+              <a:buFont typeface="Wingdings 3" charset="2"/>
               <a:buNone/>
             </a:pPr>
             <a:r>
-              <a:rPr lang="en-US" sz="2400" dirty="0" smtClean="0">
-                <a:latin typeface="Berlin Sans FB" panose="020E0602020502020306" pitchFamily="34" charset="0"/>
+              <a:rPr lang="en-US" sz="1600" dirty="0" smtClean="0"/>
+              <a:t>Before and after each step pattern there is a 20-70 Milliseconds</a:t>
+            </a:r>
+          </a:p>
+          <a:p>
+            <a:pPr marL="0" indent="0">
+              <a:buFont typeface="Wingdings 3" charset="2"/>
+              <a:buNone/>
+            </a:pPr>
+            <a:r>
+              <a:rPr lang="en-US" sz="1600" dirty="0" smtClean="0"/>
+              <a:t>part with Amplitude in -3 to 2 range(</a:t>
+            </a:r>
+            <a:r>
+              <a:rPr lang="en-US" sz="1600" dirty="0" smtClean="0">
+                <a:solidFill>
+                  <a:schemeClr val="accent5"/>
+                </a:solidFill>
               </a:rPr>
-              <a:t>As I was plotting the width samples on screen,</a:t>
+              <a:t>purple</a:t>
+            </a:r>
+            <a:r>
+              <a:rPr lang="en-US" sz="1600" dirty="0" smtClean="0"/>
+              <a:t>).</a:t>
             </a:r>
           </a:p>
           <a:p>
             <a:pPr marL="0" indent="0">
+              <a:buFont typeface="Wingdings 3" charset="2"/>
               <a:buNone/>
             </a:pPr>
             <a:r>
-              <a:rPr lang="en-US" sz="2400" dirty="0">
-                <a:latin typeface="Berlin Sans FB" panose="020E0602020502020306" pitchFamily="34" charset="0"/>
+              <a:rPr lang="en-US" sz="1600" dirty="0" smtClean="0"/>
+              <a:t>After this the function goes down to minimum local point(</a:t>
+            </a:r>
+            <a:r>
+              <a:rPr lang="en-US" sz="1600" dirty="0" smtClean="0">
+                <a:solidFill>
+                  <a:schemeClr val="accent4"/>
+                </a:solidFill>
               </a:rPr>
-              <a:t>I noticed </a:t>
-            </a:r>
-            <a:r>
-              <a:rPr lang="en-US" sz="2400" dirty="0" smtClean="0">
-                <a:latin typeface="Berlin Sans FB" panose="020E0602020502020306" pitchFamily="34" charset="0"/>
+              <a:t>orange</a:t>
+            </a:r>
+            <a:r>
+              <a:rPr lang="en-US" sz="1600" dirty="0" smtClean="0"/>
+              <a:t>)</a:t>
+            </a:r>
+          </a:p>
+          <a:p>
+            <a:pPr marL="0" indent="0">
+              <a:buNone/>
+            </a:pPr>
+            <a:r>
+              <a:rPr lang="en-US" sz="1600" dirty="0"/>
+              <a:t>After this the function goes down to </a:t>
+            </a:r>
+            <a:r>
+              <a:rPr lang="en-US" sz="1600" dirty="0" smtClean="0"/>
+              <a:t>maximum </a:t>
+            </a:r>
+            <a:r>
+              <a:rPr lang="en-US" sz="1600" dirty="0"/>
+              <a:t>local </a:t>
+            </a:r>
+            <a:r>
+              <a:rPr lang="en-US" sz="1600" dirty="0" smtClean="0"/>
+              <a:t>point(</a:t>
+            </a:r>
+            <a:r>
+              <a:rPr lang="en-US" sz="1600" dirty="0" smtClean="0">
+                <a:solidFill>
+                  <a:srgbClr val="00B050"/>
+                </a:solidFill>
               </a:rPr>
-              <a:t>there are 5 ‘chunks’= Steps in this Movement Data</a:t>
+              <a:t>green</a:t>
+            </a:r>
+            <a:r>
+              <a:rPr lang="en-US" sz="1600" dirty="0" smtClean="0"/>
+              <a:t>)</a:t>
             </a:r>
           </a:p>
           <a:p>
@@ -11650,38 +12047,57 @@
               <a:buNone/>
             </a:pPr>
             <a:r>
-              <a:rPr lang="en-US" sz="2400" dirty="0" smtClean="0">
-                <a:latin typeface="Berlin Sans FB" panose="020E0602020502020306" pitchFamily="34" charset="0"/>
-              </a:rPr>
-              <a:t> </a:t>
-            </a:r>
-            <a:r>
-              <a:rPr lang="en-US" sz="2400" dirty="0">
-                <a:latin typeface="Berlin Sans FB" panose="020E0602020502020306" pitchFamily="34" charset="0"/>
-              </a:rPr>
-              <a:t>(marked in </a:t>
-            </a:r>
-            <a:r>
-              <a:rPr lang="en-US" sz="2400" dirty="0" smtClean="0">
+              <a:rPr lang="en-US" sz="1600" dirty="0"/>
+              <a:t>After this the function goes down to </a:t>
+            </a:r>
+            <a:r>
+              <a:rPr lang="en-US" sz="1600" dirty="0" smtClean="0"/>
+              <a:t>another maximum </a:t>
+            </a:r>
+            <a:r>
+              <a:rPr lang="en-US" sz="1600" dirty="0"/>
+              <a:t>local </a:t>
+            </a:r>
+            <a:r>
+              <a:rPr lang="en-US" sz="1600" dirty="0" smtClean="0"/>
+              <a:t>point(</a:t>
+            </a:r>
+            <a:r>
+              <a:rPr lang="en-US" sz="1600" dirty="0" smtClean="0">
                 <a:solidFill>
                   <a:srgbClr val="FF0000"/>
                 </a:solidFill>
-                <a:latin typeface="Berlin Sans FB" panose="020E0602020502020306" pitchFamily="34" charset="0"/>
               </a:rPr>
-              <a:t>Red</a:t>
-            </a:r>
-            <a:r>
-              <a:rPr lang="en-US" sz="2400" dirty="0" smtClean="0">
-                <a:latin typeface="Berlin Sans FB" panose="020E0602020502020306" pitchFamily="34" charset="0"/>
-              </a:rPr>
-              <a:t>).  </a:t>
-            </a:r>
+              <a:t>red</a:t>
+            </a:r>
+            <a:r>
+              <a:rPr lang="en-US" sz="1600" dirty="0" smtClean="0"/>
+              <a:t>)</a:t>
+            </a:r>
+            <a:endParaRPr lang="en-US" sz="1600" dirty="0"/>
+          </a:p>
+          <a:p>
+            <a:pPr marL="0" indent="0">
+              <a:buNone/>
+            </a:pPr>
+            <a:endParaRPr lang="en-US" sz="1600" dirty="0" smtClean="0"/>
+          </a:p>
+          <a:p>
+            <a:pPr marL="0" indent="0">
+              <a:buFont typeface="Wingdings 3" charset="2"/>
+              <a:buNone/>
+            </a:pPr>
+            <a:r>
+              <a:rPr lang="en-US" sz="1600" dirty="0" smtClean="0"/>
+              <a:t> </a:t>
+            </a:r>
+            <a:endParaRPr lang="en-US" sz="1600" dirty="0"/>
           </a:p>
         </p:txBody>
       </p:sp>
       <p:pic>
         <p:nvPicPr>
-          <p:cNvPr id="8" name="Picture 7"/>
+          <p:cNvPr id="10" name="Picture 9"/>
           <p:cNvPicPr>
             <a:picLocks noChangeAspect="1"/>
           </p:cNvPicPr>
@@ -11701,8 +12117,8 @@
         </p:blipFill>
         <p:spPr>
           <a:xfrm>
-            <a:off x="8210433" y="3319852"/>
-            <a:ext cx="3834709" cy="600215"/>
+            <a:off x="251686" y="626908"/>
+            <a:ext cx="6103675" cy="3305012"/>
           </a:xfrm>
           <a:prstGeom prst="rect">
             <a:avLst/>
@@ -11711,135 +12127,657 @@
       </p:pic>
       <p:sp>
         <p:nvSpPr>
-          <p:cNvPr id="9" name="TextBox 8"/>
-          <p:cNvSpPr txBox="1"/>
+          <p:cNvPr id="11" name="Rectangle 10"/>
+          <p:cNvSpPr/>
           <p:nvPr/>
         </p:nvSpPr>
         <p:spPr>
           <a:xfrm>
-            <a:off x="8230347" y="2387216"/>
-            <a:ext cx="3548788" cy="1046440"/>
+            <a:off x="786705" y="2279414"/>
+            <a:ext cx="689956" cy="532015"/>
           </a:xfrm>
           <a:prstGeom prst="rect">
             <a:avLst/>
           </a:prstGeom>
           <a:noFill/>
-        </p:spPr>
-        <p:txBody>
-          <a:bodyPr wrap="square" rtlCol="0">
-            <a:spAutoFit/>
-          </a:bodyPr>
+          <a:ln w="9525" cap="flat" cmpd="sng" algn="ctr">
+            <a:solidFill>
+              <a:schemeClr val="accent5"/>
+            </a:solidFill>
+            <a:prstDash val="solid"/>
+            <a:round/>
+            <a:headEnd type="none" w="med" len="med"/>
+            <a:tailEnd type="none" w="med" len="med"/>
+          </a:ln>
+        </p:spPr>
+        <p:style>
+          <a:lnRef idx="0">
+            <a:scrgbClr r="0" g="0" b="0"/>
+          </a:lnRef>
+          <a:fillRef idx="0">
+            <a:scrgbClr r="0" g="0" b="0"/>
+          </a:fillRef>
+          <a:effectRef idx="0">
+            <a:scrgbClr r="0" g="0" b="0"/>
+          </a:effectRef>
+          <a:fontRef idx="minor">
+            <a:schemeClr val="accent5"/>
+          </a:fontRef>
+        </p:style>
+        <p:txBody>
+          <a:bodyPr rtlCol="0" anchor="ctr"/>
           <a:lstStyle/>
           <a:p>
-            <a:r>
-              <a:rPr lang="en-US" sz="2200" dirty="0">
-                <a:latin typeface="Berlin Sans FB" panose="020E0602020502020306" pitchFamily="34" charset="0"/>
-              </a:rPr>
-              <a:t>Each of their size </a:t>
-            </a:r>
-            <a:endParaRPr lang="en-US" sz="2200" dirty="0" smtClean="0">
-              <a:latin typeface="Berlin Sans FB" panose="020E0602020502020306" pitchFamily="34" charset="0"/>
-            </a:endParaRPr>
-          </a:p>
-          <a:p>
-            <a:r>
-              <a:rPr lang="en-US" sz="2200" dirty="0" smtClean="0">
-                <a:solidFill>
-                  <a:schemeClr val="accent4">
-                    <a:lumMod val="60000"/>
-                    <a:lumOff val="40000"/>
-                  </a:schemeClr>
-                </a:solidFill>
-                <a:latin typeface="Berlin Sans FB" panose="020E0602020502020306" pitchFamily="34" charset="0"/>
-              </a:rPr>
-              <a:t>was </a:t>
-            </a:r>
-            <a:r>
-              <a:rPr lang="en-US" sz="2200" dirty="0">
-                <a:solidFill>
-                  <a:schemeClr val="accent4">
-                    <a:lumMod val="60000"/>
-                    <a:lumOff val="40000"/>
-                  </a:schemeClr>
-                </a:solidFill>
-                <a:latin typeface="Berlin Sans FB" panose="020E0602020502020306" pitchFamily="34" charset="0"/>
-              </a:rPr>
-              <a:t>defined </a:t>
-            </a:r>
-            <a:r>
-              <a:rPr lang="en-US" sz="2200" dirty="0" smtClean="0">
-                <a:solidFill>
-                  <a:schemeClr val="accent4">
-                    <a:lumMod val="60000"/>
-                    <a:lumOff val="40000"/>
-                  </a:schemeClr>
-                </a:solidFill>
-                <a:latin typeface="Berlin Sans FB" panose="020E0602020502020306" pitchFamily="34" charset="0"/>
-              </a:rPr>
-              <a:t>in data</a:t>
-            </a:r>
-            <a:r>
-              <a:rPr lang="en-US" sz="2200" dirty="0" smtClean="0">
-                <a:latin typeface="Berlin Sans FB" panose="020E0602020502020306" pitchFamily="34" charset="0"/>
-              </a:rPr>
-              <a:t> </a:t>
-            </a:r>
-            <a:r>
-              <a:rPr lang="en-US" sz="2200" dirty="0">
-                <a:latin typeface="Berlin Sans FB" panose="020E0602020502020306" pitchFamily="34" charset="0"/>
-              </a:rPr>
-              <a:t>as: 7680</a:t>
-            </a:r>
-          </a:p>
-          <a:p>
-            <a:endParaRPr lang="en-US" dirty="0"/>
-          </a:p>
-        </p:txBody>
-      </p:sp>
-      <p:sp>
-        <p:nvSpPr>
-          <p:cNvPr id="10" name="TextBox 9"/>
-          <p:cNvSpPr txBox="1"/>
+            <a:pPr algn="ctr"/>
+            <a:endParaRPr lang="en-US"/>
+          </a:p>
+        </p:txBody>
+      </p:sp>
+      <p:sp>
+        <p:nvSpPr>
+          <p:cNvPr id="12" name="Rectangle 11"/>
+          <p:cNvSpPr/>
           <p:nvPr/>
         </p:nvSpPr>
         <p:spPr>
           <a:xfrm>
-            <a:off x="8310549" y="4203468"/>
-            <a:ext cx="3634476" cy="461665"/>
+            <a:off x="3515217" y="2306079"/>
+            <a:ext cx="689956" cy="532015"/>
           </a:xfrm>
           <a:prstGeom prst="rect">
             <a:avLst/>
           </a:prstGeom>
           <a:noFill/>
-        </p:spPr>
-        <p:txBody>
-          <a:bodyPr wrap="square" rtlCol="0">
-            <a:spAutoFit/>
-          </a:bodyPr>
+          <a:ln w="9525" cap="flat" cmpd="sng" algn="ctr">
+            <a:solidFill>
+              <a:schemeClr val="accent5"/>
+            </a:solidFill>
+            <a:prstDash val="solid"/>
+            <a:round/>
+            <a:headEnd type="none" w="med" len="med"/>
+            <a:tailEnd type="none" w="med" len="med"/>
+          </a:ln>
+        </p:spPr>
+        <p:style>
+          <a:lnRef idx="0">
+            <a:scrgbClr r="0" g="0" b="0"/>
+          </a:lnRef>
+          <a:fillRef idx="0">
+            <a:scrgbClr r="0" g="0" b="0"/>
+          </a:fillRef>
+          <a:effectRef idx="0">
+            <a:scrgbClr r="0" g="0" b="0"/>
+          </a:effectRef>
+          <a:fontRef idx="minor">
+            <a:schemeClr val="accent5"/>
+          </a:fontRef>
+        </p:style>
+        <p:txBody>
+          <a:bodyPr rtlCol="0" anchor="ctr"/>
           <a:lstStyle/>
           <a:p>
-            <a:r>
-              <a:rPr lang="en-US" sz="2400" dirty="0" smtClean="0">
-                <a:latin typeface="Berlin Sans FB" panose="020E0602020502020306" pitchFamily="34" charset="0"/>
-              </a:rPr>
-              <a:t>5 * 7680 = 38,400 </a:t>
-            </a:r>
-            <a:r>
-              <a:rPr lang="en-IL" sz="2400" dirty="0" smtClean="0">
-                <a:latin typeface="Aharoni" panose="02010803020104030203" pitchFamily="2" charset="-79"/>
-                <a:ea typeface="Arial Unicode MS" panose="020B0604020202020204" pitchFamily="34" charset="-128"/>
-                <a:cs typeface="Aharoni" panose="02010803020104030203" pitchFamily="2" charset="-79"/>
-              </a:rPr>
-              <a:t>≈</a:t>
-            </a:r>
-            <a:r>
-              <a:rPr lang="en-US" sz="2400" dirty="0" smtClean="0">
-                <a:latin typeface="Berlin Sans FB" panose="020E0602020502020306" pitchFamily="34" charset="0"/>
-              </a:rPr>
-              <a:t> 37,713 </a:t>
-            </a:r>
-            <a:endParaRPr lang="en-US" sz="2400" dirty="0">
-              <a:latin typeface="Berlin Sans FB" panose="020E0602020502020306" pitchFamily="34" charset="0"/>
+            <a:pPr algn="ctr"/>
+            <a:endParaRPr lang="en-US"/>
+          </a:p>
+        </p:txBody>
+      </p:sp>
+      <p:pic>
+        <p:nvPicPr>
+          <p:cNvPr id="13" name="Picture 12"/>
+          <p:cNvPicPr>
+            <a:picLocks noChangeAspect="1"/>
+          </p:cNvPicPr>
+          <p:nvPr/>
+        </p:nvPicPr>
+        <p:blipFill>
+          <a:blip r:embed="rId4">
+            <a:extLst>
+              <a:ext uri="{28A0092B-C50C-407E-A947-70E740481C1C}">
+                <a14:useLocalDpi xmlns:a14="http://schemas.microsoft.com/office/drawing/2010/main" val="0"/>
+              </a:ext>
+            </a:extLst>
+          </a:blip>
+          <a:stretch>
+            <a:fillRect/>
+          </a:stretch>
+        </p:blipFill>
+        <p:spPr>
+          <a:xfrm>
+            <a:off x="987361" y="4044141"/>
+            <a:ext cx="2774709" cy="2618509"/>
+          </a:xfrm>
+          <a:prstGeom prst="rect">
+            <a:avLst/>
+          </a:prstGeom>
+        </p:spPr>
+      </p:pic>
+      <p:sp>
+        <p:nvSpPr>
+          <p:cNvPr id="14" name="Rectangle 13"/>
+          <p:cNvSpPr/>
+          <p:nvPr/>
+        </p:nvSpPr>
+        <p:spPr>
+          <a:xfrm>
+            <a:off x="987361" y="4825536"/>
+            <a:ext cx="1514769" cy="1192879"/>
+          </a:xfrm>
+          <a:prstGeom prst="rect">
+            <a:avLst/>
+          </a:prstGeom>
+          <a:noFill/>
+          <a:ln w="9525" cap="flat" cmpd="sng" algn="ctr">
+            <a:solidFill>
+              <a:schemeClr val="accent5"/>
+            </a:solidFill>
+            <a:prstDash val="solid"/>
+            <a:round/>
+            <a:headEnd type="none" w="med" len="med"/>
+            <a:tailEnd type="none" w="med" len="med"/>
+          </a:ln>
+        </p:spPr>
+        <p:style>
+          <a:lnRef idx="0">
+            <a:scrgbClr r="0" g="0" b="0"/>
+          </a:lnRef>
+          <a:fillRef idx="0">
+            <a:scrgbClr r="0" g="0" b="0"/>
+          </a:fillRef>
+          <a:effectRef idx="0">
+            <a:scrgbClr r="0" g="0" b="0"/>
+          </a:effectRef>
+          <a:fontRef idx="minor">
+            <a:schemeClr val="accent5"/>
+          </a:fontRef>
+        </p:style>
+        <p:txBody>
+          <a:bodyPr rtlCol="0" anchor="ctr"/>
+          <a:lstStyle/>
+          <a:p>
+            <a:pPr algn="ctr"/>
+            <a:endParaRPr lang="en-US"/>
+          </a:p>
+        </p:txBody>
+      </p:sp>
+      <p:sp>
+        <p:nvSpPr>
+          <p:cNvPr id="16" name="Rectangle 15"/>
+          <p:cNvSpPr/>
+          <p:nvPr/>
+        </p:nvSpPr>
+        <p:spPr>
+          <a:xfrm>
+            <a:off x="2527068" y="5361709"/>
+            <a:ext cx="215681" cy="272681"/>
+          </a:xfrm>
+          <a:prstGeom prst="rect">
+            <a:avLst/>
+          </a:prstGeom>
+          <a:noFill/>
+          <a:ln w="9525" cap="flat" cmpd="sng" algn="ctr">
+            <a:solidFill>
+              <a:schemeClr val="accent3">
+                <a:lumMod val="60000"/>
+                <a:lumOff val="40000"/>
+              </a:schemeClr>
+            </a:solidFill>
+            <a:prstDash val="solid"/>
+            <a:round/>
+            <a:headEnd type="none" w="med" len="med"/>
+            <a:tailEnd type="none" w="med" len="med"/>
+          </a:ln>
+        </p:spPr>
+        <p:style>
+          <a:lnRef idx="0">
+            <a:scrgbClr r="0" g="0" b="0"/>
+          </a:lnRef>
+          <a:fillRef idx="0">
+            <a:scrgbClr r="0" g="0" b="0"/>
+          </a:fillRef>
+          <a:effectRef idx="0">
+            <a:scrgbClr r="0" g="0" b="0"/>
+          </a:effectRef>
+          <a:fontRef idx="minor">
+            <a:schemeClr val="accent5"/>
+          </a:fontRef>
+        </p:style>
+        <p:txBody>
+          <a:bodyPr rtlCol="0" anchor="ctr"/>
+          <a:lstStyle/>
+          <a:p>
+            <a:pPr algn="ctr"/>
+            <a:endParaRPr lang="en-US">
+              <a:solidFill>
+                <a:schemeClr val="accent4">
+                  <a:lumMod val="60000"/>
+                  <a:lumOff val="40000"/>
+                </a:schemeClr>
+              </a:solidFill>
+            </a:endParaRPr>
+          </a:p>
+        </p:txBody>
+      </p:sp>
+      <p:sp>
+        <p:nvSpPr>
+          <p:cNvPr id="17" name="Rectangle 16"/>
+          <p:cNvSpPr/>
+          <p:nvPr/>
+        </p:nvSpPr>
+        <p:spPr>
+          <a:xfrm>
+            <a:off x="2758923" y="5145578"/>
+            <a:ext cx="215681" cy="488812"/>
+          </a:xfrm>
+          <a:prstGeom prst="rect">
+            <a:avLst/>
+          </a:prstGeom>
+          <a:noFill/>
+          <a:ln w="9525" cap="flat" cmpd="sng" algn="ctr">
+            <a:solidFill>
+              <a:srgbClr val="00B050"/>
+            </a:solidFill>
+            <a:prstDash val="solid"/>
+            <a:round/>
+            <a:headEnd type="none" w="med" len="med"/>
+            <a:tailEnd type="none" w="med" len="med"/>
+          </a:ln>
+        </p:spPr>
+        <p:style>
+          <a:lnRef idx="0">
+            <a:scrgbClr r="0" g="0" b="0"/>
+          </a:lnRef>
+          <a:fillRef idx="0">
+            <a:scrgbClr r="0" g="0" b="0"/>
+          </a:fillRef>
+          <a:effectRef idx="0">
+            <a:scrgbClr r="0" g="0" b="0"/>
+          </a:effectRef>
+          <a:fontRef idx="minor">
+            <a:schemeClr val="accent5"/>
+          </a:fontRef>
+        </p:style>
+        <p:txBody>
+          <a:bodyPr rtlCol="0" anchor="ctr"/>
+          <a:lstStyle/>
+          <a:p>
+            <a:pPr algn="ctr"/>
+            <a:endParaRPr lang="en-US">
+              <a:solidFill>
+                <a:schemeClr val="accent4">
+                  <a:lumMod val="60000"/>
+                  <a:lumOff val="40000"/>
+                </a:schemeClr>
+              </a:solidFill>
+            </a:endParaRPr>
+          </a:p>
+        </p:txBody>
+      </p:sp>
+      <p:sp>
+        <p:nvSpPr>
+          <p:cNvPr id="18" name="Rectangle 17"/>
+          <p:cNvSpPr/>
+          <p:nvPr/>
+        </p:nvSpPr>
+        <p:spPr>
+          <a:xfrm>
+            <a:off x="3088829" y="4367452"/>
+            <a:ext cx="259712" cy="1256104"/>
+          </a:xfrm>
+          <a:prstGeom prst="rect">
+            <a:avLst/>
+          </a:prstGeom>
+          <a:noFill/>
+          <a:ln w="9525" cap="flat" cmpd="sng" algn="ctr">
+            <a:solidFill>
+              <a:srgbClr val="FF0000"/>
+            </a:solidFill>
+            <a:prstDash val="solid"/>
+            <a:round/>
+            <a:headEnd type="none" w="med" len="med"/>
+            <a:tailEnd type="none" w="med" len="med"/>
+          </a:ln>
+        </p:spPr>
+        <p:style>
+          <a:lnRef idx="0">
+            <a:scrgbClr r="0" g="0" b="0"/>
+          </a:lnRef>
+          <a:fillRef idx="0">
+            <a:scrgbClr r="0" g="0" b="0"/>
+          </a:fillRef>
+          <a:effectRef idx="0">
+            <a:scrgbClr r="0" g="0" b="0"/>
+          </a:effectRef>
+          <a:fontRef idx="minor">
+            <a:schemeClr val="accent5"/>
+          </a:fontRef>
+        </p:style>
+        <p:txBody>
+          <a:bodyPr rtlCol="0" anchor="ctr"/>
+          <a:lstStyle/>
+          <a:p>
+            <a:pPr algn="ctr"/>
+            <a:endParaRPr lang="en-US">
+              <a:solidFill>
+                <a:schemeClr val="accent4">
+                  <a:lumMod val="60000"/>
+                  <a:lumOff val="40000"/>
+                </a:schemeClr>
+              </a:solidFill>
+            </a:endParaRPr>
+          </a:p>
+        </p:txBody>
+      </p:sp>
+      <p:cxnSp>
+        <p:nvCxnSpPr>
+          <p:cNvPr id="19" name="Straight Arrow Connector 18"/>
+          <p:cNvCxnSpPr/>
+          <p:nvPr/>
+        </p:nvCxnSpPr>
+        <p:spPr>
+          <a:xfrm>
+            <a:off x="1626945" y="2643444"/>
+            <a:ext cx="698269" cy="2019787"/>
+          </a:xfrm>
+          <a:prstGeom prst="straightConnector1">
+            <a:avLst/>
+          </a:prstGeom>
+          <a:ln>
+            <a:tailEnd type="triangle"/>
+          </a:ln>
+        </p:spPr>
+        <p:style>
+          <a:lnRef idx="2">
+            <a:schemeClr val="dk1"/>
+          </a:lnRef>
+          <a:fillRef idx="0">
+            <a:schemeClr val="dk1"/>
+          </a:fillRef>
+          <a:effectRef idx="1">
+            <a:schemeClr val="dk1"/>
+          </a:effectRef>
+          <a:fontRef idx="minor">
+            <a:schemeClr val="tx1"/>
+          </a:fontRef>
+        </p:style>
+      </p:cxnSp>
+      <p:sp>
+        <p:nvSpPr>
+          <p:cNvPr id="23" name="Rectangle 22"/>
+          <p:cNvSpPr/>
+          <p:nvPr/>
+        </p:nvSpPr>
+        <p:spPr>
+          <a:xfrm>
+            <a:off x="7215446" y="2306080"/>
+            <a:ext cx="230857" cy="288624"/>
+          </a:xfrm>
+          <a:prstGeom prst="rect">
+            <a:avLst/>
+          </a:prstGeom>
+          <a:noFill/>
+          <a:ln w="9525" cap="flat" cmpd="sng" algn="ctr">
+            <a:solidFill>
+              <a:schemeClr val="accent3">
+                <a:lumMod val="60000"/>
+                <a:lumOff val="40000"/>
+              </a:schemeClr>
+            </a:solidFill>
+            <a:prstDash val="solid"/>
+            <a:round/>
+            <a:headEnd type="none" w="med" len="med"/>
+            <a:tailEnd type="none" w="med" len="med"/>
+          </a:ln>
+        </p:spPr>
+        <p:style>
+          <a:lnRef idx="0">
+            <a:scrgbClr r="0" g="0" b="0"/>
+          </a:lnRef>
+          <a:fillRef idx="0">
+            <a:scrgbClr r="0" g="0" b="0"/>
+          </a:fillRef>
+          <a:effectRef idx="0">
+            <a:scrgbClr r="0" g="0" b="0"/>
+          </a:effectRef>
+          <a:fontRef idx="minor">
+            <a:schemeClr val="accent5"/>
+          </a:fontRef>
+        </p:style>
+        <p:txBody>
+          <a:bodyPr rtlCol="0" anchor="ctr"/>
+          <a:lstStyle/>
+          <a:p>
+            <a:pPr algn="ctr"/>
+            <a:endParaRPr lang="en-US">
+              <a:solidFill>
+                <a:schemeClr val="accent4">
+                  <a:lumMod val="60000"/>
+                  <a:lumOff val="40000"/>
+                </a:schemeClr>
+              </a:solidFill>
+            </a:endParaRPr>
+          </a:p>
+        </p:txBody>
+      </p:sp>
+      <p:sp>
+        <p:nvSpPr>
+          <p:cNvPr id="24" name="Rectangle 23"/>
+          <p:cNvSpPr/>
+          <p:nvPr/>
+        </p:nvSpPr>
+        <p:spPr>
+          <a:xfrm>
+            <a:off x="7419916" y="2171349"/>
+            <a:ext cx="152978" cy="292672"/>
+          </a:xfrm>
+          <a:prstGeom prst="rect">
+            <a:avLst/>
+          </a:prstGeom>
+          <a:noFill/>
+          <a:ln w="9525" cap="flat" cmpd="sng" algn="ctr">
+            <a:solidFill>
+              <a:srgbClr val="00B050"/>
+            </a:solidFill>
+            <a:prstDash val="solid"/>
+            <a:round/>
+            <a:headEnd type="none" w="med" len="med"/>
+            <a:tailEnd type="none" w="med" len="med"/>
+          </a:ln>
+        </p:spPr>
+        <p:style>
+          <a:lnRef idx="0">
+            <a:scrgbClr r="0" g="0" b="0"/>
+          </a:lnRef>
+          <a:fillRef idx="0">
+            <a:scrgbClr r="0" g="0" b="0"/>
+          </a:fillRef>
+          <a:effectRef idx="0">
+            <a:scrgbClr r="0" g="0" b="0"/>
+          </a:effectRef>
+          <a:fontRef idx="minor">
+            <a:schemeClr val="accent5"/>
+          </a:fontRef>
+        </p:style>
+        <p:txBody>
+          <a:bodyPr rtlCol="0" anchor="ctr"/>
+          <a:lstStyle/>
+          <a:p>
+            <a:pPr algn="ctr"/>
+            <a:endParaRPr lang="en-US">
+              <a:solidFill>
+                <a:schemeClr val="accent4">
+                  <a:lumMod val="60000"/>
+                  <a:lumOff val="40000"/>
+                </a:schemeClr>
+              </a:solidFill>
+            </a:endParaRPr>
+          </a:p>
+        </p:txBody>
+      </p:sp>
+      <p:sp>
+        <p:nvSpPr>
+          <p:cNvPr id="25" name="Rectangle 24"/>
+          <p:cNvSpPr/>
+          <p:nvPr/>
+        </p:nvSpPr>
+        <p:spPr>
+          <a:xfrm>
+            <a:off x="7605400" y="1813905"/>
+            <a:ext cx="265329" cy="587091"/>
+          </a:xfrm>
+          <a:prstGeom prst="rect">
+            <a:avLst/>
+          </a:prstGeom>
+          <a:noFill/>
+          <a:ln w="9525" cap="flat" cmpd="sng" algn="ctr">
+            <a:solidFill>
+              <a:srgbClr val="FF0000"/>
+            </a:solidFill>
+            <a:prstDash val="solid"/>
+            <a:round/>
+            <a:headEnd type="none" w="med" len="med"/>
+            <a:tailEnd type="none" w="med" len="med"/>
+          </a:ln>
+        </p:spPr>
+        <p:style>
+          <a:lnRef idx="0">
+            <a:scrgbClr r="0" g="0" b="0"/>
+          </a:lnRef>
+          <a:fillRef idx="0">
+            <a:scrgbClr r="0" g="0" b="0"/>
+          </a:fillRef>
+          <a:effectRef idx="0">
+            <a:scrgbClr r="0" g="0" b="0"/>
+          </a:effectRef>
+          <a:fontRef idx="minor">
+            <a:schemeClr val="accent5"/>
+          </a:fontRef>
+        </p:style>
+        <p:txBody>
+          <a:bodyPr rtlCol="0" anchor="ctr"/>
+          <a:lstStyle/>
+          <a:p>
+            <a:pPr algn="ctr"/>
+            <a:endParaRPr lang="en-US">
+              <a:solidFill>
+                <a:schemeClr val="accent4">
+                  <a:lumMod val="60000"/>
+                  <a:lumOff val="40000"/>
+                </a:schemeClr>
+              </a:solidFill>
+            </a:endParaRPr>
+          </a:p>
+        </p:txBody>
+      </p:sp>
+      <p:sp>
+        <p:nvSpPr>
+          <p:cNvPr id="26" name="Rectangle 25"/>
+          <p:cNvSpPr/>
+          <p:nvPr/>
+        </p:nvSpPr>
+        <p:spPr>
+          <a:xfrm>
+            <a:off x="7774426" y="2431816"/>
+            <a:ext cx="265329" cy="379613"/>
+          </a:xfrm>
+          <a:prstGeom prst="rect">
+            <a:avLst/>
+          </a:prstGeom>
+          <a:noFill/>
+          <a:ln w="9525" cap="flat" cmpd="sng" algn="ctr">
+            <a:solidFill>
+              <a:schemeClr val="tx2">
+                <a:lumMod val="75000"/>
+              </a:schemeClr>
+            </a:solidFill>
+            <a:prstDash val="solid"/>
+            <a:round/>
+            <a:headEnd type="none" w="med" len="med"/>
+            <a:tailEnd type="none" w="med" len="med"/>
+          </a:ln>
+        </p:spPr>
+        <p:style>
+          <a:lnRef idx="0">
+            <a:scrgbClr r="0" g="0" b="0"/>
+          </a:lnRef>
+          <a:fillRef idx="0">
+            <a:scrgbClr r="0" g="0" b="0"/>
+          </a:fillRef>
+          <a:effectRef idx="0">
+            <a:scrgbClr r="0" g="0" b="0"/>
+          </a:effectRef>
+          <a:fontRef idx="minor">
+            <a:schemeClr val="accent5"/>
+          </a:fontRef>
+        </p:style>
+        <p:txBody>
+          <a:bodyPr rtlCol="0" anchor="ctr"/>
+          <a:lstStyle/>
+          <a:p>
+            <a:pPr algn="ctr"/>
+            <a:endParaRPr lang="en-US">
+              <a:solidFill>
+                <a:schemeClr val="accent4">
+                  <a:lumMod val="60000"/>
+                  <a:lumOff val="40000"/>
+                </a:schemeClr>
+              </a:solidFill>
+            </a:endParaRPr>
+          </a:p>
+        </p:txBody>
+      </p:sp>
+      <p:sp>
+        <p:nvSpPr>
+          <p:cNvPr id="27" name="Rectangle 26"/>
+          <p:cNvSpPr/>
+          <p:nvPr/>
+        </p:nvSpPr>
+        <p:spPr>
+          <a:xfrm>
+            <a:off x="3217026" y="5893725"/>
+            <a:ext cx="355929" cy="473570"/>
+          </a:xfrm>
+          <a:prstGeom prst="rect">
+            <a:avLst/>
+          </a:prstGeom>
+          <a:noFill/>
+          <a:ln w="9525" cap="flat" cmpd="sng" algn="ctr">
+            <a:solidFill>
+              <a:schemeClr val="tx2">
+                <a:lumMod val="75000"/>
+              </a:schemeClr>
+            </a:solidFill>
+            <a:prstDash val="solid"/>
+            <a:round/>
+            <a:headEnd type="none" w="med" len="med"/>
+            <a:tailEnd type="none" w="med" len="med"/>
+          </a:ln>
+        </p:spPr>
+        <p:style>
+          <a:lnRef idx="0">
+            <a:scrgbClr r="0" g="0" b="0"/>
+          </a:lnRef>
+          <a:fillRef idx="0">
+            <a:scrgbClr r="0" g="0" b="0"/>
+          </a:fillRef>
+          <a:effectRef idx="0">
+            <a:scrgbClr r="0" g="0" b="0"/>
+          </a:effectRef>
+          <a:fontRef idx="minor">
+            <a:schemeClr val="accent5"/>
+          </a:fontRef>
+        </p:style>
+        <p:txBody>
+          <a:bodyPr rtlCol="0" anchor="ctr"/>
+          <a:lstStyle/>
+          <a:p>
+            <a:pPr algn="ctr"/>
+            <a:endParaRPr lang="en-US">
+              <a:solidFill>
+                <a:schemeClr val="accent4">
+                  <a:lumMod val="60000"/>
+                  <a:lumOff val="40000"/>
+                </a:schemeClr>
+              </a:solidFill>
             </a:endParaRPr>
           </a:p>
         </p:txBody>
@@ -11847,20 +12785,13 @@
     </p:spTree>
     <p:extLst>
       <p:ext uri="{BB962C8B-B14F-4D97-AF65-F5344CB8AC3E}">
-        <p14:creationId xmlns:p14="http://schemas.microsoft.com/office/powerpoint/2010/main" val="1477816339"/>
+        <p14:creationId xmlns:p14="http://schemas.microsoft.com/office/powerpoint/2010/main" val="3636106908"/>
       </p:ext>
     </p:extLst>
   </p:cSld>
   <p:clrMapOvr>
     <a:masterClrMapping/>
   </p:clrMapOvr>
-  <p:timing>
-    <p:tnLst>
-      <p:par>
-        <p:cTn id="1" dur="indefinite" restart="never" nodeType="tmRoot"/>
-      </p:par>
-    </p:tnLst>
-  </p:timing>
 </p:sld>
 </file>
 
@@ -11881,423 +12812,15 @@
           <a:chExt cx="0" cy="0"/>
         </a:xfrm>
       </p:grpSpPr>
-      <p:sp>
-        <p:nvSpPr>
-          <p:cNvPr id="2" name="Title 1"/>
-          <p:cNvSpPr>
-            <a:spLocks noGrp="1"/>
-          </p:cNvSpPr>
-          <p:nvPr>
-            <p:ph type="title"/>
-          </p:nvPr>
-        </p:nvSpPr>
-        <p:spPr/>
-        <p:txBody>
-          <a:bodyPr/>
-          <a:lstStyle/>
-          <a:p>
-            <a:pPr algn="ctr"/>
-            <a:r>
-              <a:rPr lang="en-US" dirty="0" smtClean="0">
-                <a:latin typeface="Berlin Sans FB" panose="020E0602020502020306" pitchFamily="34" charset="0"/>
-              </a:rPr>
-              <a:t>Step 2:removing abnormal steps</a:t>
-            </a:r>
-            <a:endParaRPr lang="en-US" dirty="0">
-              <a:latin typeface="Berlin Sans FB" panose="020E0602020502020306" pitchFamily="34" charset="0"/>
-            </a:endParaRPr>
-          </a:p>
-        </p:txBody>
-      </p:sp>
-      <p:sp>
-        <p:nvSpPr>
-          <p:cNvPr id="3" name="Content Placeholder 2"/>
-          <p:cNvSpPr>
-            <a:spLocks noGrp="1"/>
-          </p:cNvSpPr>
-          <p:nvPr>
-            <p:ph idx="1"/>
-          </p:nvPr>
-        </p:nvSpPr>
-        <p:spPr>
-          <a:xfrm>
-            <a:off x="1103312" y="1753986"/>
-            <a:ext cx="8946541" cy="4494414"/>
-          </a:xfrm>
-        </p:spPr>
-        <p:txBody>
-          <a:bodyPr/>
-          <a:lstStyle/>
-          <a:p>
-            <a:r>
-              <a:rPr lang="en-US" dirty="0" smtClean="0"/>
-              <a:t>Using High Pass Filter(HPF) Function as done in course, I filtered out these abnormal noises:</a:t>
-            </a:r>
-          </a:p>
-          <a:p>
-            <a:pPr marL="0" indent="0">
-              <a:buNone/>
-            </a:pPr>
-            <a:endParaRPr lang="en-US" dirty="0"/>
-          </a:p>
-        </p:txBody>
-      </p:sp>
-      <p:sp>
-        <p:nvSpPr>
-          <p:cNvPr id="6" name="Text Placeholder 3"/>
-          <p:cNvSpPr txBox="1">
-            <a:spLocks/>
-          </p:cNvSpPr>
-          <p:nvPr/>
-        </p:nvSpPr>
-        <p:spPr>
-          <a:xfrm>
-            <a:off x="8979129" y="5518458"/>
-            <a:ext cx="8776446" cy="2895599"/>
-          </a:xfrm>
-          <a:prstGeom prst="rect">
-            <a:avLst/>
-          </a:prstGeom>
-        </p:spPr>
-        <p:txBody>
-          <a:bodyPr>
-            <a:normAutofit/>
-          </a:bodyPr>
-          <a:lstStyle>
-            <a:lvl1pPr marL="342900" indent="-342900" algn="l" defTabSz="457200" rtl="0" eaLnBrk="1" latinLnBrk="0" hangingPunct="1">
-              <a:spcBef>
-                <a:spcPts val="1000"/>
-              </a:spcBef>
-              <a:spcAft>
-                <a:spcPts val="0"/>
-              </a:spcAft>
-              <a:buClr>
-                <a:schemeClr val="accent1">
-                  <a:lumMod val="60000"/>
-                  <a:lumOff val="40000"/>
-                </a:schemeClr>
-              </a:buClr>
-              <a:buSzPct val="80000"/>
-              <a:buFont typeface="Wingdings 3" charset="2"/>
-              <a:buChar char=""/>
-              <a:defRPr sz="2000" b="0" i="0" kern="1200">
-                <a:solidFill>
-                  <a:schemeClr val="tx1"/>
-                </a:solidFill>
-                <a:latin typeface="+mj-lt"/>
-                <a:ea typeface="+mj-ea"/>
-                <a:cs typeface="+mj-cs"/>
-              </a:defRPr>
-            </a:lvl1pPr>
-            <a:lvl2pPr marL="742950" indent="-285750" algn="l" defTabSz="457200" rtl="0" eaLnBrk="1" latinLnBrk="0" hangingPunct="1">
-              <a:spcBef>
-                <a:spcPts val="1000"/>
-              </a:spcBef>
-              <a:spcAft>
-                <a:spcPts val="0"/>
-              </a:spcAft>
-              <a:buClr>
-                <a:schemeClr val="accent1">
-                  <a:lumMod val="60000"/>
-                  <a:lumOff val="40000"/>
-                </a:schemeClr>
-              </a:buClr>
-              <a:buSzPct val="80000"/>
-              <a:buFont typeface="Wingdings 3" charset="2"/>
-              <a:buChar char=""/>
-              <a:defRPr sz="1800" b="0" i="0" kern="1200">
-                <a:solidFill>
-                  <a:schemeClr val="tx1"/>
-                </a:solidFill>
-                <a:latin typeface="+mj-lt"/>
-                <a:ea typeface="+mj-ea"/>
-                <a:cs typeface="+mj-cs"/>
-              </a:defRPr>
-            </a:lvl2pPr>
-            <a:lvl3pPr marL="1143000" indent="-228600" algn="l" defTabSz="457200" rtl="0" eaLnBrk="1" latinLnBrk="0" hangingPunct="1">
-              <a:spcBef>
-                <a:spcPts val="1000"/>
-              </a:spcBef>
-              <a:spcAft>
-                <a:spcPts val="0"/>
-              </a:spcAft>
-              <a:buClr>
-                <a:schemeClr val="accent1">
-                  <a:lumMod val="60000"/>
-                  <a:lumOff val="40000"/>
-                </a:schemeClr>
-              </a:buClr>
-              <a:buSzPct val="80000"/>
-              <a:buFont typeface="Wingdings 3" charset="2"/>
-              <a:buChar char=""/>
-              <a:defRPr sz="1600" b="0" i="0" kern="1200">
-                <a:solidFill>
-                  <a:schemeClr val="tx1"/>
-                </a:solidFill>
-                <a:latin typeface="+mj-lt"/>
-                <a:ea typeface="+mj-ea"/>
-                <a:cs typeface="+mj-cs"/>
-              </a:defRPr>
-            </a:lvl3pPr>
-            <a:lvl4pPr marL="1600200" indent="-228600" algn="l" defTabSz="457200" rtl="0" eaLnBrk="1" latinLnBrk="0" hangingPunct="1">
-              <a:spcBef>
-                <a:spcPts val="1000"/>
-              </a:spcBef>
-              <a:spcAft>
-                <a:spcPts val="0"/>
-              </a:spcAft>
-              <a:buClr>
-                <a:schemeClr val="accent1">
-                  <a:lumMod val="60000"/>
-                  <a:lumOff val="40000"/>
-                </a:schemeClr>
-              </a:buClr>
-              <a:buSzPct val="80000"/>
-              <a:buFont typeface="Wingdings 3" charset="2"/>
-              <a:buChar char=""/>
-              <a:defRPr sz="1400" b="0" i="0" kern="1200">
-                <a:solidFill>
-                  <a:schemeClr val="tx1"/>
-                </a:solidFill>
-                <a:latin typeface="+mj-lt"/>
-                <a:ea typeface="+mj-ea"/>
-                <a:cs typeface="+mj-cs"/>
-              </a:defRPr>
-            </a:lvl4pPr>
-            <a:lvl5pPr marL="2057400" indent="-228600" algn="l" defTabSz="457200" rtl="0" eaLnBrk="1" latinLnBrk="0" hangingPunct="1">
-              <a:spcBef>
-                <a:spcPts val="1000"/>
-              </a:spcBef>
-              <a:spcAft>
-                <a:spcPts val="0"/>
-              </a:spcAft>
-              <a:buClr>
-                <a:schemeClr val="accent1">
-                  <a:lumMod val="60000"/>
-                  <a:lumOff val="40000"/>
-                </a:schemeClr>
-              </a:buClr>
-              <a:buSzPct val="80000"/>
-              <a:buFont typeface="Wingdings 3" charset="2"/>
-              <a:buChar char=""/>
-              <a:defRPr sz="1400" b="0" i="0" kern="1200">
-                <a:solidFill>
-                  <a:schemeClr val="tx1"/>
-                </a:solidFill>
-                <a:latin typeface="+mj-lt"/>
-                <a:ea typeface="+mj-ea"/>
-                <a:cs typeface="+mj-cs"/>
-              </a:defRPr>
-            </a:lvl5pPr>
-            <a:lvl6pPr marL="2514600" indent="-228600" algn="l" defTabSz="457200" rtl="0" eaLnBrk="1" latinLnBrk="0" hangingPunct="1">
-              <a:spcBef>
-                <a:spcPts val="1000"/>
-              </a:spcBef>
-              <a:spcAft>
-                <a:spcPts val="0"/>
-              </a:spcAft>
-              <a:buClr>
-                <a:schemeClr val="accent1">
-                  <a:lumMod val="60000"/>
-                  <a:lumOff val="40000"/>
-                </a:schemeClr>
-              </a:buClr>
-              <a:buSzPct val="80000"/>
-              <a:buFont typeface="Wingdings 3" charset="2"/>
-              <a:buChar char=""/>
-              <a:defRPr sz="1400" b="0" i="0" kern="1200">
-                <a:solidFill>
-                  <a:schemeClr val="tx1"/>
-                </a:solidFill>
-                <a:latin typeface="+mj-lt"/>
-                <a:ea typeface="+mj-ea"/>
-                <a:cs typeface="+mj-cs"/>
-              </a:defRPr>
-            </a:lvl6pPr>
-            <a:lvl7pPr marL="2971800" indent="-228600" algn="l" defTabSz="457200" rtl="0" eaLnBrk="1" latinLnBrk="0" hangingPunct="1">
-              <a:spcBef>
-                <a:spcPts val="1000"/>
-              </a:spcBef>
-              <a:spcAft>
-                <a:spcPts val="0"/>
-              </a:spcAft>
-              <a:buClr>
-                <a:schemeClr val="accent1">
-                  <a:lumMod val="60000"/>
-                  <a:lumOff val="40000"/>
-                </a:schemeClr>
-              </a:buClr>
-              <a:buSzPct val="80000"/>
-              <a:buFont typeface="Wingdings 3" charset="2"/>
-              <a:buChar char=""/>
-              <a:defRPr sz="1400" b="0" i="0" kern="1200">
-                <a:solidFill>
-                  <a:schemeClr val="tx1"/>
-                </a:solidFill>
-                <a:latin typeface="+mj-lt"/>
-                <a:ea typeface="+mj-ea"/>
-                <a:cs typeface="+mj-cs"/>
-              </a:defRPr>
-            </a:lvl7pPr>
-            <a:lvl8pPr marL="3429000" indent="-228600" algn="l" defTabSz="457200" rtl="0" eaLnBrk="1" latinLnBrk="0" hangingPunct="1">
-              <a:spcBef>
-                <a:spcPts val="1000"/>
-              </a:spcBef>
-              <a:spcAft>
-                <a:spcPts val="0"/>
-              </a:spcAft>
-              <a:buClr>
-                <a:schemeClr val="accent1">
-                  <a:lumMod val="60000"/>
-                  <a:lumOff val="40000"/>
-                </a:schemeClr>
-              </a:buClr>
-              <a:buSzPct val="80000"/>
-              <a:buFont typeface="Wingdings 3" charset="2"/>
-              <a:buChar char=""/>
-              <a:defRPr sz="1400" b="0" i="0" kern="1200">
-                <a:solidFill>
-                  <a:schemeClr val="tx1"/>
-                </a:solidFill>
-                <a:latin typeface="+mj-lt"/>
-                <a:ea typeface="+mj-ea"/>
-                <a:cs typeface="+mj-cs"/>
-              </a:defRPr>
-            </a:lvl8pPr>
-            <a:lvl9pPr marL="3886200" indent="-228600" algn="l" defTabSz="457200" rtl="0" eaLnBrk="1" latinLnBrk="0" hangingPunct="1">
-              <a:spcBef>
-                <a:spcPts val="1000"/>
-              </a:spcBef>
-              <a:spcAft>
-                <a:spcPts val="0"/>
-              </a:spcAft>
-              <a:buClr>
-                <a:schemeClr val="accent1">
-                  <a:lumMod val="60000"/>
-                  <a:lumOff val="40000"/>
-                </a:schemeClr>
-              </a:buClr>
-              <a:buSzPct val="80000"/>
-              <a:buFont typeface="Wingdings 3" charset="2"/>
-              <a:buChar char=""/>
-              <a:defRPr sz="1400" b="0" i="0" kern="1200">
-                <a:solidFill>
-                  <a:schemeClr val="tx1"/>
-                </a:solidFill>
-                <a:latin typeface="+mj-lt"/>
-                <a:ea typeface="+mj-ea"/>
-                <a:cs typeface="+mj-cs"/>
-              </a:defRPr>
-            </a:lvl9pPr>
-          </a:lstStyle>
-          <a:p>
-            <a:pPr marL="0" indent="0">
-              <a:buNone/>
-            </a:pPr>
-            <a:r>
-              <a:rPr lang="en-US" sz="1800" dirty="0" smtClean="0">
-                <a:latin typeface="Berlin Sans FB" panose="020E0602020502020306" pitchFamily="34" charset="0"/>
-              </a:rPr>
-              <a:t>Resets </a:t>
-            </a:r>
-            <a:r>
-              <a:rPr lang="en-US" sz="1800" dirty="0">
-                <a:latin typeface="Berlin Sans FB" panose="020E0602020502020306" pitchFamily="34" charset="0"/>
-              </a:rPr>
-              <a:t>all </a:t>
-            </a:r>
-            <a:r>
-              <a:rPr lang="en-US" sz="1800" dirty="0" smtClean="0">
-                <a:latin typeface="Berlin Sans FB" panose="020E0602020502020306" pitchFamily="34" charset="0"/>
-              </a:rPr>
-              <a:t>signals </a:t>
-            </a:r>
-            <a:r>
-              <a:rPr lang="en-US" sz="1800" dirty="0">
-                <a:latin typeface="Berlin Sans FB" panose="020E0602020502020306" pitchFamily="34" charset="0"/>
-              </a:rPr>
-              <a:t>that </a:t>
-            </a:r>
-            <a:endParaRPr lang="en-US" sz="1800" dirty="0" smtClean="0">
-              <a:latin typeface="Berlin Sans FB" panose="020E0602020502020306" pitchFamily="34" charset="0"/>
-            </a:endParaRPr>
-          </a:p>
-          <a:p>
-            <a:pPr marL="0" indent="0">
-              <a:buNone/>
-            </a:pPr>
-            <a:r>
-              <a:rPr lang="en-US" sz="1800" dirty="0" smtClean="0">
-                <a:latin typeface="Berlin Sans FB" panose="020E0602020502020306" pitchFamily="34" charset="0"/>
-              </a:rPr>
-              <a:t>are </a:t>
-            </a:r>
-            <a:r>
-              <a:rPr lang="en-US" sz="1800" dirty="0">
-                <a:latin typeface="Berlin Sans FB" panose="020E0602020502020306" pitchFamily="34" charset="0"/>
-              </a:rPr>
-              <a:t>not </a:t>
-            </a:r>
-            <a:r>
-              <a:rPr lang="en-US" sz="1800" dirty="0" smtClean="0">
-                <a:latin typeface="Berlin Sans FB" panose="020E0602020502020306" pitchFamily="34" charset="0"/>
-              </a:rPr>
-              <a:t>within frequencies</a:t>
-            </a:r>
-          </a:p>
-          <a:p>
-            <a:pPr marL="0" indent="0">
-              <a:buNone/>
-            </a:pPr>
-            <a:r>
-              <a:rPr lang="en-US" sz="1800" dirty="0" smtClean="0">
-                <a:latin typeface="Berlin Sans FB" panose="020E0602020502020306" pitchFamily="34" charset="0"/>
-              </a:rPr>
-              <a:t> range of |c|</a:t>
-            </a:r>
-          </a:p>
-        </p:txBody>
-      </p:sp>
-      <p:cxnSp>
-        <p:nvCxnSpPr>
-          <p:cNvPr id="7" name="Straight Arrow Connector 6"/>
-          <p:cNvCxnSpPr/>
-          <p:nvPr/>
-        </p:nvCxnSpPr>
-        <p:spPr>
-          <a:xfrm flipH="1">
-            <a:off x="10135786" y="5180828"/>
-            <a:ext cx="8312" cy="337630"/>
-          </a:xfrm>
-          <a:prstGeom prst="straightConnector1">
-            <a:avLst/>
-          </a:prstGeom>
-          <a:ln>
-            <a:tailEnd type="triangle"/>
-          </a:ln>
-        </p:spPr>
-        <p:style>
-          <a:lnRef idx="3">
-            <a:schemeClr val="dk1"/>
-          </a:lnRef>
-          <a:fillRef idx="0">
-            <a:schemeClr val="dk1"/>
-          </a:fillRef>
-          <a:effectRef idx="2">
-            <a:schemeClr val="dk1"/>
-          </a:effectRef>
-          <a:fontRef idx="minor">
-            <a:schemeClr val="tx1"/>
-          </a:fontRef>
-        </p:style>
-      </p:cxnSp>
       <p:pic>
         <p:nvPicPr>
-          <p:cNvPr id="9" name="Picture 8"/>
+          <p:cNvPr id="4" name="Content Placeholder 3"/>
           <p:cNvPicPr>
-            <a:picLocks noChangeAspect="1"/>
+            <a:picLocks noGrp="1" noChangeAspect="1"/>
           </p:cNvPicPr>
-          <p:nvPr/>
+          <p:nvPr>
+            <p:ph idx="1"/>
+          </p:nvPr>
         </p:nvPicPr>
         <p:blipFill>
           <a:blip r:embed="rId2">
@@ -12313,17 +12836,14 @@
         </p:blipFill>
         <p:spPr>
           <a:xfrm>
-            <a:off x="663045" y="2472593"/>
-            <a:ext cx="7380445" cy="4254333"/>
-          </a:xfrm>
-          <a:prstGeom prst="rect">
-            <a:avLst/>
-          </a:prstGeom>
+            <a:off x="1062501" y="108065"/>
+            <a:ext cx="3733941" cy="6632925"/>
+          </a:xfrm>
         </p:spPr>
       </p:pic>
       <p:pic>
         <p:nvPicPr>
-          <p:cNvPr id="4" name="Picture 3" descr="Screen Clipping"/>
+          <p:cNvPr id="5" name="Picture 4"/>
           <p:cNvPicPr>
             <a:picLocks noChangeAspect="1"/>
           </p:cNvPicPr>
@@ -12343,38 +12863,8 @@
         </p:blipFill>
         <p:spPr>
           <a:xfrm>
-            <a:off x="8731441" y="3256595"/>
-            <a:ext cx="2867425" cy="1867161"/>
-          </a:xfrm>
-          <a:prstGeom prst="rect">
-            <a:avLst/>
-          </a:prstGeom>
-        </p:spPr>
-      </p:pic>
-      <p:pic>
-        <p:nvPicPr>
-          <p:cNvPr id="8" name="Picture 7" descr="Screen Clipping"/>
-          <p:cNvPicPr>
-            <a:picLocks noChangeAspect="1"/>
-          </p:cNvPicPr>
-          <p:nvPr/>
-        </p:nvPicPr>
-        <p:blipFill>
-          <a:blip r:embed="rId4">
-            <a:extLst>
-              <a:ext uri="{28A0092B-C50C-407E-A947-70E740481C1C}">
-                <a14:useLocalDpi xmlns:a14="http://schemas.microsoft.com/office/drawing/2010/main" val="0"/>
-              </a:ext>
-            </a:extLst>
-          </a:blip>
-          <a:stretch>
-            <a:fillRect/>
-          </a:stretch>
-        </p:blipFill>
-        <p:spPr>
-          <a:xfrm>
-            <a:off x="8483757" y="2160827"/>
-            <a:ext cx="3362794" cy="1028844"/>
+            <a:off x="5100913" y="108065"/>
+            <a:ext cx="4799545" cy="6650216"/>
           </a:xfrm>
           <a:prstGeom prst="rect">
             <a:avLst/>
@@ -12384,20 +12874,13 @@
     </p:spTree>
     <p:extLst>
       <p:ext uri="{BB962C8B-B14F-4D97-AF65-F5344CB8AC3E}">
-        <p14:creationId xmlns:p14="http://schemas.microsoft.com/office/powerpoint/2010/main" val="1235227416"/>
+        <p14:creationId xmlns:p14="http://schemas.microsoft.com/office/powerpoint/2010/main" val="1394387762"/>
       </p:ext>
     </p:extLst>
   </p:cSld>
   <p:clrMapOvr>
     <a:masterClrMapping/>
   </p:clrMapOvr>
-  <p:timing>
-    <p:tnLst>
-      <p:par>
-        <p:cTn id="1" dur="indefinite" restart="never" nodeType="tmRoot"/>
-      </p:par>
-    </p:tnLst>
-  </p:timing>
 </p:sld>
 </file>
 
@@ -12435,96 +12918,22 @@
           <a:p>
             <a:pPr algn="ctr"/>
             <a:r>
-              <a:rPr lang="en-US" dirty="0" smtClean="0">
-                <a:latin typeface="Berlin Sans FB" panose="020E0602020502020306" pitchFamily="34" charset="0"/>
-              </a:rPr>
-              <a:t>Step 3: Median </a:t>
-            </a:r>
-            <a:r>
-              <a:rPr lang="en-US" dirty="0">
-                <a:latin typeface="Berlin Sans FB" panose="020E0602020502020306" pitchFamily="34" charset="0"/>
-              </a:rPr>
-              <a:t>signal pattern </a:t>
-            </a:r>
-          </a:p>
-        </p:txBody>
-      </p:sp>
-      <p:sp>
-        <p:nvSpPr>
-          <p:cNvPr id="3" name="Content Placeholder 2"/>
-          <p:cNvSpPr>
-            <a:spLocks noGrp="1"/>
-          </p:cNvSpPr>
-          <p:nvPr>
-            <p:ph idx="1"/>
-          </p:nvPr>
-        </p:nvSpPr>
-        <p:spPr>
-          <a:xfrm>
-            <a:off x="1187420" y="1412838"/>
-            <a:ext cx="8946541" cy="4195481"/>
-          </a:xfrm>
-        </p:spPr>
-        <p:txBody>
-          <a:bodyPr/>
-          <a:lstStyle/>
-          <a:p>
-            <a:r>
-              <a:rPr lang="en-US" dirty="0">
-                <a:latin typeface="Berlin Sans FB" panose="020E0602020502020306" pitchFamily="34" charset="0"/>
-              </a:rPr>
-              <a:t>We use median function(as practiced in lectures) on each one of the 3 Axises we got:</a:t>
-            </a:r>
-          </a:p>
-          <a:p>
-            <a:pPr marL="0" indent="0">
-              <a:buNone/>
-            </a:pPr>
-            <a:endParaRPr lang="en-US" dirty="0" smtClean="0">
-              <a:latin typeface="Berlin Sans FB" panose="020E0602020502020306" pitchFamily="34" charset="0"/>
-            </a:endParaRPr>
-          </a:p>
-          <a:p>
-            <a:endParaRPr lang="en-US" dirty="0">
-              <a:latin typeface="Berlin Sans FB" panose="020E0602020502020306" pitchFamily="34" charset="0"/>
-            </a:endParaRPr>
-          </a:p>
-          <a:p>
-            <a:pPr marL="0" indent="0">
-              <a:buNone/>
-            </a:pPr>
-            <a:endParaRPr lang="en-US" dirty="0">
-              <a:latin typeface="Berlin Sans FB" panose="020E0602020502020306" pitchFamily="34" charset="0"/>
-            </a:endParaRPr>
-          </a:p>
-          <a:p>
-            <a:pPr marL="0" indent="0">
-              <a:buNone/>
-            </a:pPr>
-            <a:endParaRPr lang="en-US" dirty="0" smtClean="0">
-              <a:latin typeface="Berlin Sans FB" panose="020E0602020502020306" pitchFamily="34" charset="0"/>
-            </a:endParaRPr>
-          </a:p>
-          <a:p>
-            <a:r>
-              <a:rPr lang="en-US" dirty="0" smtClean="0">
-                <a:latin typeface="Berlin Sans FB" panose="020E0602020502020306" pitchFamily="34" charset="0"/>
-              </a:rPr>
-              <a:t>Median Filter function:</a:t>
-            </a:r>
-            <a:endParaRPr lang="en-US" dirty="0">
-              <a:latin typeface="Berlin Sans FB" panose="020E0602020502020306" pitchFamily="34" charset="0"/>
-            </a:endParaRPr>
+              <a:rPr lang="en-US" dirty="0" smtClean="0"/>
+              <a:t>Separating steps algorithm</a:t>
+            </a:r>
+            <a:endParaRPr lang="en-US" dirty="0"/>
           </a:p>
         </p:txBody>
       </p:sp>
       <p:pic>
         <p:nvPicPr>
-          <p:cNvPr id="8" name="Picture 7" descr="Screen Clipping"/>
+          <p:cNvPr id="4" name="Content Placeholder 3" descr="Screen Clipping"/>
           <p:cNvPicPr>
-            <a:picLocks noChangeAspect="1"/>
+            <a:picLocks noGrp="1" noChangeAspect="1"/>
           </p:cNvPicPr>
-          <p:nvPr/>
+          <p:nvPr>
+            <p:ph idx="1"/>
+          </p:nvPr>
         </p:nvPicPr>
         <p:blipFill>
           <a:blip r:embed="rId2">
@@ -12540,61 +12949,21 @@
         </p:blipFill>
         <p:spPr>
           <a:xfrm>
-            <a:off x="7220116" y="1937320"/>
-            <a:ext cx="4152442" cy="4814425"/>
-          </a:xfrm>
-          <a:prstGeom prst="rect">
-            <a:avLst/>
-          </a:prstGeom>
-        </p:spPr>
-      </p:pic>
-      <p:pic>
-        <p:nvPicPr>
-          <p:cNvPr id="9" name="Picture 8" descr="Screen Clipping"/>
-          <p:cNvPicPr>
-            <a:picLocks noChangeAspect="1"/>
-          </p:cNvPicPr>
-          <p:nvPr/>
-        </p:nvPicPr>
-        <p:blipFill>
-          <a:blip r:embed="rId3">
-            <a:extLst>
-              <a:ext uri="{28A0092B-C50C-407E-A947-70E740481C1C}">
-                <a14:useLocalDpi xmlns:a14="http://schemas.microsoft.com/office/drawing/2010/main" val="0"/>
-              </a:ext>
-            </a:extLst>
-          </a:blip>
-          <a:stretch>
-            <a:fillRect/>
-          </a:stretch>
-        </p:blipFill>
-        <p:spPr>
-          <a:xfrm>
-            <a:off x="2476551" y="1895755"/>
-            <a:ext cx="4229690" cy="1314633"/>
-          </a:xfrm>
-          <a:prstGeom prst="rect">
-            <a:avLst/>
-          </a:prstGeom>
+            <a:off x="1791529" y="1254360"/>
+            <a:ext cx="7113885" cy="5393050"/>
+          </a:xfrm>
         </p:spPr>
       </p:pic>
     </p:spTree>
     <p:extLst>
       <p:ext uri="{BB962C8B-B14F-4D97-AF65-F5344CB8AC3E}">
-        <p14:creationId xmlns:p14="http://schemas.microsoft.com/office/powerpoint/2010/main" val="3183780647"/>
+        <p14:creationId xmlns:p14="http://schemas.microsoft.com/office/powerpoint/2010/main" val="4140612190"/>
       </p:ext>
     </p:extLst>
   </p:cSld>
   <p:clrMapOvr>
     <a:masterClrMapping/>
   </p:clrMapOvr>
-  <p:timing>
-    <p:tnLst>
-      <p:par>
-        <p:cTn id="1" dur="indefinite" restart="never" nodeType="tmRoot"/>
-      </p:par>
-    </p:tnLst>
-  </p:timing>
 </p:sld>
 </file>
 

--- a/Project_Presentation.pptx
+++ b/Project_Presentation.pptx
@@ -5,7 +5,7 @@
     <p:sldMasterId id="2147483687" r:id="rId1"/>
   </p:sldMasterIdLst>
   <p:notesMasterIdLst>
-    <p:notesMasterId r:id="rId18"/>
+    <p:notesMasterId r:id="rId22"/>
   </p:notesMasterIdLst>
   <p:sldIdLst>
     <p:sldId id="256" r:id="rId2"/>
@@ -17,13 +17,17 @@
     <p:sldId id="272" r:id="rId8"/>
     <p:sldId id="273" r:id="rId9"/>
     <p:sldId id="274" r:id="rId10"/>
-    <p:sldId id="263" r:id="rId11"/>
-    <p:sldId id="275" r:id="rId12"/>
-    <p:sldId id="262" r:id="rId13"/>
-    <p:sldId id="264" r:id="rId14"/>
-    <p:sldId id="265" r:id="rId15"/>
-    <p:sldId id="269" r:id="rId16"/>
-    <p:sldId id="270" r:id="rId17"/>
+    <p:sldId id="276" r:id="rId11"/>
+    <p:sldId id="263" r:id="rId12"/>
+    <p:sldId id="275" r:id="rId13"/>
+    <p:sldId id="262" r:id="rId14"/>
+    <p:sldId id="264" r:id="rId15"/>
+    <p:sldId id="277" r:id="rId16"/>
+    <p:sldId id="265" r:id="rId17"/>
+    <p:sldId id="269" r:id="rId18"/>
+    <p:sldId id="278" r:id="rId19"/>
+    <p:sldId id="279" r:id="rId20"/>
+    <p:sldId id="270" r:id="rId21"/>
   </p:sldIdLst>
   <p:sldSz cx="12192000" cy="6858000"/>
   <p:notesSz cx="6858000" cy="9144000"/>
@@ -212,7 +216,7 @@
           <a:p>
             <a:fld id="{364BA545-4274-4580-A00D-7F22990E525F}" type="datetimeFigureOut">
               <a:rPr lang="en-US" smtClean="0"/>
-              <a:t>10/16/2018</a:t>
+              <a:t>10/21/2018</a:t>
             </a:fld>
             <a:endParaRPr lang="en-US"/>
           </a:p>
@@ -666,7 +670,7 @@
           <a:p>
             <a:fld id="{18240E93-516D-40B8-B139-20F636283E8B}" type="datetime1">
               <a:rPr lang="en-US" smtClean="0"/>
-              <a:t>10/16/2018</a:t>
+              <a:t>10/21/2018</a:t>
             </a:fld>
             <a:endParaRPr lang="en-US" dirty="0"/>
           </a:p>
@@ -941,7 +945,7 @@
           <a:p>
             <a:fld id="{C8556125-56ED-41FE-BA0A-EB5E20EBA4FD}" type="datetime1">
               <a:rPr lang="en-US" smtClean="0"/>
-              <a:t>10/16/2018</a:t>
+              <a:t>10/21/2018</a:t>
             </a:fld>
             <a:endParaRPr lang="en-US" dirty="0"/>
           </a:p>
@@ -1135,7 +1139,7 @@
           <a:p>
             <a:fld id="{F8615742-BF0D-4B00-81C8-1B769A8D80C0}" type="datetime1">
               <a:rPr lang="en-US" smtClean="0"/>
-              <a:t>10/16/2018</a:t>
+              <a:t>10/21/2018</a:t>
             </a:fld>
             <a:endParaRPr lang="en-US" dirty="0"/>
           </a:p>
@@ -1406,7 +1410,7 @@
           <a:p>
             <a:fld id="{C25C919B-6A7C-42AB-BB75-1A29578BAA9F}" type="datetime1">
               <a:rPr lang="en-US" smtClean="0"/>
-              <a:t>10/16/2018</a:t>
+              <a:t>10/21/2018</a:t>
             </a:fld>
             <a:endParaRPr lang="en-US" dirty="0"/>
           </a:p>
@@ -1733,7 +1737,7 @@
           <a:p>
             <a:fld id="{8434AC9C-CC5C-4ED1-B4B5-33129B08BBBA}" type="datetime1">
               <a:rPr lang="en-US" smtClean="0"/>
-              <a:t>10/16/2018</a:t>
+              <a:t>10/21/2018</a:t>
             </a:fld>
             <a:endParaRPr lang="en-US" dirty="0"/>
           </a:p>
@@ -2352,7 +2356,7 @@
           <a:p>
             <a:fld id="{38FE29AB-C000-4944-963F-E7DD7A654521}" type="datetime1">
               <a:rPr lang="en-US" smtClean="0"/>
-              <a:t>10/16/2018</a:t>
+              <a:t>10/21/2018</a:t>
             </a:fld>
             <a:endParaRPr lang="en-US" dirty="0"/>
           </a:p>
@@ -3199,7 +3203,7 @@
           <a:p>
             <a:fld id="{CB231152-C398-4931-841D-7D39DC38F364}" type="datetime1">
               <a:rPr lang="en-US" smtClean="0"/>
-              <a:t>10/16/2018</a:t>
+              <a:t>10/21/2018</a:t>
             </a:fld>
             <a:endParaRPr lang="en-US" dirty="0"/>
           </a:p>
@@ -3369,7 +3373,7 @@
           <a:p>
             <a:fld id="{10F3B4FB-2BE9-4614-9B72-91ADABA8A638}" type="datetime1">
               <a:rPr lang="en-US" smtClean="0"/>
-              <a:t>10/16/2018</a:t>
+              <a:t>10/21/2018</a:t>
             </a:fld>
             <a:endParaRPr lang="en-US" dirty="0"/>
           </a:p>
@@ -3549,7 +3553,7 @@
           <a:p>
             <a:fld id="{53653793-09CA-4CE8-B4C8-E10AE1E56952}" type="datetime1">
               <a:rPr lang="en-US" smtClean="0"/>
-              <a:t>10/16/2018</a:t>
+              <a:t>10/21/2018</a:t>
             </a:fld>
             <a:endParaRPr lang="en-US" dirty="0"/>
           </a:p>
@@ -3719,7 +3723,7 @@
           <a:p>
             <a:fld id="{ED268B33-8C23-4F5B-80BE-4108A7E7657E}" type="datetime1">
               <a:rPr lang="en-US" smtClean="0"/>
-              <a:t>10/16/2018</a:t>
+              <a:t>10/21/2018</a:t>
             </a:fld>
             <a:endParaRPr lang="en-US" dirty="0"/>
           </a:p>
@@ -3966,7 +3970,7 @@
           <a:p>
             <a:fld id="{DE586C82-492C-434B-B4D7-B1050DA55AA4}" type="datetime1">
               <a:rPr lang="en-US" smtClean="0"/>
-              <a:t>10/16/2018</a:t>
+              <a:t>10/21/2018</a:t>
             </a:fld>
             <a:endParaRPr lang="en-US" dirty="0"/>
           </a:p>
@@ -4258,7 +4262,7 @@
           <a:p>
             <a:fld id="{3AB3996E-FE57-49A2-80AA-C383DFF3E585}" type="datetime1">
               <a:rPr lang="en-US" smtClean="0"/>
-              <a:t>10/16/2018</a:t>
+              <a:t>10/21/2018</a:t>
             </a:fld>
             <a:endParaRPr lang="en-US" dirty="0"/>
           </a:p>
@@ -4702,7 +4706,7 @@
           <a:p>
             <a:fld id="{F92270C7-0C51-4E76-B7E6-509136AB5CEE}" type="datetime1">
               <a:rPr lang="en-US" smtClean="0"/>
-              <a:t>10/16/2018</a:t>
+              <a:t>10/21/2018</a:t>
             </a:fld>
             <a:endParaRPr lang="en-US" dirty="0"/>
           </a:p>
@@ -4820,7 +4824,7 @@
           <a:p>
             <a:fld id="{62B315EF-EBCC-497D-A507-F995E8087569}" type="datetime1">
               <a:rPr lang="en-US" smtClean="0"/>
-              <a:t>10/16/2018</a:t>
+              <a:t>10/21/2018</a:t>
             </a:fld>
             <a:endParaRPr lang="en-US" dirty="0"/>
           </a:p>
@@ -4915,7 +4919,7 @@
           <a:p>
             <a:fld id="{924BB917-3353-4C0E-AA1E-F84C4EEAF305}" type="datetime1">
               <a:rPr lang="en-US" smtClean="0"/>
-              <a:t>10/16/2018</a:t>
+              <a:t>10/21/2018</a:t>
             </a:fld>
             <a:endParaRPr lang="en-US" dirty="0"/>
           </a:p>
@@ -5194,7 +5198,7 @@
           <a:p>
             <a:fld id="{C40DFD47-544D-438F-A7C5-49AE9DB07ED3}" type="datetime1">
               <a:rPr lang="en-US" smtClean="0"/>
-              <a:t>10/16/2018</a:t>
+              <a:t>10/21/2018</a:t>
             </a:fld>
             <a:endParaRPr lang="en-US" dirty="0"/>
           </a:p>
@@ -5469,7 +5473,7 @@
           <a:p>
             <a:fld id="{59E1E701-5A8A-4183-ADAD-141EC69014C3}" type="datetime1">
               <a:rPr lang="en-US" smtClean="0"/>
-              <a:t>10/16/2018</a:t>
+              <a:t>10/21/2018</a:t>
             </a:fld>
             <a:endParaRPr lang="en-US" dirty="0"/>
           </a:p>
@@ -5892,7 +5896,7 @@
           <a:p>
             <a:fld id="{D0F7FB31-245E-4B65-AB56-E0546830EB8F}" type="datetime1">
               <a:rPr lang="en-US" smtClean="0"/>
-              <a:t>10/16/2018</a:t>
+              <a:t>10/21/2018</a:t>
             </a:fld>
             <a:endParaRPr lang="en-US" dirty="0"/>
           </a:p>
@@ -6813,6 +6817,89 @@
           <a:p>
             <a:pPr algn="ctr"/>
             <a:r>
+              <a:rPr lang="en-US" dirty="0" smtClean="0"/>
+              <a:t>9 Steps result</a:t>
+            </a:r>
+            <a:endParaRPr lang="en-US" dirty="0"/>
+          </a:p>
+        </p:txBody>
+      </p:sp>
+      <p:pic>
+        <p:nvPicPr>
+          <p:cNvPr id="4" name="Content Placeholder 3" descr="Screen Clipping"/>
+          <p:cNvPicPr>
+            <a:picLocks noGrp="1" noChangeAspect="1"/>
+          </p:cNvPicPr>
+          <p:nvPr>
+            <p:ph idx="1"/>
+          </p:nvPr>
+        </p:nvPicPr>
+        <p:blipFill>
+          <a:blip r:embed="rId2">
+            <a:extLst>
+              <a:ext uri="{28A0092B-C50C-407E-A947-70E740481C1C}">
+                <a14:useLocalDpi xmlns:a14="http://schemas.microsoft.com/office/drawing/2010/main" val="0"/>
+              </a:ext>
+            </a:extLst>
+          </a:blip>
+          <a:stretch>
+            <a:fillRect/>
+          </a:stretch>
+        </p:blipFill>
+        <p:spPr>
+          <a:xfrm>
+            <a:off x="142268" y="2580568"/>
+            <a:ext cx="11934805" cy="3421222"/>
+          </a:xfrm>
+        </p:spPr>
+      </p:pic>
+    </p:spTree>
+    <p:extLst>
+      <p:ext uri="{BB962C8B-B14F-4D97-AF65-F5344CB8AC3E}">
+        <p14:creationId xmlns:p14="http://schemas.microsoft.com/office/powerpoint/2010/main" val="607266327"/>
+      </p:ext>
+    </p:extLst>
+  </p:cSld>
+  <p:clrMapOvr>
+    <a:masterClrMapping/>
+  </p:clrMapOvr>
+</p:sld>
+</file>
+
+<file path=ppt/slides/slide11.xml><?xml version="1.0" encoding="utf-8"?>
+<p:sld xmlns:a="http://schemas.openxmlformats.org/drawingml/2006/main" xmlns:r="http://schemas.openxmlformats.org/officeDocument/2006/relationships" xmlns:p="http://schemas.openxmlformats.org/presentationml/2006/main">
+  <p:cSld>
+    <p:spTree>
+      <p:nvGrpSpPr>
+        <p:cNvPr id="1" name=""/>
+        <p:cNvGrpSpPr/>
+        <p:nvPr/>
+      </p:nvGrpSpPr>
+      <p:grpSpPr>
+        <a:xfrm>
+          <a:off x="0" y="0"/>
+          <a:ext cx="0" cy="0"/>
+          <a:chOff x="0" y="0"/>
+          <a:chExt cx="0" cy="0"/>
+        </a:xfrm>
+      </p:grpSpPr>
+      <p:sp>
+        <p:nvSpPr>
+          <p:cNvPr id="2" name="Title 1"/>
+          <p:cNvSpPr>
+            <a:spLocks noGrp="1"/>
+          </p:cNvSpPr>
+          <p:nvPr>
+            <p:ph type="title"/>
+          </p:nvPr>
+        </p:nvSpPr>
+        <p:spPr/>
+        <p:txBody>
+          <a:bodyPr/>
+          <a:lstStyle/>
+          <a:p>
+            <a:pPr algn="ctr"/>
+            <a:r>
               <a:rPr lang="en-US" dirty="0" smtClean="0">
                 <a:latin typeface="Berlin Sans FB" panose="020E0602020502020306" pitchFamily="34" charset="0"/>
               </a:rPr>
@@ -6907,7 +6994,7 @@
 </p:sld>
 </file>
 
-<file path=ppt/slides/slide11.xml><?xml version="1.0" encoding="utf-8"?>
+<file path=ppt/slides/slide12.xml><?xml version="1.0" encoding="utf-8"?>
 <p:sld xmlns:a="http://schemas.openxmlformats.org/drawingml/2006/main" xmlns:r="http://schemas.openxmlformats.org/officeDocument/2006/relationships" xmlns:p="http://schemas.openxmlformats.org/presentationml/2006/main">
   <p:cSld>
     <p:spTree>
@@ -6950,7 +7037,7 @@
       </p:sp>
       <p:pic>
         <p:nvPicPr>
-          <p:cNvPr id="4" name="Content Placeholder 3" descr="Screen Clipping"/>
+          <p:cNvPr id="6" name="Content Placeholder 5" descr="Screen Clipping"/>
           <p:cNvPicPr>
             <a:picLocks noGrp="1" noChangeAspect="1"/>
           </p:cNvPicPr>
@@ -6972,9 +7059,526 @@
         </p:blipFill>
         <p:spPr>
           <a:xfrm>
-            <a:off x="1369318" y="1152983"/>
-            <a:ext cx="7471901" cy="4175912"/>
-          </a:xfrm>
+            <a:off x="787430" y="1337836"/>
+            <a:ext cx="8947150" cy="4079199"/>
+          </a:xfrm>
+        </p:spPr>
+      </p:pic>
+      <p:pic>
+        <p:nvPicPr>
+          <p:cNvPr id="7" name="Picture 6" descr="Screen Clipping"/>
+          <p:cNvPicPr>
+            <a:picLocks noChangeAspect="1"/>
+          </p:cNvPicPr>
+          <p:nvPr/>
+        </p:nvPicPr>
+        <p:blipFill>
+          <a:blip r:embed="rId3">
+            <a:extLst>
+              <a:ext uri="{28A0092B-C50C-407E-A947-70E740481C1C}">
+                <a14:useLocalDpi xmlns:a14="http://schemas.microsoft.com/office/drawing/2010/main" val="0"/>
+              </a:ext>
+            </a:extLst>
+          </a:blip>
+          <a:stretch>
+            <a:fillRect/>
+          </a:stretch>
+        </p:blipFill>
+        <p:spPr>
+          <a:xfrm>
+            <a:off x="1345684" y="5810383"/>
+            <a:ext cx="3915321" cy="590632"/>
+          </a:xfrm>
+          <a:prstGeom prst="rect">
+            <a:avLst/>
+          </a:prstGeom>
+        </p:spPr>
+      </p:pic>
+    </p:spTree>
+    <p:extLst>
+      <p:ext uri="{BB962C8B-B14F-4D97-AF65-F5344CB8AC3E}">
+        <p14:creationId xmlns:p14="http://schemas.microsoft.com/office/powerpoint/2010/main" val="3952028801"/>
+      </p:ext>
+    </p:extLst>
+  </p:cSld>
+  <p:clrMapOvr>
+    <a:masterClrMapping/>
+  </p:clrMapOvr>
+</p:sld>
+</file>
+
+<file path=ppt/slides/slide13.xml><?xml version="1.0" encoding="utf-8"?>
+<p:sld xmlns:a="http://schemas.openxmlformats.org/drawingml/2006/main" xmlns:r="http://schemas.openxmlformats.org/officeDocument/2006/relationships" xmlns:p="http://schemas.openxmlformats.org/presentationml/2006/main">
+  <p:cSld>
+    <p:spTree>
+      <p:nvGrpSpPr>
+        <p:cNvPr id="1" name=""/>
+        <p:cNvGrpSpPr/>
+        <p:nvPr/>
+      </p:nvGrpSpPr>
+      <p:grpSpPr>
+        <a:xfrm>
+          <a:off x="0" y="0"/>
+          <a:ext cx="0" cy="0"/>
+          <a:chOff x="0" y="0"/>
+          <a:chExt cx="0" cy="0"/>
+        </a:xfrm>
+      </p:grpSpPr>
+      <p:sp>
+        <p:nvSpPr>
+          <p:cNvPr id="2" name="Title 1"/>
+          <p:cNvSpPr>
+            <a:spLocks noGrp="1"/>
+          </p:cNvSpPr>
+          <p:nvPr>
+            <p:ph type="title"/>
+          </p:nvPr>
+        </p:nvSpPr>
+        <p:spPr/>
+        <p:txBody>
+          <a:bodyPr/>
+          <a:lstStyle/>
+          <a:p>
+            <a:pPr algn="ctr"/>
+            <a:r>
+              <a:rPr lang="en-US" dirty="0" smtClean="0">
+                <a:latin typeface="Berlin Sans FB" panose="020E0602020502020306" pitchFamily="34" charset="0"/>
+              </a:rPr>
+              <a:t>Step 3: Median </a:t>
+            </a:r>
+            <a:r>
+              <a:rPr lang="en-US" dirty="0">
+                <a:latin typeface="Berlin Sans FB" panose="020E0602020502020306" pitchFamily="34" charset="0"/>
+              </a:rPr>
+              <a:t>signal pattern </a:t>
+            </a:r>
+          </a:p>
+        </p:txBody>
+      </p:sp>
+      <p:sp>
+        <p:nvSpPr>
+          <p:cNvPr id="3" name="Content Placeholder 2"/>
+          <p:cNvSpPr>
+            <a:spLocks noGrp="1"/>
+          </p:cNvSpPr>
+          <p:nvPr>
+            <p:ph idx="1"/>
+          </p:nvPr>
+        </p:nvSpPr>
+        <p:spPr>
+          <a:xfrm>
+            <a:off x="1138844" y="1224282"/>
+            <a:ext cx="8911990" cy="5400961"/>
+          </a:xfrm>
+        </p:spPr>
+        <p:txBody>
+          <a:bodyPr>
+            <a:normAutofit fontScale="92500" lnSpcReduction="10000"/>
+          </a:bodyPr>
+          <a:lstStyle/>
+          <a:p>
+            <a:r>
+              <a:rPr lang="en-US" dirty="0" smtClean="0">
+                <a:latin typeface="Berlin Sans FB" panose="020E0602020502020306" pitchFamily="34" charset="0"/>
+              </a:rPr>
+              <a:t>I used medfilt1() function on </a:t>
+            </a:r>
+            <a:r>
+              <a:rPr lang="en-US" dirty="0">
+                <a:latin typeface="Berlin Sans FB" panose="020E0602020502020306" pitchFamily="34" charset="0"/>
+              </a:rPr>
+              <a:t>each one of </a:t>
+            </a:r>
+            <a:r>
+              <a:rPr lang="en-US" dirty="0" smtClean="0">
+                <a:latin typeface="Berlin Sans FB" panose="020E0602020502020306" pitchFamily="34" charset="0"/>
+              </a:rPr>
+              <a:t>steps in the matrix </a:t>
+            </a:r>
+            <a:r>
+              <a:rPr lang="en-US" dirty="0" smtClean="0">
+                <a:latin typeface="Berlin Sans FB" panose="020E0602020502020306" pitchFamily="34" charset="0"/>
+              </a:rPr>
+              <a:t>I </a:t>
+            </a:r>
+            <a:r>
+              <a:rPr lang="en-US" dirty="0" smtClean="0">
+                <a:latin typeface="Berlin Sans FB" panose="020E0602020502020306" pitchFamily="34" charset="0"/>
+              </a:rPr>
+              <a:t>got after removing the abnormal </a:t>
+            </a:r>
+            <a:r>
+              <a:rPr lang="en-US" dirty="0" smtClean="0">
+                <a:latin typeface="Berlin Sans FB" panose="020E0602020502020306" pitchFamily="34" charset="0"/>
+              </a:rPr>
+              <a:t>ones, to create this pattern(orange):</a:t>
+            </a:r>
+          </a:p>
+          <a:p>
+            <a:endParaRPr lang="en-US" dirty="0">
+              <a:latin typeface="Berlin Sans FB" panose="020E0602020502020306" pitchFamily="34" charset="0"/>
+            </a:endParaRPr>
+          </a:p>
+          <a:p>
+            <a:endParaRPr lang="en-US" dirty="0">
+              <a:latin typeface="Berlin Sans FB" panose="020E0602020502020306" pitchFamily="34" charset="0"/>
+            </a:endParaRPr>
+          </a:p>
+          <a:p>
+            <a:pPr marL="0" indent="0">
+              <a:buNone/>
+            </a:pPr>
+            <a:endParaRPr lang="en-US" dirty="0" smtClean="0">
+              <a:latin typeface="Berlin Sans FB" panose="020E0602020502020306" pitchFamily="34" charset="0"/>
+            </a:endParaRPr>
+          </a:p>
+          <a:p>
+            <a:endParaRPr lang="en-US" dirty="0">
+              <a:latin typeface="Berlin Sans FB" panose="020E0602020502020306" pitchFamily="34" charset="0"/>
+            </a:endParaRPr>
+          </a:p>
+          <a:p>
+            <a:pPr marL="0" indent="0">
+              <a:buNone/>
+            </a:pPr>
+            <a:endParaRPr lang="en-US" dirty="0">
+              <a:latin typeface="Berlin Sans FB" panose="020E0602020502020306" pitchFamily="34" charset="0"/>
+            </a:endParaRPr>
+          </a:p>
+          <a:p>
+            <a:pPr marL="0" indent="0">
+              <a:buNone/>
+            </a:pPr>
+            <a:endParaRPr lang="en-US" dirty="0" smtClean="0">
+              <a:latin typeface="Berlin Sans FB" panose="020E0602020502020306" pitchFamily="34" charset="0"/>
+            </a:endParaRPr>
+          </a:p>
+          <a:p>
+            <a:endParaRPr lang="en-US" dirty="0" smtClean="0">
+              <a:latin typeface="Berlin Sans FB" panose="020E0602020502020306" pitchFamily="34" charset="0"/>
+            </a:endParaRPr>
+          </a:p>
+          <a:p>
+            <a:endParaRPr lang="en-US" dirty="0">
+              <a:latin typeface="Berlin Sans FB" panose="020E0602020502020306" pitchFamily="34" charset="0"/>
+            </a:endParaRPr>
+          </a:p>
+          <a:p>
+            <a:endParaRPr lang="en-US" dirty="0" smtClean="0">
+              <a:latin typeface="Berlin Sans FB" panose="020E0602020502020306" pitchFamily="34" charset="0"/>
+            </a:endParaRPr>
+          </a:p>
+          <a:p>
+            <a:endParaRPr lang="en-US" dirty="0" smtClean="0">
+              <a:latin typeface="Berlin Sans FB" panose="020E0602020502020306" pitchFamily="34" charset="0"/>
+            </a:endParaRPr>
+          </a:p>
+          <a:p>
+            <a:endParaRPr lang="en-US" dirty="0">
+              <a:latin typeface="Berlin Sans FB" panose="020E0602020502020306" pitchFamily="34" charset="0"/>
+            </a:endParaRPr>
+          </a:p>
+          <a:p>
+            <a:r>
+              <a:rPr lang="en-US" dirty="0" smtClean="0">
+                <a:latin typeface="Berlin Sans FB" panose="020E0602020502020306" pitchFamily="34" charset="0"/>
+              </a:rPr>
+              <a:t>Example:</a:t>
+            </a:r>
+            <a:endParaRPr lang="en-US" dirty="0">
+              <a:latin typeface="Berlin Sans FB" panose="020E0602020502020306" pitchFamily="34" charset="0"/>
+            </a:endParaRPr>
+          </a:p>
+        </p:txBody>
+      </p:sp>
+      <p:pic>
+        <p:nvPicPr>
+          <p:cNvPr id="5" name="Picture 4" descr="Screen Clipping"/>
+          <p:cNvPicPr>
+            <a:picLocks noChangeAspect="1"/>
+          </p:cNvPicPr>
+          <p:nvPr/>
+        </p:nvPicPr>
+        <p:blipFill>
+          <a:blip r:embed="rId2">
+            <a:extLst>
+              <a:ext uri="{28A0092B-C50C-407E-A947-70E740481C1C}">
+                <a14:useLocalDpi xmlns:a14="http://schemas.microsoft.com/office/drawing/2010/main" val="0"/>
+              </a:ext>
+            </a:extLst>
+          </a:blip>
+          <a:stretch>
+            <a:fillRect/>
+          </a:stretch>
+        </p:blipFill>
+        <p:spPr>
+          <a:xfrm>
+            <a:off x="556185" y="1853248"/>
+            <a:ext cx="7565350" cy="4260783"/>
+          </a:xfrm>
+          <a:prstGeom prst="rect">
+            <a:avLst/>
+          </a:prstGeom>
+        </p:spPr>
+      </p:pic>
+      <p:pic>
+        <p:nvPicPr>
+          <p:cNvPr id="6" name="Picture 5" descr="Screen Clipping"/>
+          <p:cNvPicPr>
+            <a:picLocks noChangeAspect="1"/>
+          </p:cNvPicPr>
+          <p:nvPr/>
+        </p:nvPicPr>
+        <p:blipFill>
+          <a:blip r:embed="rId3">
+            <a:extLst>
+              <a:ext uri="{28A0092B-C50C-407E-A947-70E740481C1C}">
+                <a14:useLocalDpi xmlns:a14="http://schemas.microsoft.com/office/drawing/2010/main" val="0"/>
+              </a:ext>
+            </a:extLst>
+          </a:blip>
+          <a:stretch>
+            <a:fillRect/>
+          </a:stretch>
+        </p:blipFill>
+        <p:spPr>
+          <a:xfrm>
+            <a:off x="8558164" y="2925035"/>
+            <a:ext cx="3172268" cy="3801005"/>
+          </a:xfrm>
+          <a:prstGeom prst="rect">
+            <a:avLst/>
+          </a:prstGeom>
+        </p:spPr>
+      </p:pic>
+    </p:spTree>
+    <p:extLst>
+      <p:ext uri="{BB962C8B-B14F-4D97-AF65-F5344CB8AC3E}">
+        <p14:creationId xmlns:p14="http://schemas.microsoft.com/office/powerpoint/2010/main" val="3183780647"/>
+      </p:ext>
+    </p:extLst>
+  </p:cSld>
+  <p:clrMapOvr>
+    <a:masterClrMapping/>
+  </p:clrMapOvr>
+  <p:timing>
+    <p:tnLst>
+      <p:par>
+        <p:cTn id="1" dur="indefinite" restart="never" nodeType="tmRoot"/>
+      </p:par>
+    </p:tnLst>
+  </p:timing>
+</p:sld>
+</file>
+
+<file path=ppt/slides/slide14.xml><?xml version="1.0" encoding="utf-8"?>
+<p:sld xmlns:a="http://schemas.openxmlformats.org/drawingml/2006/main" xmlns:r="http://schemas.openxmlformats.org/officeDocument/2006/relationships" xmlns:p="http://schemas.openxmlformats.org/presentationml/2006/main">
+  <p:cSld>
+    <p:spTree>
+      <p:nvGrpSpPr>
+        <p:cNvPr id="1" name=""/>
+        <p:cNvGrpSpPr/>
+        <p:nvPr/>
+      </p:nvGrpSpPr>
+      <p:grpSpPr>
+        <a:xfrm>
+          <a:off x="0" y="0"/>
+          <a:ext cx="0" cy="0"/>
+          <a:chOff x="0" y="0"/>
+          <a:chExt cx="0" cy="0"/>
+        </a:xfrm>
+      </p:grpSpPr>
+      <p:sp>
+        <p:nvSpPr>
+          <p:cNvPr id="2" name="Title 1"/>
+          <p:cNvSpPr>
+            <a:spLocks noGrp="1"/>
+          </p:cNvSpPr>
+          <p:nvPr>
+            <p:ph type="title"/>
+          </p:nvPr>
+        </p:nvSpPr>
+        <p:spPr>
+          <a:xfrm>
+            <a:off x="646111" y="282848"/>
+            <a:ext cx="9404723" cy="1400530"/>
+          </a:xfrm>
+        </p:spPr>
+        <p:txBody>
+          <a:bodyPr/>
+          <a:lstStyle/>
+          <a:p>
+            <a:pPr algn="ctr"/>
+            <a:r>
+              <a:rPr lang="en-US" dirty="0" smtClean="0">
+                <a:latin typeface="Berlin Sans FB" panose="020E0602020502020306" pitchFamily="34" charset="0"/>
+              </a:rPr>
+              <a:t>Step 4:Calculating </a:t>
+            </a:r>
+            <a:r>
+              <a:rPr lang="en-US" dirty="0">
+                <a:latin typeface="Berlin Sans FB" panose="020E0602020502020306" pitchFamily="34" charset="0"/>
+              </a:rPr>
+              <a:t>Percentiles</a:t>
+            </a:r>
+            <a:r>
+              <a:rPr lang="en-US" dirty="0"/>
+              <a:t> </a:t>
+            </a:r>
+          </a:p>
+        </p:txBody>
+      </p:sp>
+      <p:sp>
+        <p:nvSpPr>
+          <p:cNvPr id="3" name="Content Placeholder 2"/>
+          <p:cNvSpPr>
+            <a:spLocks noGrp="1"/>
+          </p:cNvSpPr>
+          <p:nvPr>
+            <p:ph idx="1"/>
+          </p:nvPr>
+        </p:nvSpPr>
+        <p:spPr>
+          <a:xfrm>
+            <a:off x="1104293" y="1180407"/>
+            <a:ext cx="8946541" cy="4959926"/>
+          </a:xfrm>
+        </p:spPr>
+        <p:txBody>
+          <a:bodyPr/>
+          <a:lstStyle/>
+          <a:p>
+            <a:r>
+              <a:rPr lang="en-US" dirty="0" smtClean="0">
+                <a:latin typeface="Berlin Sans FB" panose="020E0602020502020306" pitchFamily="34" charset="0"/>
+              </a:rPr>
+              <a:t>What is a Percentile?</a:t>
+            </a:r>
+          </a:p>
+          <a:p>
+            <a:pPr marL="0" indent="0">
+              <a:buNone/>
+            </a:pPr>
+            <a:r>
+              <a:rPr lang="en-US" dirty="0" smtClean="0">
+                <a:latin typeface="Berlin Sans FB" panose="020E0602020502020306" pitchFamily="34" charset="0"/>
+              </a:rPr>
+              <a:t>Percentile is a value below which a certain percentage of observations lie.</a:t>
+            </a:r>
+          </a:p>
+          <a:p>
+            <a:pPr marL="0" indent="0">
+              <a:buNone/>
+            </a:pPr>
+            <a:r>
+              <a:rPr lang="en-US" dirty="0" smtClean="0">
+                <a:latin typeface="Berlin Sans FB" panose="020E0602020502020306" pitchFamily="34" charset="0"/>
+              </a:rPr>
+              <a:t>Percentile 10 is a number that under it there are 10% of the samples in the data.</a:t>
+            </a:r>
+          </a:p>
+          <a:p>
+            <a:pPr marL="0" indent="0">
+              <a:buNone/>
+            </a:pPr>
+            <a:r>
+              <a:rPr lang="en-US" dirty="0" smtClean="0">
+                <a:latin typeface="Berlin Sans FB" panose="020E0602020502020306" pitchFamily="34" charset="0"/>
+              </a:rPr>
+              <a:t>It doesn’t have to be one of the data samples(like in this case).</a:t>
+            </a:r>
+          </a:p>
+          <a:p>
+            <a:r>
+              <a:rPr lang="en-US" dirty="0" smtClean="0">
+                <a:latin typeface="Berlin Sans FB" panose="020E0602020502020306" pitchFamily="34" charset="0"/>
+              </a:rPr>
+              <a:t>Prctile is a Matlab</a:t>
+            </a:r>
+            <a:r>
+              <a:rPr lang="en-US" dirty="0">
+                <a:latin typeface="Berlin Sans FB" panose="020E0602020502020306" pitchFamily="34" charset="0"/>
+              </a:rPr>
+              <a:t> </a:t>
+            </a:r>
+            <a:r>
+              <a:rPr lang="en-US" dirty="0" smtClean="0">
+                <a:latin typeface="Berlin Sans FB" panose="020E0602020502020306" pitchFamily="34" charset="0"/>
+              </a:rPr>
+              <a:t>Built-in Function:</a:t>
+            </a:r>
+            <a:endParaRPr lang="en-US" dirty="0">
+              <a:latin typeface="Berlin Sans FB" panose="020E0602020502020306" pitchFamily="34" charset="0"/>
+            </a:endParaRPr>
+          </a:p>
+          <a:p>
+            <a:endParaRPr lang="en-US" dirty="0" smtClean="0">
+              <a:latin typeface="Berlin Sans FB" panose="020E0602020502020306" pitchFamily="34" charset="0"/>
+            </a:endParaRPr>
+          </a:p>
+          <a:p>
+            <a:endParaRPr lang="en-US" dirty="0">
+              <a:latin typeface="Berlin Sans FB" panose="020E0602020502020306" pitchFamily="34" charset="0"/>
+            </a:endParaRPr>
+          </a:p>
+          <a:p>
+            <a:r>
+              <a:rPr lang="en-US" dirty="0" smtClean="0">
+                <a:latin typeface="Berlin Sans FB" panose="020E0602020502020306" pitchFamily="34" charset="0"/>
+              </a:rPr>
+              <a:t>I Used it with values 10 and </a:t>
+            </a:r>
+            <a:r>
+              <a:rPr lang="en-US" dirty="0" smtClean="0">
+                <a:latin typeface="Berlin Sans FB" panose="020E0602020502020306" pitchFamily="34" charset="0"/>
+              </a:rPr>
+              <a:t>90 and added a condition to </a:t>
+            </a:r>
+          </a:p>
+          <a:p>
+            <a:pPr marL="0" indent="0">
+              <a:buNone/>
+            </a:pPr>
+            <a:r>
+              <a:rPr lang="en-US" dirty="0" smtClean="0">
+                <a:latin typeface="Berlin Sans FB" panose="020E0602020502020306" pitchFamily="34" charset="0"/>
+              </a:rPr>
+              <a:t>get all the numbers that are under this percentile:</a:t>
+            </a:r>
+            <a:endParaRPr lang="en-US" dirty="0">
+              <a:latin typeface="Berlin Sans FB" panose="020E0602020502020306" pitchFamily="34" charset="0"/>
+            </a:endParaRPr>
+          </a:p>
+        </p:txBody>
+      </p:sp>
+      <p:pic>
+        <p:nvPicPr>
+          <p:cNvPr id="4" name="Picture 3" descr="Screen Clipping"/>
+          <p:cNvPicPr>
+            <a:picLocks noChangeAspect="1"/>
+          </p:cNvPicPr>
+          <p:nvPr/>
+        </p:nvPicPr>
+        <p:blipFill>
+          <a:blip r:embed="rId2">
+            <a:extLst>
+              <a:ext uri="{28A0092B-C50C-407E-A947-70E740481C1C}">
+                <a14:useLocalDpi xmlns:a14="http://schemas.microsoft.com/office/drawing/2010/main" val="0"/>
+              </a:ext>
+            </a:extLst>
+          </a:blip>
+          <a:stretch>
+            <a:fillRect/>
+          </a:stretch>
+        </p:blipFill>
+        <p:spPr>
+          <a:xfrm>
+            <a:off x="1451776" y="3432273"/>
+            <a:ext cx="5048955" cy="752580"/>
+          </a:xfrm>
+          <a:prstGeom prst="rect">
+            <a:avLst/>
+          </a:prstGeom>
         </p:spPr>
       </p:pic>
       <p:pic>
@@ -6999,8 +7603,8 @@
         </p:blipFill>
         <p:spPr>
           <a:xfrm>
-            <a:off x="1369318" y="5620376"/>
-            <a:ext cx="4810796" cy="1066949"/>
+            <a:off x="8345154" y="2751513"/>
+            <a:ext cx="3580339" cy="3861763"/>
           </a:xfrm>
           <a:prstGeom prst="rect">
             <a:avLst/>
@@ -7010,7 +7614,7 @@
     </p:spTree>
     <p:extLst>
       <p:ext uri="{BB962C8B-B14F-4D97-AF65-F5344CB8AC3E}">
-        <p14:creationId xmlns:p14="http://schemas.microsoft.com/office/powerpoint/2010/main" val="3952028801"/>
+        <p14:creationId xmlns:p14="http://schemas.microsoft.com/office/powerpoint/2010/main" val="544535038"/>
       </p:ext>
     </p:extLst>
   </p:cSld>
@@ -7020,7 +7624,7 @@
 </p:sld>
 </file>
 
-<file path=ppt/slides/slide12.xml><?xml version="1.0" encoding="utf-8"?>
+<file path=ppt/slides/slide15.xml><?xml version="1.0" encoding="utf-8"?>
 <p:sld xmlns:a="http://schemas.openxmlformats.org/drawingml/2006/main" xmlns:r="http://schemas.openxmlformats.org/officeDocument/2006/relationships" xmlns:p="http://schemas.openxmlformats.org/presentationml/2006/main">
   <p:cSld>
     <p:spTree>
@@ -7047,123 +7651,28 @@
             <p:ph type="title"/>
           </p:nvPr>
         </p:nvSpPr>
-        <p:spPr/>
+        <p:spPr>
+          <a:xfrm>
+            <a:off x="862242" y="427780"/>
+            <a:ext cx="9404723" cy="1400530"/>
+          </a:xfrm>
+        </p:spPr>
         <p:txBody>
           <a:bodyPr/>
           <a:lstStyle/>
           <a:p>
             <a:pPr algn="ctr"/>
             <a:r>
-              <a:rPr lang="en-US" dirty="0" smtClean="0">
-                <a:latin typeface="Berlin Sans FB" panose="020E0602020502020306" pitchFamily="34" charset="0"/>
-              </a:rPr>
-              <a:t>Step 3: Median </a:t>
-            </a:r>
-            <a:r>
-              <a:rPr lang="en-US" dirty="0">
-                <a:latin typeface="Berlin Sans FB" panose="020E0602020502020306" pitchFamily="34" charset="0"/>
-              </a:rPr>
-              <a:t>signal pattern </a:t>
-            </a:r>
-          </a:p>
-        </p:txBody>
-      </p:sp>
-      <p:sp>
-        <p:nvSpPr>
-          <p:cNvPr id="3" name="Content Placeholder 2"/>
-          <p:cNvSpPr>
-            <a:spLocks noGrp="1"/>
-          </p:cNvSpPr>
-          <p:nvPr>
-            <p:ph idx="1"/>
-          </p:nvPr>
-        </p:nvSpPr>
-        <p:spPr>
-          <a:xfrm>
-            <a:off x="1187420" y="1412838"/>
-            <a:ext cx="8946541" cy="4195481"/>
-          </a:xfrm>
-        </p:spPr>
-        <p:txBody>
-          <a:bodyPr/>
-          <a:lstStyle/>
-          <a:p>
-            <a:r>
-              <a:rPr lang="en-US" dirty="0">
-                <a:latin typeface="Berlin Sans FB" panose="020E0602020502020306" pitchFamily="34" charset="0"/>
-              </a:rPr>
-              <a:t>We use median function(as practiced in lectures) on each one of </a:t>
-            </a:r>
-            <a:r>
-              <a:rPr lang="en-US" dirty="0" smtClean="0">
-                <a:latin typeface="Berlin Sans FB" panose="020E0602020502020306" pitchFamily="34" charset="0"/>
-              </a:rPr>
-              <a:t>steps in the matrix we got after removing the abnormal ones:</a:t>
-            </a:r>
-            <a:endParaRPr lang="en-US" dirty="0">
-              <a:latin typeface="Berlin Sans FB" panose="020E0602020502020306" pitchFamily="34" charset="0"/>
-            </a:endParaRPr>
-          </a:p>
-          <a:p>
-            <a:pPr marL="0" indent="0">
-              <a:buNone/>
-            </a:pPr>
-            <a:endParaRPr lang="en-US" dirty="0" smtClean="0">
-              <a:latin typeface="Berlin Sans FB" panose="020E0602020502020306" pitchFamily="34" charset="0"/>
-            </a:endParaRPr>
-          </a:p>
-          <a:p>
-            <a:endParaRPr lang="en-US" dirty="0">
-              <a:latin typeface="Berlin Sans FB" panose="020E0602020502020306" pitchFamily="34" charset="0"/>
-            </a:endParaRPr>
-          </a:p>
-          <a:p>
-            <a:pPr marL="0" indent="0">
-              <a:buNone/>
-            </a:pPr>
-            <a:endParaRPr lang="en-US" dirty="0">
-              <a:latin typeface="Berlin Sans FB" panose="020E0602020502020306" pitchFamily="34" charset="0"/>
-            </a:endParaRPr>
-          </a:p>
-          <a:p>
-            <a:pPr marL="0" indent="0">
-              <a:buNone/>
-            </a:pPr>
-            <a:endParaRPr lang="en-US" dirty="0" smtClean="0">
-              <a:latin typeface="Berlin Sans FB" panose="020E0602020502020306" pitchFamily="34" charset="0"/>
-            </a:endParaRPr>
-          </a:p>
-          <a:p>
-            <a:endParaRPr lang="en-US" dirty="0" smtClean="0">
-              <a:latin typeface="Berlin Sans FB" panose="020E0602020502020306" pitchFamily="34" charset="0"/>
-            </a:endParaRPr>
-          </a:p>
-          <a:p>
-            <a:endParaRPr lang="en-US" dirty="0">
-              <a:latin typeface="Berlin Sans FB" panose="020E0602020502020306" pitchFamily="34" charset="0"/>
-            </a:endParaRPr>
-          </a:p>
-          <a:p>
-            <a:endParaRPr lang="en-US" dirty="0" smtClean="0">
-              <a:latin typeface="Berlin Sans FB" panose="020E0602020502020306" pitchFamily="34" charset="0"/>
-            </a:endParaRPr>
-          </a:p>
-          <a:p>
-            <a:r>
-              <a:rPr lang="en-US" dirty="0" smtClean="0">
-                <a:latin typeface="Berlin Sans FB" panose="020E0602020502020306" pitchFamily="34" charset="0"/>
-              </a:rPr>
-              <a:t>Median Filter function:</a:t>
-            </a:r>
-            <a:endParaRPr lang="en-US" dirty="0">
-              <a:latin typeface="Berlin Sans FB" panose="020E0602020502020306" pitchFamily="34" charset="0"/>
-            </a:endParaRPr>
+              <a:rPr lang="en-US" dirty="0" smtClean="0"/>
+              <a:t>Result</a:t>
+            </a:r>
+            <a:endParaRPr lang="en-US" dirty="0"/>
           </a:p>
         </p:txBody>
       </p:sp>
       <p:pic>
         <p:nvPicPr>
-          <p:cNvPr id="8" name="Picture 7" descr="Screen Clipping"/>
+          <p:cNvPr id="6" name="Picture 5" descr="Screen Clipping"/>
           <p:cNvPicPr>
             <a:picLocks noChangeAspect="1"/>
           </p:cNvPicPr>
@@ -7183,38 +7692,8 @@
         </p:blipFill>
         <p:spPr>
           <a:xfrm>
-            <a:off x="7220116" y="1937320"/>
-            <a:ext cx="4152442" cy="4814425"/>
-          </a:xfrm>
-          <a:prstGeom prst="rect">
-            <a:avLst/>
-          </a:prstGeom>
-        </p:spPr>
-      </p:pic>
-      <p:pic>
-        <p:nvPicPr>
-          <p:cNvPr id="4" name="Picture 3" descr="Screen Clipping"/>
-          <p:cNvPicPr>
-            <a:picLocks noChangeAspect="1"/>
-          </p:cNvPicPr>
-          <p:nvPr/>
-        </p:nvPicPr>
-        <p:blipFill>
-          <a:blip r:embed="rId3">
-            <a:extLst>
-              <a:ext uri="{28A0092B-C50C-407E-A947-70E740481C1C}">
-                <a14:useLocalDpi xmlns:a14="http://schemas.microsoft.com/office/drawing/2010/main" val="0"/>
-              </a:ext>
-            </a:extLst>
-          </a:blip>
-          <a:stretch>
-            <a:fillRect/>
-          </a:stretch>
-        </p:blipFill>
-        <p:spPr>
-          <a:xfrm>
-            <a:off x="1576285" y="2210857"/>
-            <a:ext cx="4509194" cy="2785091"/>
+            <a:off x="490449" y="1128045"/>
+            <a:ext cx="10889675" cy="5478093"/>
           </a:xfrm>
           <a:prstGeom prst="rect">
             <a:avLst/>
@@ -7224,283 +7703,7 @@
     </p:spTree>
     <p:extLst>
       <p:ext uri="{BB962C8B-B14F-4D97-AF65-F5344CB8AC3E}">
-        <p14:creationId xmlns:p14="http://schemas.microsoft.com/office/powerpoint/2010/main" val="3183780647"/>
-      </p:ext>
-    </p:extLst>
-  </p:cSld>
-  <p:clrMapOvr>
-    <a:masterClrMapping/>
-  </p:clrMapOvr>
-  <p:timing>
-    <p:tnLst>
-      <p:par>
-        <p:cTn id="1" dur="indefinite" restart="never" nodeType="tmRoot"/>
-      </p:par>
-    </p:tnLst>
-  </p:timing>
-</p:sld>
-</file>
-
-<file path=ppt/slides/slide13.xml><?xml version="1.0" encoding="utf-8"?>
-<p:sld xmlns:a="http://schemas.openxmlformats.org/drawingml/2006/main" xmlns:r="http://schemas.openxmlformats.org/officeDocument/2006/relationships" xmlns:p="http://schemas.openxmlformats.org/presentationml/2006/main">
-  <p:cSld>
-    <p:spTree>
-      <p:nvGrpSpPr>
-        <p:cNvPr id="1" name=""/>
-        <p:cNvGrpSpPr/>
-        <p:nvPr/>
-      </p:nvGrpSpPr>
-      <p:grpSpPr>
-        <a:xfrm>
-          <a:off x="0" y="0"/>
-          <a:ext cx="0" cy="0"/>
-          <a:chOff x="0" y="0"/>
-          <a:chExt cx="0" cy="0"/>
-        </a:xfrm>
-      </p:grpSpPr>
-      <p:sp>
-        <p:nvSpPr>
-          <p:cNvPr id="2" name="Title 1"/>
-          <p:cNvSpPr>
-            <a:spLocks noGrp="1"/>
-          </p:cNvSpPr>
-          <p:nvPr>
-            <p:ph type="title"/>
-          </p:nvPr>
-        </p:nvSpPr>
-        <p:spPr>
-          <a:xfrm>
-            <a:off x="646111" y="282848"/>
-            <a:ext cx="9404723" cy="1400530"/>
-          </a:xfrm>
-        </p:spPr>
-        <p:txBody>
-          <a:bodyPr/>
-          <a:lstStyle/>
-          <a:p>
-            <a:pPr algn="ctr"/>
-            <a:r>
-              <a:rPr lang="en-US" dirty="0" smtClean="0">
-                <a:latin typeface="Berlin Sans FB" panose="020E0602020502020306" pitchFamily="34" charset="0"/>
-              </a:rPr>
-              <a:t>Step 4:Calculating </a:t>
-            </a:r>
-            <a:r>
-              <a:rPr lang="en-US" dirty="0">
-                <a:latin typeface="Berlin Sans FB" panose="020E0602020502020306" pitchFamily="34" charset="0"/>
-              </a:rPr>
-              <a:t>Percentiles</a:t>
-            </a:r>
-            <a:r>
-              <a:rPr lang="en-US" dirty="0"/>
-              <a:t> </a:t>
-            </a:r>
-          </a:p>
-        </p:txBody>
-      </p:sp>
-      <p:sp>
-        <p:nvSpPr>
-          <p:cNvPr id="3" name="Content Placeholder 2"/>
-          <p:cNvSpPr>
-            <a:spLocks noGrp="1"/>
-          </p:cNvSpPr>
-          <p:nvPr>
-            <p:ph idx="1"/>
-          </p:nvPr>
-        </p:nvSpPr>
-        <p:spPr>
-          <a:xfrm>
-            <a:off x="1104293" y="1180407"/>
-            <a:ext cx="8946541" cy="4959926"/>
-          </a:xfrm>
-        </p:spPr>
-        <p:txBody>
-          <a:bodyPr/>
-          <a:lstStyle/>
-          <a:p>
-            <a:r>
-              <a:rPr lang="en-US" dirty="0" smtClean="0">
-                <a:latin typeface="Berlin Sans FB" panose="020E0602020502020306" pitchFamily="34" charset="0"/>
-              </a:rPr>
-              <a:t>What is a Percentile?</a:t>
-            </a:r>
-          </a:p>
-          <a:p>
-            <a:pPr marL="0" indent="0">
-              <a:buNone/>
-            </a:pPr>
-            <a:r>
-              <a:rPr lang="en-US" dirty="0" smtClean="0">
-                <a:latin typeface="Berlin Sans FB" panose="020E0602020502020306" pitchFamily="34" charset="0"/>
-              </a:rPr>
-              <a:t>Percentile is a value below which a certain percentage of observations lie.</a:t>
-            </a:r>
-          </a:p>
-          <a:p>
-            <a:pPr marL="0" indent="0">
-              <a:buNone/>
-            </a:pPr>
-            <a:r>
-              <a:rPr lang="en-US" dirty="0" smtClean="0">
-                <a:latin typeface="Berlin Sans FB" panose="020E0602020502020306" pitchFamily="34" charset="0"/>
-              </a:rPr>
-              <a:t>Percentile 10 is a number that under it there are 10% of the samples in the data.</a:t>
-            </a:r>
-          </a:p>
-          <a:p>
-            <a:pPr marL="0" indent="0">
-              <a:buNone/>
-            </a:pPr>
-            <a:r>
-              <a:rPr lang="en-US" dirty="0" smtClean="0">
-                <a:latin typeface="Berlin Sans FB" panose="020E0602020502020306" pitchFamily="34" charset="0"/>
-              </a:rPr>
-              <a:t>It doesn’t have to be one of the data samples(like in this case).</a:t>
-            </a:r>
-          </a:p>
-          <a:p>
-            <a:r>
-              <a:rPr lang="en-US" dirty="0" smtClean="0">
-                <a:latin typeface="Berlin Sans FB" panose="020E0602020502020306" pitchFamily="34" charset="0"/>
-              </a:rPr>
-              <a:t>Prctile is a Matlab</a:t>
-            </a:r>
-            <a:r>
-              <a:rPr lang="en-US" dirty="0">
-                <a:latin typeface="Berlin Sans FB" panose="020E0602020502020306" pitchFamily="34" charset="0"/>
-              </a:rPr>
-              <a:t> </a:t>
-            </a:r>
-            <a:r>
-              <a:rPr lang="en-US" dirty="0" smtClean="0">
-                <a:latin typeface="Berlin Sans FB" panose="020E0602020502020306" pitchFamily="34" charset="0"/>
-              </a:rPr>
-              <a:t>Built-in Function:</a:t>
-            </a:r>
-            <a:endParaRPr lang="en-US" dirty="0">
-              <a:latin typeface="Berlin Sans FB" panose="020E0602020502020306" pitchFamily="34" charset="0"/>
-            </a:endParaRPr>
-          </a:p>
-          <a:p>
-            <a:endParaRPr lang="en-US" dirty="0" smtClean="0">
-              <a:latin typeface="Berlin Sans FB" panose="020E0602020502020306" pitchFamily="34" charset="0"/>
-            </a:endParaRPr>
-          </a:p>
-          <a:p>
-            <a:endParaRPr lang="en-US" dirty="0">
-              <a:latin typeface="Berlin Sans FB" panose="020E0602020502020306" pitchFamily="34" charset="0"/>
-            </a:endParaRPr>
-          </a:p>
-          <a:p>
-            <a:r>
-              <a:rPr lang="en-US" dirty="0" smtClean="0">
-                <a:latin typeface="Berlin Sans FB" panose="020E0602020502020306" pitchFamily="34" charset="0"/>
-              </a:rPr>
-              <a:t>I Used it with values 10 and 90:</a:t>
-            </a:r>
-            <a:endParaRPr lang="en-US" dirty="0">
-              <a:latin typeface="Berlin Sans FB" panose="020E0602020502020306" pitchFamily="34" charset="0"/>
-            </a:endParaRPr>
-          </a:p>
-        </p:txBody>
-      </p:sp>
-      <p:pic>
-        <p:nvPicPr>
-          <p:cNvPr id="4" name="Picture 3" descr="Screen Clipping"/>
-          <p:cNvPicPr>
-            <a:picLocks noChangeAspect="1"/>
-          </p:cNvPicPr>
-          <p:nvPr/>
-        </p:nvPicPr>
-        <p:blipFill>
-          <a:blip r:embed="rId2">
-            <a:extLst>
-              <a:ext uri="{28A0092B-C50C-407E-A947-70E740481C1C}">
-                <a14:useLocalDpi xmlns:a14="http://schemas.microsoft.com/office/drawing/2010/main" val="0"/>
-              </a:ext>
-            </a:extLst>
-          </a:blip>
-          <a:stretch>
-            <a:fillRect/>
-          </a:stretch>
-        </p:blipFill>
-        <p:spPr>
-          <a:xfrm>
-            <a:off x="1451776" y="3432273"/>
-            <a:ext cx="5048955" cy="752580"/>
-          </a:xfrm>
-          <a:prstGeom prst="rect">
-            <a:avLst/>
-          </a:prstGeom>
-        </p:spPr>
-      </p:pic>
-      <p:cxnSp>
-        <p:nvCxnSpPr>
-          <p:cNvPr id="7" name="Straight Arrow Connector 6"/>
-          <p:cNvCxnSpPr/>
-          <p:nvPr/>
-        </p:nvCxnSpPr>
-        <p:spPr>
-          <a:xfrm>
-            <a:off x="5669279" y="4987467"/>
-            <a:ext cx="1453673" cy="0"/>
-          </a:xfrm>
-          <a:prstGeom prst="straightConnector1">
-            <a:avLst/>
-          </a:prstGeom>
-          <a:ln>
-            <a:tailEnd type="triangle"/>
-          </a:ln>
-        </p:spPr>
-        <p:style>
-          <a:lnRef idx="2">
-            <a:schemeClr val="dk1"/>
-          </a:lnRef>
-          <a:fillRef idx="0">
-            <a:schemeClr val="dk1"/>
-          </a:fillRef>
-          <a:effectRef idx="1">
-            <a:schemeClr val="dk1"/>
-          </a:effectRef>
-          <a:fontRef idx="minor">
-            <a:schemeClr val="tx1"/>
-          </a:fontRef>
-        </p:style>
-      </p:cxnSp>
-      <p:pic>
-        <p:nvPicPr>
-          <p:cNvPr id="8" name="Picture 7" descr="Screen Clipping"/>
-          <p:cNvPicPr>
-            <a:picLocks noChangeAspect="1"/>
-          </p:cNvPicPr>
-          <p:nvPr/>
-        </p:nvPicPr>
-        <p:blipFill>
-          <a:blip r:embed="rId3">
-            <a:extLst>
-              <a:ext uri="{28A0092B-C50C-407E-A947-70E740481C1C}">
-                <a14:useLocalDpi xmlns:a14="http://schemas.microsoft.com/office/drawing/2010/main" val="0"/>
-              </a:ext>
-            </a:extLst>
-          </a:blip>
-          <a:stretch>
-            <a:fillRect/>
-          </a:stretch>
-        </p:blipFill>
-        <p:spPr>
-          <a:xfrm>
-            <a:off x="1104293" y="4536448"/>
-            <a:ext cx="4376590" cy="2250156"/>
-          </a:xfrm>
-          <a:prstGeom prst="rect">
-            <a:avLst/>
-          </a:prstGeom>
-        </p:spPr>
-      </p:pic>
-    </p:spTree>
-    <p:extLst>
-      <p:ext uri="{BB962C8B-B14F-4D97-AF65-F5344CB8AC3E}">
-        <p14:creationId xmlns:p14="http://schemas.microsoft.com/office/powerpoint/2010/main" val="544535038"/>
+        <p14:creationId xmlns:p14="http://schemas.microsoft.com/office/powerpoint/2010/main" val="1018271733"/>
       </p:ext>
     </p:extLst>
   </p:cSld>
@@ -7510,7 +7713,7 @@
 </p:sld>
 </file>
 
-<file path=ppt/slides/slide14.xml><?xml version="1.0" encoding="utf-8"?>
+<file path=ppt/slides/slide16.xml><?xml version="1.0" encoding="utf-8"?>
 <p:sld xmlns:a="http://schemas.openxmlformats.org/drawingml/2006/main" xmlns:r="http://schemas.openxmlformats.org/officeDocument/2006/relationships" xmlns:p="http://schemas.openxmlformats.org/presentationml/2006/main">
   <p:cSld>
     <p:spTree>
@@ -7978,7 +8181,7 @@
 </p:sld>
 </file>
 
-<file path=ppt/slides/slide15.xml><?xml version="1.0" encoding="utf-8"?>
+<file path=ppt/slides/slide17.xml><?xml version="1.0" encoding="utf-8"?>
 <p:sld xmlns:a="http://schemas.openxmlformats.org/drawingml/2006/main" xmlns:r="http://schemas.openxmlformats.org/officeDocument/2006/relationships" xmlns:p="http://schemas.openxmlformats.org/presentationml/2006/main">
   <p:cSld>
     <p:spTree>
@@ -8753,7 +8956,7 @@
 </p:sld>
 </file>
 
-<file path=ppt/slides/slide16.xml><?xml version="1.0" encoding="utf-8"?>
+<file path=ppt/slides/slide18.xml><?xml version="1.0" encoding="utf-8"?>
 <p:sld xmlns:a="http://schemas.openxmlformats.org/drawingml/2006/main" xmlns:r="http://schemas.openxmlformats.org/officeDocument/2006/relationships" xmlns:p="http://schemas.openxmlformats.org/presentationml/2006/main">
   <p:cSld>
     <p:spTree>
@@ -8787,53 +8990,48 @@
           <a:p>
             <a:pPr algn="ctr"/>
             <a:r>
-              <a:rPr lang="en-US" dirty="0">
-                <a:latin typeface="Berlin Sans FB" panose="020E0602020502020306" pitchFamily="34" charset="0"/>
-              </a:rPr>
-              <a:t>Step </a:t>
-            </a:r>
-            <a:r>
-              <a:rPr lang="en-US" dirty="0" smtClean="0">
-                <a:latin typeface="Berlin Sans FB" panose="020E0602020502020306" pitchFamily="34" charset="0"/>
-              </a:rPr>
-              <a:t>6:Plot Graph </a:t>
-            </a:r>
-            <a:r>
-              <a:rPr lang="en-US" dirty="0">
-                <a:latin typeface="Berlin Sans FB" panose="020E0602020502020306" pitchFamily="34" charset="0"/>
-              </a:rPr>
-              <a:t>of</a:t>
-            </a:r>
-            <a:r>
-              <a:rPr lang="en-US" dirty="0" smtClean="0">
-                <a:latin typeface="Berlin Sans FB" panose="020E0602020502020306" pitchFamily="34" charset="0"/>
-              </a:rPr>
-              <a:t/>
-            </a:r>
-            <a:br>
-              <a:rPr lang="en-US" dirty="0" smtClean="0">
-                <a:latin typeface="Berlin Sans FB" panose="020E0602020502020306" pitchFamily="34" charset="0"/>
-              </a:rPr>
-            </a:br>
-            <a:r>
-              <a:rPr lang="en-US" dirty="0" smtClean="0">
-                <a:latin typeface="Berlin Sans FB" panose="020E0602020502020306" pitchFamily="34" charset="0"/>
-              </a:rPr>
-              <a:t>Median&amp;Perecentiles</a:t>
+              <a:rPr lang="en-US" dirty="0" smtClean="0"/>
+              <a:t>Interpolation parameters</a:t>
             </a:r>
             <a:endParaRPr lang="en-US" dirty="0"/>
           </a:p>
         </p:txBody>
       </p:sp>
-      <p:pic>
-        <p:nvPicPr>
-          <p:cNvPr id="4" name="Content Placeholder 3" descr="Screen Clipping"/>
-          <p:cNvPicPr>
-            <a:picLocks noGrp="1" noChangeAspect="1"/>
-          </p:cNvPicPr>
+      <p:sp>
+        <p:nvSpPr>
+          <p:cNvPr id="3" name="Content Placeholder 2"/>
+          <p:cNvSpPr>
+            <a:spLocks noGrp="1"/>
+          </p:cNvSpPr>
           <p:nvPr>
             <p:ph idx="1"/>
           </p:nvPr>
+        </p:nvSpPr>
+        <p:spPr>
+          <a:xfrm>
+            <a:off x="559396" y="1396212"/>
+            <a:ext cx="8946541" cy="4195481"/>
+          </a:xfrm>
+        </p:spPr>
+        <p:txBody>
+          <a:bodyPr/>
+          <a:lstStyle/>
+          <a:p>
+            <a:r>
+              <a:rPr lang="en-US" dirty="0" smtClean="0"/>
+              <a:t>I used my own designed find_size(Step) function to find size of each step:</a:t>
+            </a:r>
+            <a:endParaRPr lang="en-US" dirty="0"/>
+          </a:p>
+        </p:txBody>
+      </p:sp>
+      <p:pic>
+        <p:nvPicPr>
+          <p:cNvPr id="4" name="Picture 3" descr="Screen Clipping"/>
+          <p:cNvPicPr>
+            <a:picLocks noChangeAspect="1"/>
+          </p:cNvPicPr>
+          <p:nvPr/>
         </p:nvPicPr>
         <p:blipFill>
           <a:blip r:embed="rId2">
@@ -8849,21 +9047,24 @@
         </p:blipFill>
         <p:spPr>
           <a:xfrm>
-            <a:off x="1011139" y="1944572"/>
-            <a:ext cx="3162958" cy="4195762"/>
-          </a:xfrm>
+            <a:off x="210891" y="2485506"/>
+            <a:ext cx="5765656" cy="3771371"/>
+          </a:xfrm>
+          <a:prstGeom prst="rect">
+            <a:avLst/>
+          </a:prstGeom>
         </p:spPr>
       </p:pic>
       <p:cxnSp>
         <p:nvCxnSpPr>
-          <p:cNvPr id="5" name="Straight Arrow Connector 4"/>
+          <p:cNvPr id="8" name="Straight Arrow Connector 7"/>
           <p:cNvCxnSpPr/>
           <p:nvPr/>
         </p:nvCxnSpPr>
         <p:spPr>
           <a:xfrm>
-            <a:off x="2668386" y="2552007"/>
-            <a:ext cx="2177934" cy="847898"/>
+            <a:off x="6217920" y="4181301"/>
+            <a:ext cx="407324" cy="0"/>
           </a:xfrm>
           <a:prstGeom prst="straightConnector1">
             <a:avLst/>
@@ -8887,118 +9088,385 @@
           </a:fontRef>
         </p:style>
       </p:cxnSp>
-      <p:cxnSp>
-        <p:nvCxnSpPr>
-          <p:cNvPr id="8" name="Straight Arrow Connector 7"/>
-          <p:cNvCxnSpPr/>
+      <p:pic>
+        <p:nvPicPr>
+          <p:cNvPr id="11" name="Picture 10" descr="Screen Clipping"/>
+          <p:cNvPicPr>
+            <a:picLocks noChangeAspect="1"/>
+          </p:cNvPicPr>
           <p:nvPr/>
-        </p:nvCxnSpPr>
-        <p:spPr>
-          <a:xfrm flipV="1">
-            <a:off x="2668386" y="3757353"/>
-            <a:ext cx="1961803" cy="127462"/>
-          </a:xfrm>
-          <a:prstGeom prst="straightConnector1">
-            <a:avLst/>
-          </a:prstGeom>
-          <a:ln>
-            <a:tailEnd type="triangle"/>
-          </a:ln>
-        </p:spPr>
-        <p:style>
-          <a:lnRef idx="2">
-            <a:schemeClr val="dk1"/>
-          </a:lnRef>
-          <a:fillRef idx="0">
-            <a:schemeClr val="dk1"/>
-          </a:fillRef>
-          <a:effectRef idx="1">
-            <a:schemeClr val="dk1"/>
-          </a:effectRef>
-          <a:fontRef idx="minor">
-            <a:schemeClr val="tx1"/>
-          </a:fontRef>
-        </p:style>
-      </p:cxnSp>
-      <p:cxnSp>
-        <p:nvCxnSpPr>
-          <p:cNvPr id="10" name="Straight Arrow Connector 9"/>
-          <p:cNvCxnSpPr/>
-          <p:nvPr/>
-        </p:nvCxnSpPr>
-        <p:spPr>
-          <a:xfrm flipV="1">
-            <a:off x="2770910" y="4042453"/>
-            <a:ext cx="2216726" cy="1341424"/>
-          </a:xfrm>
-          <a:prstGeom prst="straightConnector1">
-            <a:avLst/>
-          </a:prstGeom>
-          <a:ln>
-            <a:tailEnd type="triangle"/>
-          </a:ln>
-        </p:spPr>
-        <p:style>
-          <a:lnRef idx="2">
-            <a:schemeClr val="dk1"/>
-          </a:lnRef>
-          <a:fillRef idx="0">
-            <a:schemeClr val="dk1"/>
-          </a:fillRef>
-          <a:effectRef idx="1">
-            <a:schemeClr val="dk1"/>
-          </a:effectRef>
-          <a:fontRef idx="minor">
-            <a:schemeClr val="tx1"/>
-          </a:fontRef>
-        </p:style>
-      </p:cxnSp>
-      <p:sp>
-        <p:nvSpPr>
-          <p:cNvPr id="13" name="TextBox 12"/>
-          <p:cNvSpPr txBox="1"/>
-          <p:nvPr/>
-        </p:nvSpPr>
-        <p:spPr>
-          <a:xfrm>
-            <a:off x="4987636" y="3367236"/>
-            <a:ext cx="3217547" cy="707886"/>
+        </p:nvPicPr>
+        <p:blipFill>
+          <a:blip r:embed="rId3">
+            <a:extLst>
+              <a:ext uri="{28A0092B-C50C-407E-A947-70E740481C1C}">
+                <a14:useLocalDpi xmlns:a14="http://schemas.microsoft.com/office/drawing/2010/main" val="0"/>
+              </a:ext>
+            </a:extLst>
+          </a:blip>
+          <a:stretch>
+            <a:fillRect/>
+          </a:stretch>
+        </p:blipFill>
+        <p:spPr>
+          <a:xfrm>
+            <a:off x="6916646" y="3233431"/>
+            <a:ext cx="2686425" cy="1895740"/>
           </a:xfrm>
           <a:prstGeom prst="rect">
             <a:avLst/>
           </a:prstGeom>
-          <a:noFill/>
-        </p:spPr>
-        <p:txBody>
-          <a:bodyPr wrap="none" rtlCol="0">
-            <a:spAutoFit/>
-          </a:bodyPr>
-          <a:lstStyle/>
-          <a:p>
-            <a:r>
-              <a:rPr lang="en-US" sz="2000" dirty="0" smtClean="0">
-                <a:latin typeface="Berlin Sans FB" panose="020E0602020502020306" pitchFamily="34" charset="0"/>
-              </a:rPr>
-              <a:t>Showing Percentiles over the</a:t>
-            </a:r>
-          </a:p>
-          <a:p>
-            <a:r>
-              <a:rPr lang="en-US" sz="2000" dirty="0" smtClean="0">
-                <a:latin typeface="Berlin Sans FB" panose="020E0602020502020306" pitchFamily="34" charset="0"/>
-              </a:rPr>
-              <a:t> Median filtered graphs</a:t>
-            </a:r>
-            <a:endParaRPr lang="en-US" sz="2000" dirty="0">
-              <a:latin typeface="Berlin Sans FB" panose="020E0602020502020306" pitchFamily="34" charset="0"/>
-            </a:endParaRPr>
-          </a:p>
-        </p:txBody>
-      </p:sp>
+        </p:spPr>
+      </p:pic>
     </p:spTree>
     <p:extLst>
       <p:ext uri="{BB962C8B-B14F-4D97-AF65-F5344CB8AC3E}">
-        <p14:creationId xmlns:p14="http://schemas.microsoft.com/office/powerpoint/2010/main" val="701963166"/>
+        <p14:creationId xmlns:p14="http://schemas.microsoft.com/office/powerpoint/2010/main" val="1518240691"/>
+      </p:ext>
+    </p:extLst>
+  </p:cSld>
+  <p:clrMapOvr>
+    <a:masterClrMapping/>
+  </p:clrMapOvr>
+</p:sld>
+</file>
+
+<file path=ppt/slides/slide19.xml><?xml version="1.0" encoding="utf-8"?>
+<p:sld xmlns:a="http://schemas.openxmlformats.org/drawingml/2006/main" xmlns:r="http://schemas.openxmlformats.org/officeDocument/2006/relationships" xmlns:p="http://schemas.openxmlformats.org/presentationml/2006/main">
+  <p:cSld>
+    <p:spTree>
+      <p:nvGrpSpPr>
+        <p:cNvPr id="1" name=""/>
+        <p:cNvGrpSpPr/>
+        <p:nvPr/>
+      </p:nvGrpSpPr>
+      <p:grpSpPr>
+        <a:xfrm>
+          <a:off x="0" y="0"/>
+          <a:ext cx="0" cy="0"/>
+          <a:chOff x="0" y="0"/>
+          <a:chExt cx="0" cy="0"/>
+        </a:xfrm>
+      </p:grpSpPr>
+      <p:sp>
+        <p:nvSpPr>
+          <p:cNvPr id="2" name="Title 1"/>
+          <p:cNvSpPr>
+            <a:spLocks noGrp="1"/>
+          </p:cNvSpPr>
+          <p:nvPr>
+            <p:ph type="title"/>
+          </p:nvPr>
+        </p:nvSpPr>
+        <p:spPr/>
+        <p:txBody>
+          <a:bodyPr/>
+          <a:lstStyle/>
+          <a:p>
+            <a:pPr algn="ctr"/>
+            <a:r>
+              <a:rPr lang="en-US" dirty="0" smtClean="0"/>
+              <a:t>Interpolation</a:t>
+            </a:r>
+            <a:endParaRPr lang="en-US" dirty="0"/>
+          </a:p>
+        </p:txBody>
+      </p:sp>
+      <p:sp>
+        <p:nvSpPr>
+          <p:cNvPr id="3" name="Content Placeholder 2"/>
+          <p:cNvSpPr txBox="1">
+            <a:spLocks/>
+          </p:cNvSpPr>
+          <p:nvPr/>
+        </p:nvSpPr>
+        <p:spPr>
+          <a:xfrm>
+            <a:off x="875201" y="1152983"/>
+            <a:ext cx="8946541" cy="4959926"/>
+          </a:xfrm>
+          <a:prstGeom prst="rect">
+            <a:avLst/>
+          </a:prstGeom>
+        </p:spPr>
+        <p:txBody>
+          <a:bodyPr/>
+          <a:lstStyle>
+            <a:lvl1pPr marL="342900" indent="-342900" algn="l" defTabSz="457200" rtl="0" eaLnBrk="1" latinLnBrk="0" hangingPunct="1">
+              <a:spcBef>
+                <a:spcPts val="1000"/>
+              </a:spcBef>
+              <a:spcAft>
+                <a:spcPts val="0"/>
+              </a:spcAft>
+              <a:buClr>
+                <a:schemeClr val="accent1">
+                  <a:lumMod val="60000"/>
+                  <a:lumOff val="40000"/>
+                </a:schemeClr>
+              </a:buClr>
+              <a:buSzPct val="80000"/>
+              <a:buFont typeface="Wingdings 3" charset="2"/>
+              <a:buChar char=""/>
+              <a:defRPr sz="2000" b="0" i="0" kern="1200">
+                <a:solidFill>
+                  <a:schemeClr val="tx1"/>
+                </a:solidFill>
+                <a:latin typeface="+mj-lt"/>
+                <a:ea typeface="+mj-ea"/>
+                <a:cs typeface="+mj-cs"/>
+              </a:defRPr>
+            </a:lvl1pPr>
+            <a:lvl2pPr marL="742950" indent="-285750" algn="l" defTabSz="457200" rtl="0" eaLnBrk="1" latinLnBrk="0" hangingPunct="1">
+              <a:spcBef>
+                <a:spcPts val="1000"/>
+              </a:spcBef>
+              <a:spcAft>
+                <a:spcPts val="0"/>
+              </a:spcAft>
+              <a:buClr>
+                <a:schemeClr val="accent1">
+                  <a:lumMod val="60000"/>
+                  <a:lumOff val="40000"/>
+                </a:schemeClr>
+              </a:buClr>
+              <a:buSzPct val="80000"/>
+              <a:buFont typeface="Wingdings 3" charset="2"/>
+              <a:buChar char=""/>
+              <a:defRPr sz="1800" b="0" i="0" kern="1200">
+                <a:solidFill>
+                  <a:schemeClr val="tx1"/>
+                </a:solidFill>
+                <a:latin typeface="+mj-lt"/>
+                <a:ea typeface="+mj-ea"/>
+                <a:cs typeface="+mj-cs"/>
+              </a:defRPr>
+            </a:lvl2pPr>
+            <a:lvl3pPr marL="1143000" indent="-228600" algn="l" defTabSz="457200" rtl="0" eaLnBrk="1" latinLnBrk="0" hangingPunct="1">
+              <a:spcBef>
+                <a:spcPts val="1000"/>
+              </a:spcBef>
+              <a:spcAft>
+                <a:spcPts val="0"/>
+              </a:spcAft>
+              <a:buClr>
+                <a:schemeClr val="accent1">
+                  <a:lumMod val="60000"/>
+                  <a:lumOff val="40000"/>
+                </a:schemeClr>
+              </a:buClr>
+              <a:buSzPct val="80000"/>
+              <a:buFont typeface="Wingdings 3" charset="2"/>
+              <a:buChar char=""/>
+              <a:defRPr sz="1600" b="0" i="0" kern="1200">
+                <a:solidFill>
+                  <a:schemeClr val="tx1"/>
+                </a:solidFill>
+                <a:latin typeface="+mj-lt"/>
+                <a:ea typeface="+mj-ea"/>
+                <a:cs typeface="+mj-cs"/>
+              </a:defRPr>
+            </a:lvl3pPr>
+            <a:lvl4pPr marL="1600200" indent="-228600" algn="l" defTabSz="457200" rtl="0" eaLnBrk="1" latinLnBrk="0" hangingPunct="1">
+              <a:spcBef>
+                <a:spcPts val="1000"/>
+              </a:spcBef>
+              <a:spcAft>
+                <a:spcPts val="0"/>
+              </a:spcAft>
+              <a:buClr>
+                <a:schemeClr val="accent1">
+                  <a:lumMod val="60000"/>
+                  <a:lumOff val="40000"/>
+                </a:schemeClr>
+              </a:buClr>
+              <a:buSzPct val="80000"/>
+              <a:buFont typeface="Wingdings 3" charset="2"/>
+              <a:buChar char=""/>
+              <a:defRPr sz="1400" b="0" i="0" kern="1200">
+                <a:solidFill>
+                  <a:schemeClr val="tx1"/>
+                </a:solidFill>
+                <a:latin typeface="+mj-lt"/>
+                <a:ea typeface="+mj-ea"/>
+                <a:cs typeface="+mj-cs"/>
+              </a:defRPr>
+            </a:lvl4pPr>
+            <a:lvl5pPr marL="2057400" indent="-228600" algn="l" defTabSz="457200" rtl="0" eaLnBrk="1" latinLnBrk="0" hangingPunct="1">
+              <a:spcBef>
+                <a:spcPts val="1000"/>
+              </a:spcBef>
+              <a:spcAft>
+                <a:spcPts val="0"/>
+              </a:spcAft>
+              <a:buClr>
+                <a:schemeClr val="accent1">
+                  <a:lumMod val="60000"/>
+                  <a:lumOff val="40000"/>
+                </a:schemeClr>
+              </a:buClr>
+              <a:buSzPct val="80000"/>
+              <a:buFont typeface="Wingdings 3" charset="2"/>
+              <a:buChar char=""/>
+              <a:defRPr sz="1400" b="0" i="0" kern="1200">
+                <a:solidFill>
+                  <a:schemeClr val="tx1"/>
+                </a:solidFill>
+                <a:latin typeface="+mj-lt"/>
+                <a:ea typeface="+mj-ea"/>
+                <a:cs typeface="+mj-cs"/>
+              </a:defRPr>
+            </a:lvl5pPr>
+            <a:lvl6pPr marL="2514600" indent="-228600" algn="l" defTabSz="457200" rtl="0" eaLnBrk="1" latinLnBrk="0" hangingPunct="1">
+              <a:spcBef>
+                <a:spcPts val="1000"/>
+              </a:spcBef>
+              <a:spcAft>
+                <a:spcPts val="0"/>
+              </a:spcAft>
+              <a:buClr>
+                <a:schemeClr val="accent1">
+                  <a:lumMod val="60000"/>
+                  <a:lumOff val="40000"/>
+                </a:schemeClr>
+              </a:buClr>
+              <a:buSzPct val="80000"/>
+              <a:buFont typeface="Wingdings 3" charset="2"/>
+              <a:buChar char=""/>
+              <a:defRPr sz="1400" b="0" i="0" kern="1200">
+                <a:solidFill>
+                  <a:schemeClr val="tx1"/>
+                </a:solidFill>
+                <a:latin typeface="+mj-lt"/>
+                <a:ea typeface="+mj-ea"/>
+                <a:cs typeface="+mj-cs"/>
+              </a:defRPr>
+            </a:lvl6pPr>
+            <a:lvl7pPr marL="2971800" indent="-228600" algn="l" defTabSz="457200" rtl="0" eaLnBrk="1" latinLnBrk="0" hangingPunct="1">
+              <a:spcBef>
+                <a:spcPts val="1000"/>
+              </a:spcBef>
+              <a:spcAft>
+                <a:spcPts val="0"/>
+              </a:spcAft>
+              <a:buClr>
+                <a:schemeClr val="accent1">
+                  <a:lumMod val="60000"/>
+                  <a:lumOff val="40000"/>
+                </a:schemeClr>
+              </a:buClr>
+              <a:buSzPct val="80000"/>
+              <a:buFont typeface="Wingdings 3" charset="2"/>
+              <a:buChar char=""/>
+              <a:defRPr sz="1400" b="0" i="0" kern="1200">
+                <a:solidFill>
+                  <a:schemeClr val="tx1"/>
+                </a:solidFill>
+                <a:latin typeface="+mj-lt"/>
+                <a:ea typeface="+mj-ea"/>
+                <a:cs typeface="+mj-cs"/>
+              </a:defRPr>
+            </a:lvl7pPr>
+            <a:lvl8pPr marL="3429000" indent="-228600" algn="l" defTabSz="457200" rtl="0" eaLnBrk="1" latinLnBrk="0" hangingPunct="1">
+              <a:spcBef>
+                <a:spcPts val="1000"/>
+              </a:spcBef>
+              <a:spcAft>
+                <a:spcPts val="0"/>
+              </a:spcAft>
+              <a:buClr>
+                <a:schemeClr val="accent1">
+                  <a:lumMod val="60000"/>
+                  <a:lumOff val="40000"/>
+                </a:schemeClr>
+              </a:buClr>
+              <a:buSzPct val="80000"/>
+              <a:buFont typeface="Wingdings 3" charset="2"/>
+              <a:buChar char=""/>
+              <a:defRPr sz="1400" b="0" i="0" kern="1200">
+                <a:solidFill>
+                  <a:schemeClr val="tx1"/>
+                </a:solidFill>
+                <a:latin typeface="+mj-lt"/>
+                <a:ea typeface="+mj-ea"/>
+                <a:cs typeface="+mj-cs"/>
+              </a:defRPr>
+            </a:lvl8pPr>
+            <a:lvl9pPr marL="3886200" indent="-228600" algn="l" defTabSz="457200" rtl="0" eaLnBrk="1" latinLnBrk="0" hangingPunct="1">
+              <a:spcBef>
+                <a:spcPts val="1000"/>
+              </a:spcBef>
+              <a:spcAft>
+                <a:spcPts val="0"/>
+              </a:spcAft>
+              <a:buClr>
+                <a:schemeClr val="accent1">
+                  <a:lumMod val="60000"/>
+                  <a:lumOff val="40000"/>
+                </a:schemeClr>
+              </a:buClr>
+              <a:buSzPct val="80000"/>
+              <a:buFont typeface="Wingdings 3" charset="2"/>
+              <a:buChar char=""/>
+              <a:defRPr sz="1400" b="0" i="0" kern="1200">
+                <a:solidFill>
+                  <a:schemeClr val="tx1"/>
+                </a:solidFill>
+                <a:latin typeface="+mj-lt"/>
+                <a:ea typeface="+mj-ea"/>
+                <a:cs typeface="+mj-cs"/>
+              </a:defRPr>
+            </a:lvl9pPr>
+          </a:lstStyle>
+          <a:p>
+            <a:endParaRPr lang="en-US" dirty="0" smtClean="0">
+              <a:latin typeface="Berlin Sans FB" panose="020E0602020502020306" pitchFamily="34" charset="0"/>
+            </a:endParaRPr>
+          </a:p>
+          <a:p>
+            <a:r>
+              <a:rPr lang="en-US" sz="2200" dirty="0">
+                <a:latin typeface="Berlin Sans FB" panose="020E0602020502020306" pitchFamily="34" charset="0"/>
+              </a:rPr>
+              <a:t>Code Implementation:</a:t>
+            </a:r>
+          </a:p>
+        </p:txBody>
+      </p:sp>
+      <p:pic>
+        <p:nvPicPr>
+          <p:cNvPr id="4" name="Picture 3" descr="Screen Clipping"/>
+          <p:cNvPicPr>
+            <a:picLocks noChangeAspect="1"/>
+          </p:cNvPicPr>
+          <p:nvPr/>
+        </p:nvPicPr>
+        <p:blipFill>
+          <a:blip r:embed="rId2">
+            <a:extLst>
+              <a:ext uri="{28A0092B-C50C-407E-A947-70E740481C1C}">
+                <a14:useLocalDpi xmlns:a14="http://schemas.microsoft.com/office/drawing/2010/main" val="0"/>
+              </a:ext>
+            </a:extLst>
+          </a:blip>
+          <a:stretch>
+            <a:fillRect/>
+          </a:stretch>
+        </p:blipFill>
+        <p:spPr>
+          <a:xfrm>
+            <a:off x="1325198" y="2304044"/>
+            <a:ext cx="7297168" cy="2000529"/>
+          </a:xfrm>
+          <a:prstGeom prst="rect">
+            <a:avLst/>
+          </a:prstGeom>
+        </p:spPr>
+      </p:pic>
+    </p:spTree>
+    <p:extLst>
+      <p:ext uri="{BB962C8B-B14F-4D97-AF65-F5344CB8AC3E}">
+        <p14:creationId xmlns:p14="http://schemas.microsoft.com/office/powerpoint/2010/main" val="550251738"/>
       </p:ext>
     </p:extLst>
   </p:cSld>
@@ -9364,6 +9832,173 @@
       </p:par>
     </p:tnLst>
   </p:timing>
+</p:sld>
+</file>
+
+<file path=ppt/slides/slide20.xml><?xml version="1.0" encoding="utf-8"?>
+<p:sld xmlns:a="http://schemas.openxmlformats.org/drawingml/2006/main" xmlns:r="http://schemas.openxmlformats.org/officeDocument/2006/relationships" xmlns:p="http://schemas.openxmlformats.org/presentationml/2006/main">
+  <p:cSld>
+    <p:spTree>
+      <p:nvGrpSpPr>
+        <p:cNvPr id="1" name=""/>
+        <p:cNvGrpSpPr/>
+        <p:nvPr/>
+      </p:nvGrpSpPr>
+      <p:grpSpPr>
+        <a:xfrm>
+          <a:off x="0" y="0"/>
+          <a:ext cx="0" cy="0"/>
+          <a:chOff x="0" y="0"/>
+          <a:chExt cx="0" cy="0"/>
+        </a:xfrm>
+      </p:grpSpPr>
+      <p:sp>
+        <p:nvSpPr>
+          <p:cNvPr id="2" name="Title 1"/>
+          <p:cNvSpPr>
+            <a:spLocks noGrp="1"/>
+          </p:cNvSpPr>
+          <p:nvPr>
+            <p:ph type="title"/>
+          </p:nvPr>
+        </p:nvSpPr>
+        <p:spPr/>
+        <p:txBody>
+          <a:bodyPr/>
+          <a:lstStyle/>
+          <a:p>
+            <a:pPr algn="ctr"/>
+            <a:r>
+              <a:rPr lang="en-US" dirty="0">
+                <a:latin typeface="Berlin Sans FB" panose="020E0602020502020306" pitchFamily="34" charset="0"/>
+              </a:rPr>
+              <a:t>Step </a:t>
+            </a:r>
+            <a:r>
+              <a:rPr lang="en-US" dirty="0" smtClean="0">
+                <a:latin typeface="Berlin Sans FB" panose="020E0602020502020306" pitchFamily="34" charset="0"/>
+              </a:rPr>
+              <a:t>6:Plot Graph </a:t>
+            </a:r>
+            <a:r>
+              <a:rPr lang="en-US" dirty="0">
+                <a:latin typeface="Berlin Sans FB" panose="020E0602020502020306" pitchFamily="34" charset="0"/>
+              </a:rPr>
+              <a:t>of</a:t>
+            </a:r>
+            <a:r>
+              <a:rPr lang="en-US" dirty="0" smtClean="0">
+                <a:latin typeface="Berlin Sans FB" panose="020E0602020502020306" pitchFamily="34" charset="0"/>
+              </a:rPr>
+              <a:t/>
+            </a:r>
+            <a:br>
+              <a:rPr lang="en-US" dirty="0" smtClean="0">
+                <a:latin typeface="Berlin Sans FB" panose="020E0602020502020306" pitchFamily="34" charset="0"/>
+              </a:rPr>
+            </a:br>
+            <a:r>
+              <a:rPr lang="en-US" dirty="0" smtClean="0">
+                <a:latin typeface="Berlin Sans FB" panose="020E0602020502020306" pitchFamily="34" charset="0"/>
+              </a:rPr>
+              <a:t>Median&amp;Perecentiles</a:t>
+            </a:r>
+            <a:endParaRPr lang="en-US" dirty="0"/>
+          </a:p>
+        </p:txBody>
+      </p:sp>
+      <p:sp>
+        <p:nvSpPr>
+          <p:cNvPr id="13" name="TextBox 12"/>
+          <p:cNvSpPr txBox="1"/>
+          <p:nvPr/>
+        </p:nvSpPr>
+        <p:spPr>
+          <a:xfrm>
+            <a:off x="2834640" y="6409114"/>
+            <a:ext cx="5676554" cy="400110"/>
+          </a:xfrm>
+          <a:prstGeom prst="rect">
+            <a:avLst/>
+          </a:prstGeom>
+          <a:noFill/>
+        </p:spPr>
+        <p:txBody>
+          <a:bodyPr wrap="none" rtlCol="0">
+            <a:spAutoFit/>
+          </a:bodyPr>
+          <a:lstStyle/>
+          <a:p>
+            <a:r>
+              <a:rPr lang="en-US" sz="2000" dirty="0">
+                <a:latin typeface="Berlin Sans FB" panose="020E0602020502020306" pitchFamily="34" charset="0"/>
+              </a:rPr>
+              <a:t>Showing Median filtered </a:t>
+            </a:r>
+            <a:r>
+              <a:rPr lang="en-US" sz="2000" dirty="0" smtClean="0">
+                <a:latin typeface="Berlin Sans FB" panose="020E0602020502020306" pitchFamily="34" charset="0"/>
+              </a:rPr>
+              <a:t>over </a:t>
+            </a:r>
+            <a:r>
+              <a:rPr lang="en-US" sz="2000" dirty="0">
+                <a:latin typeface="Berlin Sans FB" panose="020E0602020502020306" pitchFamily="34" charset="0"/>
+              </a:rPr>
+              <a:t>the Percentiles </a:t>
+            </a:r>
+            <a:r>
+              <a:rPr lang="en-US" sz="2000" dirty="0" smtClean="0">
+                <a:latin typeface="Berlin Sans FB" panose="020E0602020502020306" pitchFamily="34" charset="0"/>
+              </a:rPr>
+              <a:t>graphs</a:t>
+            </a:r>
+            <a:endParaRPr lang="en-US" sz="2000" dirty="0">
+              <a:latin typeface="Berlin Sans FB" panose="020E0602020502020306" pitchFamily="34" charset="0"/>
+            </a:endParaRPr>
+          </a:p>
+        </p:txBody>
+      </p:sp>
+      <p:pic>
+        <p:nvPicPr>
+          <p:cNvPr id="6" name="Picture 5" descr="Screen Clipping"/>
+          <p:cNvPicPr>
+            <a:picLocks noChangeAspect="1"/>
+          </p:cNvPicPr>
+          <p:nvPr/>
+        </p:nvPicPr>
+        <p:blipFill>
+          <a:blip r:embed="rId2">
+            <a:extLst>
+              <a:ext uri="{28A0092B-C50C-407E-A947-70E740481C1C}">
+                <a14:useLocalDpi xmlns:a14="http://schemas.microsoft.com/office/drawing/2010/main" val="0"/>
+              </a:ext>
+            </a:extLst>
+          </a:blip>
+          <a:stretch>
+            <a:fillRect/>
+          </a:stretch>
+        </p:blipFill>
+        <p:spPr>
+          <a:xfrm>
+            <a:off x="440574" y="1925152"/>
+            <a:ext cx="10749069" cy="4483962"/>
+          </a:xfrm>
+          <a:prstGeom prst="rect">
+            <a:avLst/>
+          </a:prstGeom>
+        </p:spPr>
+      </p:pic>
+    </p:spTree>
+    <p:extLst>
+      <p:ext uri="{BB962C8B-B14F-4D97-AF65-F5344CB8AC3E}">
+        <p14:creationId xmlns:p14="http://schemas.microsoft.com/office/powerpoint/2010/main" val="701963166"/>
+      </p:ext>
+    </p:extLst>
+  </p:cSld>
+  <p:clrMapOvr>
+    <a:masterClrMapping/>
+  </p:clrMapOvr>
 </p:sld>
 </file>
 
@@ -12927,7 +13562,7 @@
       </p:sp>
       <p:pic>
         <p:nvPicPr>
-          <p:cNvPr id="4" name="Content Placeholder 3" descr="Screen Clipping"/>
+          <p:cNvPr id="5" name="Content Placeholder 4" descr="Screen Clipping"/>
           <p:cNvPicPr>
             <a:picLocks noGrp="1" noChangeAspect="1"/>
           </p:cNvPicPr>
@@ -12949,11 +13584,81 @@
         </p:blipFill>
         <p:spPr>
           <a:xfrm>
-            <a:off x="1791529" y="1254360"/>
-            <a:ext cx="7113885" cy="5393050"/>
+            <a:off x="897774" y="1290188"/>
+            <a:ext cx="6079420" cy="5490226"/>
           </a:xfrm>
         </p:spPr>
       </p:pic>
+      <p:sp>
+        <p:nvSpPr>
+          <p:cNvPr id="6" name="TextBox 5"/>
+          <p:cNvSpPr txBox="1"/>
+          <p:nvPr/>
+        </p:nvSpPr>
+        <p:spPr>
+          <a:xfrm>
+            <a:off x="7228858" y="2535382"/>
+            <a:ext cx="4949604" cy="2308324"/>
+          </a:xfrm>
+          <a:prstGeom prst="rect">
+            <a:avLst/>
+          </a:prstGeom>
+          <a:noFill/>
+        </p:spPr>
+        <p:txBody>
+          <a:bodyPr wrap="square" rtlCol="0">
+            <a:spAutoFit/>
+          </a:bodyPr>
+          <a:lstStyle/>
+          <a:p>
+            <a:r>
+              <a:rPr lang="en-US" dirty="0" smtClean="0"/>
+              <a:t>The idea of the algorithm is to</a:t>
+            </a:r>
+          </a:p>
+          <a:p>
+            <a:r>
+              <a:rPr lang="en-US" dirty="0" smtClean="0"/>
+              <a:t> check the first repetitive part which is</a:t>
+            </a:r>
+          </a:p>
+          <a:p>
+            <a:r>
+              <a:rPr lang="en-US" dirty="0" smtClean="0"/>
+              <a:t>Supposed to be within a range of -3 to 3</a:t>
+            </a:r>
+          </a:p>
+          <a:p>
+            <a:endParaRPr lang="en-US" dirty="0"/>
+          </a:p>
+          <a:p>
+            <a:endParaRPr lang="en-US" dirty="0" smtClean="0"/>
+          </a:p>
+          <a:p>
+            <a:r>
+              <a:rPr lang="en-US" dirty="0"/>
+              <a:t>I also used an </a:t>
+            </a:r>
+            <a:r>
+              <a:rPr lang="en-US" dirty="0" smtClean="0"/>
+              <a:t>Auxiliary Array to make sure</a:t>
+            </a:r>
+          </a:p>
+          <a:p>
+            <a:r>
+              <a:rPr lang="en-US" dirty="0" smtClean="0"/>
+              <a:t>That the cut of the beginning is not too </a:t>
+            </a:r>
+          </a:p>
+          <a:p>
+            <a:r>
+              <a:rPr lang="en-US" dirty="0" smtClean="0"/>
+              <a:t>Long(more than 100).</a:t>
+            </a:r>
+            <a:endParaRPr lang="en-US" dirty="0"/>
+          </a:p>
+        </p:txBody>
+      </p:sp>
     </p:spTree>
     <p:extLst>
       <p:ext uri="{BB962C8B-B14F-4D97-AF65-F5344CB8AC3E}">
